--- a/images/git-merge/git_merge.pptx
+++ b/images/git-merge/git_merge.pptx
@@ -10,7 +10,7 @@
     <p:sldId id="261" r:id="rId4"/>
     <p:sldId id="263" r:id="rId5"/>
   </p:sldIdLst>
-  <p:sldSz cx="9144000" cy="6858000" type="screen4x3"/>
+  <p:sldSz cx="9145588" cy="6121400"/>
   <p:notesSz cx="6858000" cy="9144000"/>
   <p:defaultTextStyle>
     <a:defPPr>
@@ -139,8 +139,8 @@
         </p:nvSpPr>
         <p:spPr>
           <a:xfrm>
-            <a:off x="685800" y="2130425"/>
-            <a:ext cx="7772400" cy="1470025"/>
+            <a:off x="685919" y="1901602"/>
+            <a:ext cx="7773750" cy="1312134"/>
           </a:xfrm>
         </p:spPr>
         <p:txBody>
@@ -167,8 +167,8 @@
         </p:nvSpPr>
         <p:spPr>
           <a:xfrm>
-            <a:off x="1371600" y="3886200"/>
-            <a:ext cx="6400800" cy="1752600"/>
+            <a:off x="1371838" y="3468793"/>
+            <a:ext cx="6401912" cy="1564360"/>
           </a:xfrm>
         </p:spPr>
         <p:txBody>
@@ -291,7 +291,7 @@
           <a:p>
             <a:fld id="{B5CA565D-B2B5-478A-B2C3-113F166969BB}" type="datetimeFigureOut">
               <a:rPr kumimoji="1" lang="ja-JP" altLang="en-US" smtClean="0"/>
-              <a:t>2015/12/27</a:t>
+              <a:t>2016/4/17</a:t>
             </a:fld>
             <a:endParaRPr kumimoji="1" lang="ja-JP" altLang="en-US"/>
           </a:p>
@@ -493,7 +493,7 @@
           <a:p>
             <a:fld id="{B5CA565D-B2B5-478A-B2C3-113F166969BB}" type="datetimeFigureOut">
               <a:rPr kumimoji="1" lang="ja-JP" altLang="en-US" smtClean="0"/>
-              <a:t>2015/12/27</a:t>
+              <a:t>2016/4/17</a:t>
             </a:fld>
             <a:endParaRPr kumimoji="1" lang="ja-JP" altLang="en-US"/>
           </a:p>
@@ -583,8 +583,8 @@
         </p:nvSpPr>
         <p:spPr>
           <a:xfrm>
-            <a:off x="6629400" y="274638"/>
-            <a:ext cx="2057400" cy="5851525"/>
+            <a:off x="6630556" y="245141"/>
+            <a:ext cx="2057757" cy="5223028"/>
           </a:xfrm>
         </p:spPr>
         <p:txBody>
@@ -611,8 +611,8 @@
         </p:nvSpPr>
         <p:spPr>
           <a:xfrm>
-            <a:off x="457200" y="274638"/>
-            <a:ext cx="6019800" cy="5851525"/>
+            <a:off x="457285" y="245141"/>
+            <a:ext cx="6020845" cy="5223028"/>
           </a:xfrm>
         </p:spPr>
         <p:txBody>
@@ -705,7 +705,7 @@
           <a:p>
             <a:fld id="{B5CA565D-B2B5-478A-B2C3-113F166969BB}" type="datetimeFigureOut">
               <a:rPr kumimoji="1" lang="ja-JP" altLang="en-US" smtClean="0"/>
-              <a:t>2015/12/27</a:t>
+              <a:t>2016/4/17</a:t>
             </a:fld>
             <a:endParaRPr kumimoji="1" lang="ja-JP" altLang="en-US"/>
           </a:p>
@@ -907,7 +907,7 @@
           <a:p>
             <a:fld id="{B5CA565D-B2B5-478A-B2C3-113F166969BB}" type="datetimeFigureOut">
               <a:rPr kumimoji="1" lang="ja-JP" altLang="en-US" smtClean="0"/>
-              <a:t>2015/12/27</a:t>
+              <a:t>2016/4/17</a:t>
             </a:fld>
             <a:endParaRPr kumimoji="1" lang="ja-JP" altLang="en-US"/>
           </a:p>
@@ -997,8 +997,8 @@
         </p:nvSpPr>
         <p:spPr>
           <a:xfrm>
-            <a:off x="722313" y="4406900"/>
-            <a:ext cx="7772400" cy="1362075"/>
+            <a:off x="722438" y="3933567"/>
+            <a:ext cx="7773750" cy="1215778"/>
           </a:xfrm>
         </p:spPr>
         <p:txBody>
@@ -1029,8 +1029,8 @@
         </p:nvSpPr>
         <p:spPr>
           <a:xfrm>
-            <a:off x="722313" y="2906713"/>
-            <a:ext cx="7772400" cy="1500187"/>
+            <a:off x="722438" y="2594513"/>
+            <a:ext cx="7773750" cy="1339055"/>
           </a:xfrm>
         </p:spPr>
         <p:txBody>
@@ -1153,7 +1153,7 @@
           <a:p>
             <a:fld id="{B5CA565D-B2B5-478A-B2C3-113F166969BB}" type="datetimeFigureOut">
               <a:rPr kumimoji="1" lang="ja-JP" altLang="en-US" smtClean="0"/>
-              <a:t>2015/12/27</a:t>
+              <a:t>2016/4/17</a:t>
             </a:fld>
             <a:endParaRPr kumimoji="1" lang="ja-JP" altLang="en-US"/>
           </a:p>
@@ -1266,8 +1266,8 @@
         </p:nvSpPr>
         <p:spPr>
           <a:xfrm>
-            <a:off x="457200" y="1600200"/>
-            <a:ext cx="4038600" cy="4525963"/>
+            <a:off x="457281" y="1428327"/>
+            <a:ext cx="4039301" cy="4039841"/>
           </a:xfrm>
         </p:spPr>
         <p:txBody>
@@ -1383,8 +1383,8 @@
         </p:nvSpPr>
         <p:spPr>
           <a:xfrm>
-            <a:off x="4648200" y="1600200"/>
-            <a:ext cx="4038600" cy="4525963"/>
+            <a:off x="4649012" y="1428327"/>
+            <a:ext cx="4039301" cy="4039841"/>
           </a:xfrm>
         </p:spPr>
         <p:txBody>
@@ -1505,7 +1505,7 @@
           <a:p>
             <a:fld id="{B5CA565D-B2B5-478A-B2C3-113F166969BB}" type="datetimeFigureOut">
               <a:rPr kumimoji="1" lang="ja-JP" altLang="en-US" smtClean="0"/>
-              <a:t>2015/12/27</a:t>
+              <a:t>2016/4/17</a:t>
             </a:fld>
             <a:endParaRPr kumimoji="1" lang="ja-JP" altLang="en-US"/>
           </a:p>
@@ -1622,8 +1622,8 @@
         </p:nvSpPr>
         <p:spPr>
           <a:xfrm>
-            <a:off x="457200" y="1535113"/>
-            <a:ext cx="4040188" cy="639762"/>
+            <a:off x="457279" y="1370231"/>
+            <a:ext cx="4040890" cy="571047"/>
           </a:xfrm>
         </p:spPr>
         <p:txBody>
@@ -1687,8 +1687,8 @@
         </p:nvSpPr>
         <p:spPr>
           <a:xfrm>
-            <a:off x="457200" y="2174875"/>
-            <a:ext cx="4040188" cy="3951288"/>
+            <a:off x="457279" y="1941280"/>
+            <a:ext cx="4040890" cy="3526890"/>
           </a:xfrm>
         </p:spPr>
         <p:txBody>
@@ -1804,8 +1804,8 @@
         </p:nvSpPr>
         <p:spPr>
           <a:xfrm>
-            <a:off x="4645025" y="1535113"/>
-            <a:ext cx="4041775" cy="639762"/>
+            <a:off x="4645837" y="1370231"/>
+            <a:ext cx="4042477" cy="571047"/>
           </a:xfrm>
         </p:spPr>
         <p:txBody>
@@ -1869,8 +1869,8 @@
         </p:nvSpPr>
         <p:spPr>
           <a:xfrm>
-            <a:off x="4645025" y="2174875"/>
-            <a:ext cx="4041775" cy="3951288"/>
+            <a:off x="4645837" y="1941280"/>
+            <a:ext cx="4042477" cy="3526890"/>
           </a:xfrm>
         </p:spPr>
         <p:txBody>
@@ -1991,7 +1991,7 @@
           <a:p>
             <a:fld id="{B5CA565D-B2B5-478A-B2C3-113F166969BB}" type="datetimeFigureOut">
               <a:rPr kumimoji="1" lang="ja-JP" altLang="en-US" smtClean="0"/>
-              <a:t>2015/12/27</a:t>
+              <a:t>2016/4/17</a:t>
             </a:fld>
             <a:endParaRPr kumimoji="1" lang="ja-JP" altLang="en-US"/>
           </a:p>
@@ -2109,7 +2109,7 @@
           <a:p>
             <a:fld id="{B5CA565D-B2B5-478A-B2C3-113F166969BB}" type="datetimeFigureOut">
               <a:rPr kumimoji="1" lang="ja-JP" altLang="en-US" smtClean="0"/>
-              <a:t>2015/12/27</a:t>
+              <a:t>2016/4/17</a:t>
             </a:fld>
             <a:endParaRPr kumimoji="1" lang="ja-JP" altLang="en-US"/>
           </a:p>
@@ -2204,7 +2204,7 @@
           <a:p>
             <a:fld id="{B5CA565D-B2B5-478A-B2C3-113F166969BB}" type="datetimeFigureOut">
               <a:rPr kumimoji="1" lang="ja-JP" altLang="en-US" smtClean="0"/>
-              <a:t>2015/12/27</a:t>
+              <a:t>2016/4/17</a:t>
             </a:fld>
             <a:endParaRPr kumimoji="1" lang="ja-JP" altLang="en-US"/>
           </a:p>
@@ -2294,8 +2294,8 @@
         </p:nvSpPr>
         <p:spPr>
           <a:xfrm>
-            <a:off x="457200" y="273050"/>
-            <a:ext cx="3008313" cy="1162050"/>
+            <a:off x="457285" y="243723"/>
+            <a:ext cx="3008835" cy="1037237"/>
           </a:xfrm>
         </p:spPr>
         <p:txBody>
@@ -2326,8 +2326,8 @@
         </p:nvSpPr>
         <p:spPr>
           <a:xfrm>
-            <a:off x="3575050" y="273050"/>
-            <a:ext cx="5111750" cy="5853113"/>
+            <a:off x="3575671" y="243724"/>
+            <a:ext cx="5112638" cy="5224445"/>
           </a:xfrm>
         </p:spPr>
         <p:txBody>
@@ -2443,8 +2443,8 @@
         </p:nvSpPr>
         <p:spPr>
           <a:xfrm>
-            <a:off x="457200" y="1435100"/>
-            <a:ext cx="3008313" cy="4691063"/>
+            <a:off x="457285" y="1280961"/>
+            <a:ext cx="3008835" cy="4187208"/>
           </a:xfrm>
         </p:spPr>
         <p:txBody>
@@ -2513,7 +2513,7 @@
           <a:p>
             <a:fld id="{B5CA565D-B2B5-478A-B2C3-113F166969BB}" type="datetimeFigureOut">
               <a:rPr kumimoji="1" lang="ja-JP" altLang="en-US" smtClean="0"/>
-              <a:t>2015/12/27</a:t>
+              <a:t>2016/4/17</a:t>
             </a:fld>
             <a:endParaRPr kumimoji="1" lang="ja-JP" altLang="en-US"/>
           </a:p>
@@ -2603,8 +2603,8 @@
         </p:nvSpPr>
         <p:spPr>
           <a:xfrm>
-            <a:off x="1792288" y="4800600"/>
-            <a:ext cx="5486400" cy="566738"/>
+            <a:off x="1792604" y="4284980"/>
+            <a:ext cx="5487353" cy="505866"/>
           </a:xfrm>
         </p:spPr>
         <p:txBody>
@@ -2635,8 +2635,8 @@
         </p:nvSpPr>
         <p:spPr>
           <a:xfrm>
-            <a:off x="1792288" y="612775"/>
-            <a:ext cx="5486400" cy="4114800"/>
+            <a:off x="1792604" y="546960"/>
+            <a:ext cx="5487353" cy="3672840"/>
           </a:xfrm>
         </p:spPr>
         <p:txBody>
@@ -2696,8 +2696,8 @@
         </p:nvSpPr>
         <p:spPr>
           <a:xfrm>
-            <a:off x="1792288" y="5367338"/>
-            <a:ext cx="5486400" cy="804862"/>
+            <a:off x="1792604" y="4790848"/>
+            <a:ext cx="5487353" cy="718413"/>
           </a:xfrm>
         </p:spPr>
         <p:txBody>
@@ -2766,7 +2766,7 @@
           <a:p>
             <a:fld id="{B5CA565D-B2B5-478A-B2C3-113F166969BB}" type="datetimeFigureOut">
               <a:rPr kumimoji="1" lang="ja-JP" altLang="en-US" smtClean="0"/>
-              <a:t>2015/12/27</a:t>
+              <a:t>2016/4/17</a:t>
             </a:fld>
             <a:endParaRPr kumimoji="1" lang="ja-JP" altLang="en-US"/>
           </a:p>
@@ -2861,8 +2861,8 @@
         </p:nvSpPr>
         <p:spPr>
           <a:xfrm>
-            <a:off x="457200" y="274638"/>
-            <a:ext cx="8229600" cy="1143000"/>
+            <a:off x="457285" y="245141"/>
+            <a:ext cx="8231029" cy="1020233"/>
           </a:xfrm>
           <a:prstGeom prst="rect">
             <a:avLst/>
@@ -2894,8 +2894,8 @@
         </p:nvSpPr>
         <p:spPr>
           <a:xfrm>
-            <a:off x="457200" y="1600200"/>
-            <a:ext cx="8229600" cy="4525963"/>
+            <a:off x="457285" y="1428327"/>
+            <a:ext cx="8231029" cy="4039841"/>
           </a:xfrm>
           <a:prstGeom prst="rect">
             <a:avLst/>
@@ -2988,8 +2988,8 @@
         </p:nvSpPr>
         <p:spPr>
           <a:xfrm>
-            <a:off x="457200" y="6356350"/>
-            <a:ext cx="2133600" cy="365125"/>
+            <a:off x="457280" y="5673633"/>
+            <a:ext cx="2133971" cy="325908"/>
           </a:xfrm>
           <a:prstGeom prst="rect">
             <a:avLst/>
@@ -3011,7 +3011,7 @@
           <a:p>
             <a:fld id="{B5CA565D-B2B5-478A-B2C3-113F166969BB}" type="datetimeFigureOut">
               <a:rPr kumimoji="1" lang="ja-JP" altLang="en-US" smtClean="0"/>
-              <a:t>2015/12/27</a:t>
+              <a:t>2016/4/17</a:t>
             </a:fld>
             <a:endParaRPr kumimoji="1" lang="ja-JP" altLang="en-US"/>
           </a:p>
@@ -3029,8 +3029,8 @@
         </p:nvSpPr>
         <p:spPr>
           <a:xfrm>
-            <a:off x="3124200" y="6356350"/>
-            <a:ext cx="2895600" cy="365125"/>
+            <a:off x="3124748" y="5673633"/>
+            <a:ext cx="2896103" cy="325908"/>
           </a:xfrm>
           <a:prstGeom prst="rect">
             <a:avLst/>
@@ -3066,8 +3066,8 @@
         </p:nvSpPr>
         <p:spPr>
           <a:xfrm>
-            <a:off x="6553200" y="6356350"/>
-            <a:ext cx="2133600" cy="365125"/>
+            <a:off x="6554343" y="5673633"/>
+            <a:ext cx="2133971" cy="325908"/>
           </a:xfrm>
           <a:prstGeom prst="rect">
             <a:avLst/>
@@ -3388,18 +3388,24 @@
       </p:grpSpPr>
       <p:sp>
         <p:nvSpPr>
-          <p:cNvPr id="21" name="円/楕円 20"/>
+          <p:cNvPr id="97" name="円/楕円 96"/>
           <p:cNvSpPr/>
           <p:nvPr/>
         </p:nvSpPr>
         <p:spPr>
           <a:xfrm>
-            <a:off x="1259632" y="3220169"/>
+            <a:off x="1259632" y="2926382"/>
             <a:ext cx="540000" cy="540000"/>
           </a:xfrm>
           <a:prstGeom prst="ellipse">
             <a:avLst/>
           </a:prstGeom>
+          <a:solidFill>
+            <a:srgbClr val="FF0066"/>
+          </a:solidFill>
+          <a:ln>
+            <a:noFill/>
+          </a:ln>
         </p:spPr>
         <p:style>
           <a:lnRef idx="2">
@@ -3418,40 +3424,40 @@
           </a:fontRef>
         </p:style>
         <p:txBody>
-          <a:bodyPr rtlCol="0" anchor="ctr"/>
+          <a:bodyPr lIns="91429" tIns="45715" rIns="91429" bIns="45715" rtlCol="0" anchor="ctr"/>
           <a:lstStyle/>
           <a:p>
-            <a:pPr algn="ctr"/>
-            <a:r>
-              <a:rPr kumimoji="1" lang="en-US" altLang="ja-JP" dirty="0" smtClean="0"/>
+            <a:pPr algn="ctr" defTabSz="914295"/>
+            <a:r>
+              <a:rPr lang="en-US" altLang="ja-JP" dirty="0"/>
               <a:t>A</a:t>
             </a:r>
-            <a:endParaRPr kumimoji="1" lang="ja-JP" altLang="en-US" dirty="0"/>
+            <a:endParaRPr lang="ja-JP" altLang="en-US" dirty="0"/>
           </a:p>
         </p:txBody>
       </p:sp>
       <p:cxnSp>
         <p:nvCxnSpPr>
-          <p:cNvPr id="22" name="直線矢印コネクタ 21"/>
+          <p:cNvPr id="98" name="直線矢印コネクタ 97"/>
           <p:cNvCxnSpPr>
-            <a:stCxn id="23" idx="2"/>
-            <a:endCxn id="21" idx="6"/>
+            <a:stCxn id="99" idx="2"/>
+            <a:endCxn id="97" idx="6"/>
           </p:cNvCxnSpPr>
           <p:nvPr/>
         </p:nvCxnSpPr>
         <p:spPr>
           <a:xfrm flipH="1">
-            <a:off x="1799632" y="3490169"/>
+            <a:off x="1799632" y="3196382"/>
             <a:ext cx="432168" cy="0"/>
           </a:xfrm>
           <a:prstGeom prst="straightConnector1">
             <a:avLst/>
           </a:prstGeom>
-          <a:ln w="19050">
+          <a:ln w="31750">
             <a:solidFill>
               <a:schemeClr val="tx1"/>
             </a:solidFill>
-            <a:prstDash val="sysDash"/>
+            <a:prstDash val="sysDot"/>
             <a:tailEnd type="triangle" w="lg" len="med"/>
           </a:ln>
         </p:spPr>
@@ -3472,18 +3478,24 @@
       </p:cxnSp>
       <p:sp>
         <p:nvSpPr>
-          <p:cNvPr id="23" name="円/楕円 22"/>
+          <p:cNvPr id="99" name="円/楕円 98"/>
           <p:cNvSpPr/>
           <p:nvPr/>
         </p:nvSpPr>
         <p:spPr>
           <a:xfrm>
-            <a:off x="2231800" y="3220169"/>
+            <a:off x="2231800" y="2926382"/>
             <a:ext cx="540000" cy="540000"/>
           </a:xfrm>
           <a:prstGeom prst="ellipse">
             <a:avLst/>
           </a:prstGeom>
+          <a:solidFill>
+            <a:srgbClr val="FF0066"/>
+          </a:solidFill>
+          <a:ln>
+            <a:noFill/>
+          </a:ln>
         </p:spPr>
         <p:style>
           <a:lnRef idx="2">
@@ -3502,32 +3514,38 @@
           </a:fontRef>
         </p:style>
         <p:txBody>
-          <a:bodyPr rtlCol="0" anchor="ctr"/>
+          <a:bodyPr lIns="91429" tIns="45715" rIns="91429" bIns="45715" rtlCol="0" anchor="ctr"/>
           <a:lstStyle/>
           <a:p>
-            <a:pPr algn="ctr"/>
-            <a:r>
-              <a:rPr kumimoji="1" lang="en-US" altLang="ja-JP" dirty="0" smtClean="0"/>
+            <a:pPr algn="ctr" defTabSz="914295"/>
+            <a:r>
+              <a:rPr lang="en-US" altLang="ja-JP" dirty="0"/>
               <a:t>B</a:t>
             </a:r>
-            <a:endParaRPr kumimoji="1" lang="ja-JP" altLang="en-US" dirty="0"/>
-          </a:p>
-        </p:txBody>
-      </p:sp>
-      <p:sp>
-        <p:nvSpPr>
-          <p:cNvPr id="24" name="円/楕円 23"/>
+            <a:endParaRPr lang="ja-JP" altLang="en-US" dirty="0"/>
+          </a:p>
+        </p:txBody>
+      </p:sp>
+      <p:sp>
+        <p:nvSpPr>
+          <p:cNvPr id="100" name="円/楕円 99"/>
           <p:cNvSpPr/>
           <p:nvPr/>
         </p:nvSpPr>
         <p:spPr>
           <a:xfrm>
-            <a:off x="3203968" y="3220169"/>
+            <a:off x="3203968" y="2926382"/>
             <a:ext cx="540000" cy="540000"/>
           </a:xfrm>
           <a:prstGeom prst="ellipse">
             <a:avLst/>
           </a:prstGeom>
+          <a:solidFill>
+            <a:srgbClr val="FF0066"/>
+          </a:solidFill>
+          <a:ln>
+            <a:noFill/>
+          </a:ln>
         </p:spPr>
         <p:style>
           <a:lnRef idx="2">
@@ -3546,40 +3564,40 @@
           </a:fontRef>
         </p:style>
         <p:txBody>
-          <a:bodyPr rtlCol="0" anchor="ctr"/>
+          <a:bodyPr lIns="91429" tIns="45715" rIns="91429" bIns="45715" rtlCol="0" anchor="ctr"/>
           <a:lstStyle/>
           <a:p>
-            <a:pPr algn="ctr"/>
-            <a:r>
-              <a:rPr kumimoji="1" lang="en-US" altLang="ja-JP" dirty="0" smtClean="0"/>
+            <a:pPr algn="ctr" defTabSz="914295"/>
+            <a:r>
+              <a:rPr lang="en-US" altLang="ja-JP" dirty="0"/>
               <a:t>C</a:t>
             </a:r>
-            <a:endParaRPr kumimoji="1" lang="ja-JP" altLang="en-US" dirty="0"/>
+            <a:endParaRPr lang="ja-JP" altLang="en-US" dirty="0"/>
           </a:p>
         </p:txBody>
       </p:sp>
       <p:cxnSp>
         <p:nvCxnSpPr>
-          <p:cNvPr id="25" name="直線矢印コネクタ 24"/>
+          <p:cNvPr id="101" name="直線矢印コネクタ 100"/>
           <p:cNvCxnSpPr>
-            <a:stCxn id="24" idx="2"/>
-            <a:endCxn id="23" idx="6"/>
+            <a:stCxn id="100" idx="2"/>
+            <a:endCxn id="99" idx="6"/>
           </p:cNvCxnSpPr>
           <p:nvPr/>
         </p:nvCxnSpPr>
         <p:spPr>
           <a:xfrm flipH="1">
-            <a:off x="2771800" y="3490169"/>
+            <a:off x="2771800" y="3196382"/>
             <a:ext cx="432168" cy="0"/>
           </a:xfrm>
           <a:prstGeom prst="straightConnector1">
             <a:avLst/>
           </a:prstGeom>
-          <a:ln w="19050">
+          <a:ln w="31750">
             <a:solidFill>
               <a:schemeClr val="tx1"/>
             </a:solidFill>
-            <a:prstDash val="sysDash"/>
+            <a:prstDash val="sysDot"/>
             <a:tailEnd type="triangle" w="lg" len="med"/>
           </a:ln>
         </p:spPr>
@@ -3600,23 +3618,23 @@
       </p:cxnSp>
       <p:cxnSp>
         <p:nvCxnSpPr>
-          <p:cNvPr id="26" name="直線矢印コネクタ 25"/>
+          <p:cNvPr id="102" name="直線矢印コネクタ 101"/>
           <p:cNvCxnSpPr/>
           <p:nvPr/>
         </p:nvCxnSpPr>
         <p:spPr>
           <a:xfrm flipH="1">
-            <a:off x="4444048" y="2714675"/>
+            <a:off x="4444048" y="2420888"/>
             <a:ext cx="428406" cy="505494"/>
           </a:xfrm>
           <a:prstGeom prst="straightConnector1">
             <a:avLst/>
           </a:prstGeom>
-          <a:ln w="19050">
+          <a:ln w="31750">
             <a:solidFill>
               <a:schemeClr val="tx1"/>
             </a:solidFill>
-            <a:prstDash val="sysDash"/>
+            <a:prstDash val="sysDot"/>
             <a:tailEnd type="triangle" w="lg" len="med"/>
           </a:ln>
         </p:spPr>
@@ -3637,19 +3655,20 @@
       </p:cxnSp>
       <p:sp>
         <p:nvSpPr>
-          <p:cNvPr id="27" name="正方形/長方形 26"/>
+          <p:cNvPr id="103" name="正方形/長方形 102"/>
           <p:cNvSpPr/>
           <p:nvPr/>
         </p:nvSpPr>
         <p:spPr>
           <a:xfrm>
-            <a:off x="4872454" y="2426643"/>
+            <a:off x="4872454" y="2132856"/>
             <a:ext cx="936044" cy="288032"/>
           </a:xfrm>
           <a:prstGeom prst="rect">
             <a:avLst/>
           </a:prstGeom>
           <a:ln>
+            <a:noFill/>
             <a:prstDash val="sysDash"/>
           </a:ln>
         </p:spPr>
@@ -3670,32 +3689,40 @@
           </a:fontRef>
         </p:style>
         <p:txBody>
-          <a:bodyPr rtlCol="0" anchor="ctr"/>
+          <a:bodyPr lIns="91429" tIns="0" rIns="91429" bIns="0" rtlCol="0" anchor="ctr">
+            <a:spAutoFit/>
+          </a:bodyPr>
           <a:lstStyle/>
           <a:p>
-            <a:pPr algn="ctr"/>
-            <a:r>
-              <a:rPr kumimoji="1" lang="en-US" altLang="ja-JP" dirty="0" smtClean="0"/>
+            <a:pPr algn="ctr" defTabSz="914295"/>
+            <a:r>
+              <a:rPr lang="en-US" altLang="ja-JP" dirty="0"/>
               <a:t>master</a:t>
             </a:r>
-            <a:endParaRPr kumimoji="1" lang="ja-JP" altLang="en-US" dirty="0"/>
-          </a:p>
-        </p:txBody>
-      </p:sp>
-      <p:sp>
-        <p:nvSpPr>
-          <p:cNvPr id="28" name="円/楕円 27"/>
+            <a:endParaRPr lang="ja-JP" altLang="en-US" dirty="0"/>
+          </a:p>
+        </p:txBody>
+      </p:sp>
+      <p:sp>
+        <p:nvSpPr>
+          <p:cNvPr id="104" name="円/楕円 103"/>
           <p:cNvSpPr/>
           <p:nvPr/>
         </p:nvSpPr>
         <p:spPr>
           <a:xfrm>
-            <a:off x="4158074" y="3220169"/>
+            <a:off x="4158074" y="2926382"/>
             <a:ext cx="540000" cy="540000"/>
           </a:xfrm>
           <a:prstGeom prst="ellipse">
             <a:avLst/>
           </a:prstGeom>
+          <a:solidFill>
+            <a:srgbClr val="FF0066"/>
+          </a:solidFill>
+          <a:ln>
+            <a:noFill/>
+          </a:ln>
         </p:spPr>
         <p:style>
           <a:lnRef idx="2">
@@ -3714,40 +3741,40 @@
           </a:fontRef>
         </p:style>
         <p:txBody>
-          <a:bodyPr rtlCol="0" anchor="ctr"/>
+          <a:bodyPr lIns="91429" tIns="45715" rIns="91429" bIns="45715" rtlCol="0" anchor="ctr"/>
           <a:lstStyle/>
           <a:p>
-            <a:pPr algn="ctr"/>
-            <a:r>
-              <a:rPr kumimoji="1" lang="en-US" altLang="ja-JP" dirty="0" smtClean="0"/>
+            <a:pPr algn="ctr" defTabSz="914295"/>
+            <a:r>
+              <a:rPr lang="en-US" altLang="ja-JP" dirty="0"/>
               <a:t>D</a:t>
             </a:r>
-            <a:endParaRPr kumimoji="1" lang="ja-JP" altLang="en-US" dirty="0"/>
+            <a:endParaRPr lang="ja-JP" altLang="en-US" dirty="0"/>
           </a:p>
         </p:txBody>
       </p:sp>
       <p:cxnSp>
         <p:nvCxnSpPr>
-          <p:cNvPr id="29" name="直線矢印コネクタ 28"/>
+          <p:cNvPr id="105" name="直線矢印コネクタ 104"/>
           <p:cNvCxnSpPr>
-            <a:stCxn id="28" idx="2"/>
-            <a:endCxn id="24" idx="6"/>
+            <a:stCxn id="104" idx="2"/>
+            <a:endCxn id="100" idx="6"/>
           </p:cNvCxnSpPr>
           <p:nvPr/>
         </p:nvCxnSpPr>
         <p:spPr>
           <a:xfrm flipH="1">
-            <a:off x="3743968" y="3490169"/>
+            <a:off x="3743968" y="3196382"/>
             <a:ext cx="414106" cy="0"/>
           </a:xfrm>
           <a:prstGeom prst="straightConnector1">
             <a:avLst/>
           </a:prstGeom>
-          <a:ln w="19050">
+          <a:ln w="31750">
             <a:solidFill>
               <a:schemeClr val="tx1"/>
             </a:solidFill>
-            <a:prstDash val="sysDash"/>
+            <a:prstDash val="sysDot"/>
             <a:tailEnd type="triangle" w="lg" len="med"/>
           </a:ln>
         </p:spPr>
@@ -3768,25 +3795,25 @@
       </p:cxnSp>
       <p:cxnSp>
         <p:nvCxnSpPr>
-          <p:cNvPr id="30" name="直線矢印コネクタ 29"/>
+          <p:cNvPr id="106" name="直線矢印コネクタ 105"/>
           <p:cNvCxnSpPr>
-            <a:stCxn id="31" idx="1"/>
+            <a:stCxn id="107" idx="1"/>
           </p:cNvCxnSpPr>
           <p:nvPr/>
         </p:nvCxnSpPr>
         <p:spPr>
           <a:xfrm flipH="1" flipV="1">
-            <a:off x="4057650" y="4620907"/>
+            <a:off x="4057650" y="4327120"/>
             <a:ext cx="450080" cy="504056"/>
           </a:xfrm>
           <a:prstGeom prst="straightConnector1">
             <a:avLst/>
           </a:prstGeom>
-          <a:ln w="19050">
+          <a:ln w="31750">
             <a:solidFill>
               <a:schemeClr val="tx1"/>
             </a:solidFill>
-            <a:prstDash val="sysDash"/>
+            <a:prstDash val="sysDot"/>
             <a:tailEnd type="triangle" w="lg" len="med"/>
           </a:ln>
         </p:spPr>
@@ -3807,19 +3834,20 @@
       </p:cxnSp>
       <p:sp>
         <p:nvSpPr>
-          <p:cNvPr id="31" name="正方形/長方形 30"/>
+          <p:cNvPr id="107" name="正方形/長方形 106"/>
           <p:cNvSpPr/>
           <p:nvPr/>
         </p:nvSpPr>
         <p:spPr>
           <a:xfrm>
-            <a:off x="4507730" y="4980947"/>
+            <a:off x="4507730" y="4687160"/>
             <a:ext cx="936044" cy="288032"/>
           </a:xfrm>
           <a:prstGeom prst="rect">
             <a:avLst/>
           </a:prstGeom>
           <a:ln>
+            <a:noFill/>
             <a:prstDash val="sysDash"/>
           </a:ln>
         </p:spPr>
@@ -3840,32 +3868,40 @@
           </a:fontRef>
         </p:style>
         <p:txBody>
-          <a:bodyPr rtlCol="0" anchor="ctr"/>
+          <a:bodyPr lIns="91429" tIns="0" rIns="91429" bIns="0" rtlCol="0" anchor="ctr">
+            <a:spAutoFit/>
+          </a:bodyPr>
           <a:lstStyle/>
           <a:p>
-            <a:pPr algn="ctr"/>
-            <a:r>
-              <a:rPr lang="en-US" altLang="ja-JP" dirty="0" err="1" smtClean="0"/>
+            <a:pPr algn="ctr" defTabSz="914295"/>
+            <a:r>
+              <a:rPr lang="en-US" altLang="ja-JP" dirty="0" err="1"/>
               <a:t>bugfix</a:t>
             </a:r>
-            <a:endParaRPr kumimoji="1" lang="ja-JP" altLang="en-US" dirty="0"/>
-          </a:p>
-        </p:txBody>
-      </p:sp>
-      <p:sp>
-        <p:nvSpPr>
-          <p:cNvPr id="32" name="円/楕円 31"/>
+            <a:endParaRPr lang="ja-JP" altLang="en-US" dirty="0"/>
+          </a:p>
+        </p:txBody>
+      </p:sp>
+      <p:sp>
+        <p:nvSpPr>
+          <p:cNvPr id="108" name="円/楕円 107"/>
           <p:cNvSpPr/>
           <p:nvPr/>
         </p:nvSpPr>
         <p:spPr>
           <a:xfrm>
-            <a:off x="2851606" y="4080907"/>
+            <a:off x="2851606" y="3787120"/>
             <a:ext cx="540000" cy="540000"/>
           </a:xfrm>
           <a:prstGeom prst="ellipse">
             <a:avLst/>
           </a:prstGeom>
+          <a:solidFill>
+            <a:srgbClr val="FF0066"/>
+          </a:solidFill>
+          <a:ln>
+            <a:noFill/>
+          </a:ln>
         </p:spPr>
         <p:style>
           <a:lnRef idx="2">
@@ -3884,39 +3920,39 @@
           </a:fontRef>
         </p:style>
         <p:txBody>
-          <a:bodyPr rtlCol="0" anchor="ctr"/>
+          <a:bodyPr lIns="91429" tIns="45715" rIns="91429" bIns="45715" rtlCol="0" anchor="ctr"/>
           <a:lstStyle/>
           <a:p>
-            <a:pPr algn="ctr"/>
-            <a:r>
-              <a:rPr kumimoji="1" lang="en-US" altLang="ja-JP" dirty="0" smtClean="0"/>
+            <a:pPr algn="ctr" defTabSz="914295"/>
+            <a:r>
+              <a:rPr lang="en-US" altLang="ja-JP" dirty="0"/>
               <a:t>X</a:t>
             </a:r>
-            <a:endParaRPr kumimoji="1" lang="ja-JP" altLang="en-US" dirty="0"/>
+            <a:endParaRPr lang="ja-JP" altLang="en-US" dirty="0"/>
           </a:p>
         </p:txBody>
       </p:sp>
       <p:cxnSp>
         <p:nvCxnSpPr>
-          <p:cNvPr id="33" name="直線矢印コネクタ 32"/>
+          <p:cNvPr id="109" name="直線矢印コネクタ 108"/>
           <p:cNvCxnSpPr>
-            <a:stCxn id="32" idx="1"/>
+            <a:stCxn id="108" idx="1"/>
           </p:cNvCxnSpPr>
           <p:nvPr/>
         </p:nvCxnSpPr>
         <p:spPr>
           <a:xfrm flipH="1" flipV="1">
-            <a:off x="2484463" y="3760169"/>
+            <a:off x="2484463" y="3466382"/>
             <a:ext cx="446224" cy="399819"/>
           </a:xfrm>
           <a:prstGeom prst="straightConnector1">
             <a:avLst/>
           </a:prstGeom>
-          <a:ln w="19050">
+          <a:ln w="31750">
             <a:solidFill>
               <a:schemeClr val="tx1"/>
             </a:solidFill>
-            <a:prstDash val="sysDash"/>
+            <a:prstDash val="sysDot"/>
             <a:tailEnd type="triangle" w="lg" len="med"/>
           </a:ln>
         </p:spPr>
@@ -3937,110 +3973,24 @@
       </p:cxnSp>
       <p:sp>
         <p:nvSpPr>
-          <p:cNvPr id="37" name="テキスト ボックス 36"/>
-          <p:cNvSpPr txBox="1"/>
-          <p:nvPr/>
-        </p:nvSpPr>
-        <p:spPr>
-          <a:xfrm>
-            <a:off x="267552" y="478413"/>
-            <a:ext cx="8624928" cy="923330"/>
-          </a:xfrm>
-          <a:prstGeom prst="rect">
-            <a:avLst/>
-          </a:prstGeom>
-          <a:noFill/>
-        </p:spPr>
-        <p:txBody>
-          <a:bodyPr wrap="square" rtlCol="0">
-            <a:spAutoFit/>
-          </a:bodyPr>
-          <a:lstStyle/>
-          <a:p>
-            <a:r>
-              <a:rPr kumimoji="1" lang="ja-JP" altLang="en-US" dirty="0" smtClean="0"/>
-              <a:t>初期状態。</a:t>
-            </a:r>
-            <a:endParaRPr kumimoji="1" lang="en-US" altLang="ja-JP" dirty="0" smtClean="0"/>
-          </a:p>
-          <a:p>
-            <a:r>
-              <a:rPr lang="en-US" altLang="ja-JP" dirty="0"/>
-              <a:t>m</a:t>
-            </a:r>
-            <a:r>
-              <a:rPr lang="en-US" altLang="ja-JP" dirty="0" smtClean="0"/>
-              <a:t>aster</a:t>
-            </a:r>
-            <a:r>
-              <a:rPr lang="ja-JP" altLang="en-US" dirty="0" smtClean="0"/>
-              <a:t>ブランチのコミット</a:t>
-            </a:r>
-            <a:r>
-              <a:rPr lang="en-US" altLang="ja-JP" dirty="0" smtClean="0"/>
-              <a:t>B</a:t>
-            </a:r>
-            <a:r>
-              <a:rPr lang="ja-JP" altLang="en-US" dirty="0" smtClean="0"/>
-              <a:t>を起点に</a:t>
-            </a:r>
-            <a:r>
-              <a:rPr lang="en-US" altLang="ja-JP" dirty="0" err="1"/>
-              <a:t>bugfix</a:t>
-            </a:r>
-            <a:r>
-              <a:rPr lang="ja-JP" altLang="en-US" dirty="0" smtClean="0"/>
-              <a:t>ブランチが作られた後、</a:t>
-            </a:r>
-            <a:endParaRPr kumimoji="1" lang="en-US" altLang="ja-JP" dirty="0" smtClean="0"/>
-          </a:p>
-          <a:p>
-            <a:r>
-              <a:rPr lang="en-US" altLang="ja-JP" dirty="0" err="1"/>
-              <a:t>b</a:t>
-            </a:r>
-            <a:r>
-              <a:rPr lang="en-US" altLang="ja-JP" dirty="0" err="1" smtClean="0"/>
-              <a:t>ugfix</a:t>
-            </a:r>
-            <a:r>
-              <a:rPr lang="ja-JP" altLang="en-US" dirty="0" smtClean="0"/>
-              <a:t>ブランチ</a:t>
-            </a:r>
-            <a:r>
-              <a:rPr lang="ja-JP" altLang="en-US" dirty="0"/>
-              <a:t>へ</a:t>
-            </a:r>
-            <a:r>
-              <a:rPr lang="ja-JP" altLang="en-US" dirty="0" smtClean="0"/>
-              <a:t>のコミット追加と並行して、</a:t>
-            </a:r>
-            <a:r>
-              <a:rPr lang="en-US" altLang="ja-JP" dirty="0" smtClean="0"/>
-              <a:t>master</a:t>
-            </a:r>
-            <a:r>
-              <a:rPr lang="ja-JP" altLang="en-US" dirty="0" smtClean="0"/>
-              <a:t>ブランチにもコミットが追加されている。</a:t>
-            </a:r>
-            <a:endParaRPr lang="en-US" altLang="ja-JP" dirty="0" smtClean="0"/>
-          </a:p>
-        </p:txBody>
-      </p:sp>
-      <p:sp>
-        <p:nvSpPr>
-          <p:cNvPr id="16" name="円/楕円 15"/>
+          <p:cNvPr id="110" name="円/楕円 109"/>
           <p:cNvSpPr/>
           <p:nvPr/>
         </p:nvSpPr>
         <p:spPr>
           <a:xfrm>
-            <a:off x="3803847" y="4080907"/>
+            <a:off x="3803847" y="3787120"/>
             <a:ext cx="540000" cy="540000"/>
           </a:xfrm>
           <a:prstGeom prst="ellipse">
             <a:avLst/>
           </a:prstGeom>
+          <a:solidFill>
+            <a:srgbClr val="FF0066"/>
+          </a:solidFill>
+          <a:ln>
+            <a:noFill/>
+          </a:ln>
         </p:spPr>
         <p:style>
           <a:lnRef idx="2">
@@ -4059,39 +4009,39 @@
           </a:fontRef>
         </p:style>
         <p:txBody>
-          <a:bodyPr rtlCol="0" anchor="ctr"/>
+          <a:bodyPr lIns="91429" tIns="45715" rIns="91429" bIns="45715" rtlCol="0" anchor="ctr"/>
           <a:lstStyle/>
           <a:p>
-            <a:pPr algn="ctr"/>
-            <a:r>
-              <a:rPr kumimoji="1" lang="en-US" altLang="ja-JP" dirty="0" smtClean="0"/>
+            <a:pPr algn="ctr" defTabSz="914295"/>
+            <a:r>
+              <a:rPr lang="en-US" altLang="ja-JP" dirty="0"/>
               <a:t>Y</a:t>
             </a:r>
-            <a:endParaRPr kumimoji="1" lang="ja-JP" altLang="en-US" dirty="0"/>
+            <a:endParaRPr lang="ja-JP" altLang="en-US" dirty="0"/>
           </a:p>
         </p:txBody>
       </p:sp>
       <p:cxnSp>
         <p:nvCxnSpPr>
-          <p:cNvPr id="17" name="直線矢印コネクタ 16"/>
+          <p:cNvPr id="111" name="直線矢印コネクタ 110"/>
           <p:cNvCxnSpPr>
-            <a:stCxn id="16" idx="2"/>
+            <a:stCxn id="110" idx="2"/>
           </p:cNvCxnSpPr>
           <p:nvPr/>
         </p:nvCxnSpPr>
         <p:spPr>
           <a:xfrm flipH="1">
-            <a:off x="3389741" y="4350907"/>
+            <a:off x="3389741" y="4057120"/>
             <a:ext cx="414106" cy="0"/>
           </a:xfrm>
           <a:prstGeom prst="straightConnector1">
             <a:avLst/>
           </a:prstGeom>
-          <a:ln w="19050">
+          <a:ln w="31750">
             <a:solidFill>
               <a:schemeClr val="tx1"/>
             </a:solidFill>
-            <a:prstDash val="sysDash"/>
+            <a:prstDash val="sysDot"/>
             <a:tailEnd type="triangle" w="lg" len="med"/>
           </a:ln>
         </p:spPr>
@@ -4110,6 +4060,488 @@
           </a:fontRef>
         </p:style>
       </p:cxnSp>
+      <p:sp>
+        <p:nvSpPr>
+          <p:cNvPr id="112" name="角丸四角形吹き出し 70"/>
+          <p:cNvSpPr/>
+          <p:nvPr/>
+        </p:nvSpPr>
+        <p:spPr>
+          <a:xfrm>
+            <a:off x="203401" y="123901"/>
+            <a:ext cx="8737200" cy="1433282"/>
+          </a:xfrm>
+          <a:custGeom>
+            <a:avLst/>
+            <a:gdLst>
+              <a:gd name="connsiteX0" fmla="*/ 0 w 8541658"/>
+              <a:gd name="connsiteY0" fmla="*/ 214817 h 1288876"/>
+              <a:gd name="connsiteX1" fmla="*/ 214817 w 8541658"/>
+              <a:gd name="connsiteY1" fmla="*/ 0 h 1288876"/>
+              <a:gd name="connsiteX2" fmla="*/ 1423610 w 8541658"/>
+              <a:gd name="connsiteY2" fmla="*/ 0 h 1288876"/>
+              <a:gd name="connsiteX3" fmla="*/ 1423610 w 8541658"/>
+              <a:gd name="connsiteY3" fmla="*/ 0 h 1288876"/>
+              <a:gd name="connsiteX4" fmla="*/ 3559024 w 8541658"/>
+              <a:gd name="connsiteY4" fmla="*/ 0 h 1288876"/>
+              <a:gd name="connsiteX5" fmla="*/ 8326841 w 8541658"/>
+              <a:gd name="connsiteY5" fmla="*/ 0 h 1288876"/>
+              <a:gd name="connsiteX6" fmla="*/ 8541658 w 8541658"/>
+              <a:gd name="connsiteY6" fmla="*/ 214817 h 1288876"/>
+              <a:gd name="connsiteX7" fmla="*/ 8541658 w 8541658"/>
+              <a:gd name="connsiteY7" fmla="*/ 751844 h 1288876"/>
+              <a:gd name="connsiteX8" fmla="*/ 8541658 w 8541658"/>
+              <a:gd name="connsiteY8" fmla="*/ 751844 h 1288876"/>
+              <a:gd name="connsiteX9" fmla="*/ 8541658 w 8541658"/>
+              <a:gd name="connsiteY9" fmla="*/ 1074063 h 1288876"/>
+              <a:gd name="connsiteX10" fmla="*/ 8541658 w 8541658"/>
+              <a:gd name="connsiteY10" fmla="*/ 1074059 h 1288876"/>
+              <a:gd name="connsiteX11" fmla="*/ 8326841 w 8541658"/>
+              <a:gd name="connsiteY11" fmla="*/ 1288876 h 1288876"/>
+              <a:gd name="connsiteX12" fmla="*/ 3559024 w 8541658"/>
+              <a:gd name="connsiteY12" fmla="*/ 1288876 h 1288876"/>
+              <a:gd name="connsiteX13" fmla="*/ 2230227 w 8541658"/>
+              <a:gd name="connsiteY13" fmla="*/ 1471381 h 1288876"/>
+              <a:gd name="connsiteX14" fmla="*/ 1423610 w 8541658"/>
+              <a:gd name="connsiteY14" fmla="*/ 1288876 h 1288876"/>
+              <a:gd name="connsiteX15" fmla="*/ 214817 w 8541658"/>
+              <a:gd name="connsiteY15" fmla="*/ 1288876 h 1288876"/>
+              <a:gd name="connsiteX16" fmla="*/ 0 w 8541658"/>
+              <a:gd name="connsiteY16" fmla="*/ 1074059 h 1288876"/>
+              <a:gd name="connsiteX17" fmla="*/ 0 w 8541658"/>
+              <a:gd name="connsiteY17" fmla="*/ 1074063 h 1288876"/>
+              <a:gd name="connsiteX18" fmla="*/ 0 w 8541658"/>
+              <a:gd name="connsiteY18" fmla="*/ 751844 h 1288876"/>
+              <a:gd name="connsiteX19" fmla="*/ 0 w 8541658"/>
+              <a:gd name="connsiteY19" fmla="*/ 751844 h 1288876"/>
+              <a:gd name="connsiteX20" fmla="*/ 0 w 8541658"/>
+              <a:gd name="connsiteY20" fmla="*/ 214817 h 1288876"/>
+              <a:gd name="connsiteX0" fmla="*/ 0 w 8541658"/>
+              <a:gd name="connsiteY0" fmla="*/ 214817 h 1471381"/>
+              <a:gd name="connsiteX1" fmla="*/ 214817 w 8541658"/>
+              <a:gd name="connsiteY1" fmla="*/ 0 h 1471381"/>
+              <a:gd name="connsiteX2" fmla="*/ 1423610 w 8541658"/>
+              <a:gd name="connsiteY2" fmla="*/ 0 h 1471381"/>
+              <a:gd name="connsiteX3" fmla="*/ 1423610 w 8541658"/>
+              <a:gd name="connsiteY3" fmla="*/ 0 h 1471381"/>
+              <a:gd name="connsiteX4" fmla="*/ 3559024 w 8541658"/>
+              <a:gd name="connsiteY4" fmla="*/ 0 h 1471381"/>
+              <a:gd name="connsiteX5" fmla="*/ 8326841 w 8541658"/>
+              <a:gd name="connsiteY5" fmla="*/ 0 h 1471381"/>
+              <a:gd name="connsiteX6" fmla="*/ 8541658 w 8541658"/>
+              <a:gd name="connsiteY6" fmla="*/ 214817 h 1471381"/>
+              <a:gd name="connsiteX7" fmla="*/ 8541658 w 8541658"/>
+              <a:gd name="connsiteY7" fmla="*/ 751844 h 1471381"/>
+              <a:gd name="connsiteX8" fmla="*/ 8541658 w 8541658"/>
+              <a:gd name="connsiteY8" fmla="*/ 751844 h 1471381"/>
+              <a:gd name="connsiteX9" fmla="*/ 8541658 w 8541658"/>
+              <a:gd name="connsiteY9" fmla="*/ 1074063 h 1471381"/>
+              <a:gd name="connsiteX10" fmla="*/ 8541658 w 8541658"/>
+              <a:gd name="connsiteY10" fmla="*/ 1074059 h 1471381"/>
+              <a:gd name="connsiteX11" fmla="*/ 8326841 w 8541658"/>
+              <a:gd name="connsiteY11" fmla="*/ 1288876 h 1471381"/>
+              <a:gd name="connsiteX12" fmla="*/ 1852144 w 8541658"/>
+              <a:gd name="connsiteY12" fmla="*/ 1288876 h 1471381"/>
+              <a:gd name="connsiteX13" fmla="*/ 2230227 w 8541658"/>
+              <a:gd name="connsiteY13" fmla="*/ 1471381 h 1471381"/>
+              <a:gd name="connsiteX14" fmla="*/ 1423610 w 8541658"/>
+              <a:gd name="connsiteY14" fmla="*/ 1288876 h 1471381"/>
+              <a:gd name="connsiteX15" fmla="*/ 214817 w 8541658"/>
+              <a:gd name="connsiteY15" fmla="*/ 1288876 h 1471381"/>
+              <a:gd name="connsiteX16" fmla="*/ 0 w 8541658"/>
+              <a:gd name="connsiteY16" fmla="*/ 1074059 h 1471381"/>
+              <a:gd name="connsiteX17" fmla="*/ 0 w 8541658"/>
+              <a:gd name="connsiteY17" fmla="*/ 1074063 h 1471381"/>
+              <a:gd name="connsiteX18" fmla="*/ 0 w 8541658"/>
+              <a:gd name="connsiteY18" fmla="*/ 751844 h 1471381"/>
+              <a:gd name="connsiteX19" fmla="*/ 0 w 8541658"/>
+              <a:gd name="connsiteY19" fmla="*/ 751844 h 1471381"/>
+              <a:gd name="connsiteX20" fmla="*/ 0 w 8541658"/>
+              <a:gd name="connsiteY20" fmla="*/ 214817 h 1471381"/>
+              <a:gd name="connsiteX0" fmla="*/ 0 w 8541658"/>
+              <a:gd name="connsiteY0" fmla="*/ 214817 h 1433281"/>
+              <a:gd name="connsiteX1" fmla="*/ 214817 w 8541658"/>
+              <a:gd name="connsiteY1" fmla="*/ 0 h 1433281"/>
+              <a:gd name="connsiteX2" fmla="*/ 1423610 w 8541658"/>
+              <a:gd name="connsiteY2" fmla="*/ 0 h 1433281"/>
+              <a:gd name="connsiteX3" fmla="*/ 1423610 w 8541658"/>
+              <a:gd name="connsiteY3" fmla="*/ 0 h 1433281"/>
+              <a:gd name="connsiteX4" fmla="*/ 3559024 w 8541658"/>
+              <a:gd name="connsiteY4" fmla="*/ 0 h 1433281"/>
+              <a:gd name="connsiteX5" fmla="*/ 8326841 w 8541658"/>
+              <a:gd name="connsiteY5" fmla="*/ 0 h 1433281"/>
+              <a:gd name="connsiteX6" fmla="*/ 8541658 w 8541658"/>
+              <a:gd name="connsiteY6" fmla="*/ 214817 h 1433281"/>
+              <a:gd name="connsiteX7" fmla="*/ 8541658 w 8541658"/>
+              <a:gd name="connsiteY7" fmla="*/ 751844 h 1433281"/>
+              <a:gd name="connsiteX8" fmla="*/ 8541658 w 8541658"/>
+              <a:gd name="connsiteY8" fmla="*/ 751844 h 1433281"/>
+              <a:gd name="connsiteX9" fmla="*/ 8541658 w 8541658"/>
+              <a:gd name="connsiteY9" fmla="*/ 1074063 h 1433281"/>
+              <a:gd name="connsiteX10" fmla="*/ 8541658 w 8541658"/>
+              <a:gd name="connsiteY10" fmla="*/ 1074059 h 1433281"/>
+              <a:gd name="connsiteX11" fmla="*/ 8326841 w 8541658"/>
+              <a:gd name="connsiteY11" fmla="*/ 1288876 h 1433281"/>
+              <a:gd name="connsiteX12" fmla="*/ 1852144 w 8541658"/>
+              <a:gd name="connsiteY12" fmla="*/ 1288876 h 1433281"/>
+              <a:gd name="connsiteX13" fmla="*/ 1864467 w 8541658"/>
+              <a:gd name="connsiteY13" fmla="*/ 1433281 h 1433281"/>
+              <a:gd name="connsiteX14" fmla="*/ 1423610 w 8541658"/>
+              <a:gd name="connsiteY14" fmla="*/ 1288876 h 1433281"/>
+              <a:gd name="connsiteX15" fmla="*/ 214817 w 8541658"/>
+              <a:gd name="connsiteY15" fmla="*/ 1288876 h 1433281"/>
+              <a:gd name="connsiteX16" fmla="*/ 0 w 8541658"/>
+              <a:gd name="connsiteY16" fmla="*/ 1074059 h 1433281"/>
+              <a:gd name="connsiteX17" fmla="*/ 0 w 8541658"/>
+              <a:gd name="connsiteY17" fmla="*/ 1074063 h 1433281"/>
+              <a:gd name="connsiteX18" fmla="*/ 0 w 8541658"/>
+              <a:gd name="connsiteY18" fmla="*/ 751844 h 1433281"/>
+              <a:gd name="connsiteX19" fmla="*/ 0 w 8541658"/>
+              <a:gd name="connsiteY19" fmla="*/ 751844 h 1433281"/>
+              <a:gd name="connsiteX20" fmla="*/ 0 w 8541658"/>
+              <a:gd name="connsiteY20" fmla="*/ 214817 h 1433281"/>
+            </a:gdLst>
+            <a:ahLst/>
+            <a:cxnLst>
+              <a:cxn ang="0">
+                <a:pos x="connsiteX0" y="connsiteY0"/>
+              </a:cxn>
+              <a:cxn ang="0">
+                <a:pos x="connsiteX1" y="connsiteY1"/>
+              </a:cxn>
+              <a:cxn ang="0">
+                <a:pos x="connsiteX2" y="connsiteY2"/>
+              </a:cxn>
+              <a:cxn ang="0">
+                <a:pos x="connsiteX3" y="connsiteY3"/>
+              </a:cxn>
+              <a:cxn ang="0">
+                <a:pos x="connsiteX4" y="connsiteY4"/>
+              </a:cxn>
+              <a:cxn ang="0">
+                <a:pos x="connsiteX5" y="connsiteY5"/>
+              </a:cxn>
+              <a:cxn ang="0">
+                <a:pos x="connsiteX6" y="connsiteY6"/>
+              </a:cxn>
+              <a:cxn ang="0">
+                <a:pos x="connsiteX7" y="connsiteY7"/>
+              </a:cxn>
+              <a:cxn ang="0">
+                <a:pos x="connsiteX8" y="connsiteY8"/>
+              </a:cxn>
+              <a:cxn ang="0">
+                <a:pos x="connsiteX9" y="connsiteY9"/>
+              </a:cxn>
+              <a:cxn ang="0">
+                <a:pos x="connsiteX10" y="connsiteY10"/>
+              </a:cxn>
+              <a:cxn ang="0">
+                <a:pos x="connsiteX11" y="connsiteY11"/>
+              </a:cxn>
+              <a:cxn ang="0">
+                <a:pos x="connsiteX12" y="connsiteY12"/>
+              </a:cxn>
+              <a:cxn ang="0">
+                <a:pos x="connsiteX13" y="connsiteY13"/>
+              </a:cxn>
+              <a:cxn ang="0">
+                <a:pos x="connsiteX14" y="connsiteY14"/>
+              </a:cxn>
+              <a:cxn ang="0">
+                <a:pos x="connsiteX15" y="connsiteY15"/>
+              </a:cxn>
+              <a:cxn ang="0">
+                <a:pos x="connsiteX16" y="connsiteY16"/>
+              </a:cxn>
+              <a:cxn ang="0">
+                <a:pos x="connsiteX17" y="connsiteY17"/>
+              </a:cxn>
+              <a:cxn ang="0">
+                <a:pos x="connsiteX18" y="connsiteY18"/>
+              </a:cxn>
+              <a:cxn ang="0">
+                <a:pos x="connsiteX19" y="connsiteY19"/>
+              </a:cxn>
+              <a:cxn ang="0">
+                <a:pos x="connsiteX20" y="connsiteY20"/>
+              </a:cxn>
+            </a:cxnLst>
+            <a:rect l="l" t="t" r="r" b="b"/>
+            <a:pathLst>
+              <a:path w="8541658" h="1433281">
+                <a:moveTo>
+                  <a:pt x="0" y="214817"/>
+                </a:moveTo>
+                <a:cubicBezTo>
+                  <a:pt x="0" y="96177"/>
+                  <a:pt x="96177" y="0"/>
+                  <a:pt x="214817" y="0"/>
+                </a:cubicBezTo>
+                <a:lnTo>
+                  <a:pt x="1423610" y="0"/>
+                </a:lnTo>
+                <a:lnTo>
+                  <a:pt x="1423610" y="0"/>
+                </a:lnTo>
+                <a:lnTo>
+                  <a:pt x="3559024" y="0"/>
+                </a:lnTo>
+                <a:lnTo>
+                  <a:pt x="8326841" y="0"/>
+                </a:lnTo>
+                <a:cubicBezTo>
+                  <a:pt x="8445481" y="0"/>
+                  <a:pt x="8541658" y="96177"/>
+                  <a:pt x="8541658" y="214817"/>
+                </a:cubicBezTo>
+                <a:lnTo>
+                  <a:pt x="8541658" y="751844"/>
+                </a:lnTo>
+                <a:lnTo>
+                  <a:pt x="8541658" y="751844"/>
+                </a:lnTo>
+                <a:lnTo>
+                  <a:pt x="8541658" y="1074063"/>
+                </a:lnTo>
+                <a:lnTo>
+                  <a:pt x="8541658" y="1074059"/>
+                </a:lnTo>
+                <a:cubicBezTo>
+                  <a:pt x="8541658" y="1192699"/>
+                  <a:pt x="8445481" y="1288876"/>
+                  <a:pt x="8326841" y="1288876"/>
+                </a:cubicBezTo>
+                <a:lnTo>
+                  <a:pt x="1852144" y="1288876"/>
+                </a:lnTo>
+                <a:lnTo>
+                  <a:pt x="1864467" y="1433281"/>
+                </a:lnTo>
+                <a:lnTo>
+                  <a:pt x="1423610" y="1288876"/>
+                </a:lnTo>
+                <a:lnTo>
+                  <a:pt x="214817" y="1288876"/>
+                </a:lnTo>
+                <a:cubicBezTo>
+                  <a:pt x="96177" y="1288876"/>
+                  <a:pt x="0" y="1192699"/>
+                  <a:pt x="0" y="1074059"/>
+                </a:cubicBezTo>
+                <a:lnTo>
+                  <a:pt x="0" y="1074063"/>
+                </a:lnTo>
+                <a:lnTo>
+                  <a:pt x="0" y="751844"/>
+                </a:lnTo>
+                <a:lnTo>
+                  <a:pt x="0" y="751844"/>
+                </a:lnTo>
+                <a:lnTo>
+                  <a:pt x="0" y="214817"/>
+                </a:lnTo>
+                <a:close/>
+              </a:path>
+            </a:pathLst>
+          </a:custGeom>
+          <a:solidFill>
+            <a:srgbClr val="03C924"/>
+          </a:solidFill>
+          <a:ln>
+            <a:noFill/>
+          </a:ln>
+        </p:spPr>
+        <p:style>
+          <a:lnRef idx="2">
+            <a:schemeClr val="accent1">
+              <a:shade val="50000"/>
+            </a:schemeClr>
+          </a:lnRef>
+          <a:fillRef idx="1">
+            <a:schemeClr val="accent1"/>
+          </a:fillRef>
+          <a:effectRef idx="0">
+            <a:schemeClr val="accent1"/>
+          </a:effectRef>
+          <a:fontRef idx="minor">
+            <a:schemeClr val="lt1"/>
+          </a:fontRef>
+        </p:style>
+        <p:txBody>
+          <a:bodyPr lIns="143983" tIns="143983" rIns="143983" bIns="0" rtlCol="0" anchor="ctr"/>
+          <a:lstStyle/>
+          <a:p>
+            <a:r>
+              <a:rPr lang="ja-JP" altLang="en-US" b="1" dirty="0">
+                <a:ea typeface="ＭＳ ゴシック" panose="020B0609070205080204" pitchFamily="49" charset="-128"/>
+              </a:rPr>
+              <a:t>初期状態。</a:t>
+            </a:r>
+          </a:p>
+          <a:p>
+            <a:r>
+              <a:rPr lang="en-US" altLang="ja-JP" b="1" dirty="0">
+                <a:ea typeface="ＭＳ ゴシック" panose="020B0609070205080204" pitchFamily="49" charset="-128"/>
+              </a:rPr>
+              <a:t>m</a:t>
+            </a:r>
+            <a:r>
+              <a:rPr lang="en-US" altLang="ja-JP" b="1" dirty="0" smtClean="0">
+                <a:ea typeface="ＭＳ ゴシック" panose="020B0609070205080204" pitchFamily="49" charset="-128"/>
+              </a:rPr>
+              <a:t>aster </a:t>
+            </a:r>
+            <a:r>
+              <a:rPr lang="ja-JP" altLang="en-US" b="1" dirty="0" smtClean="0">
+                <a:ea typeface="ＭＳ ゴシック" panose="020B0609070205080204" pitchFamily="49" charset="-128"/>
+              </a:rPr>
+              <a:t>ブランチ</a:t>
+            </a:r>
+            <a:r>
+              <a:rPr lang="ja-JP" altLang="en-US" b="1" dirty="0">
+                <a:ea typeface="ＭＳ ゴシック" panose="020B0609070205080204" pitchFamily="49" charset="-128"/>
+              </a:rPr>
+              <a:t>の</a:t>
+            </a:r>
+            <a:r>
+              <a:rPr lang="ja-JP" altLang="en-US" b="1" dirty="0" smtClean="0">
+                <a:ea typeface="ＭＳ ゴシック" panose="020B0609070205080204" pitchFamily="49" charset="-128"/>
+              </a:rPr>
+              <a:t>コミット </a:t>
+            </a:r>
+            <a:r>
+              <a:rPr lang="en-US" altLang="ja-JP" b="1" dirty="0" smtClean="0">
+                <a:ea typeface="ＭＳ ゴシック" panose="020B0609070205080204" pitchFamily="49" charset="-128"/>
+              </a:rPr>
+              <a:t>B </a:t>
+            </a:r>
+            <a:r>
+              <a:rPr lang="ja-JP" altLang="en-US" b="1" dirty="0" smtClean="0">
+                <a:ea typeface="ＭＳ ゴシック" panose="020B0609070205080204" pitchFamily="49" charset="-128"/>
+              </a:rPr>
+              <a:t>を</a:t>
+            </a:r>
+            <a:r>
+              <a:rPr lang="ja-JP" altLang="en-US" b="1" dirty="0">
+                <a:ea typeface="ＭＳ ゴシック" panose="020B0609070205080204" pitchFamily="49" charset="-128"/>
+              </a:rPr>
+              <a:t>起点</a:t>
+            </a:r>
+            <a:r>
+              <a:rPr lang="ja-JP" altLang="en-US" b="1" dirty="0" smtClean="0">
+                <a:ea typeface="ＭＳ ゴシック" panose="020B0609070205080204" pitchFamily="49" charset="-128"/>
+              </a:rPr>
+              <a:t>に </a:t>
+            </a:r>
+            <a:r>
+              <a:rPr lang="en-US" altLang="ja-JP" b="1" dirty="0" err="1" smtClean="0">
+                <a:ea typeface="ＭＳ ゴシック" panose="020B0609070205080204" pitchFamily="49" charset="-128"/>
+              </a:rPr>
+              <a:t>bugfix</a:t>
+            </a:r>
+            <a:r>
+              <a:rPr lang="en-US" altLang="ja-JP" b="1" dirty="0" smtClean="0">
+                <a:ea typeface="ＭＳ ゴシック" panose="020B0609070205080204" pitchFamily="49" charset="-128"/>
+              </a:rPr>
+              <a:t> </a:t>
+            </a:r>
+            <a:r>
+              <a:rPr lang="ja-JP" altLang="en-US" b="1" dirty="0" smtClean="0">
+                <a:ea typeface="ＭＳ ゴシック" panose="020B0609070205080204" pitchFamily="49" charset="-128"/>
+              </a:rPr>
+              <a:t>ブランチ</a:t>
+            </a:r>
+            <a:r>
+              <a:rPr lang="ja-JP" altLang="en-US" b="1" dirty="0">
+                <a:ea typeface="ＭＳ ゴシック" panose="020B0609070205080204" pitchFamily="49" charset="-128"/>
+              </a:rPr>
+              <a:t>が作られた後、</a:t>
+            </a:r>
+          </a:p>
+          <a:p>
+            <a:r>
+              <a:rPr lang="en-US" altLang="ja-JP" b="1" dirty="0" err="1">
+                <a:ea typeface="ＭＳ ゴシック" panose="020B0609070205080204" pitchFamily="49" charset="-128"/>
+              </a:rPr>
+              <a:t>b</a:t>
+            </a:r>
+            <a:r>
+              <a:rPr lang="en-US" altLang="ja-JP" b="1" dirty="0" err="1" smtClean="0">
+                <a:ea typeface="ＭＳ ゴシック" panose="020B0609070205080204" pitchFamily="49" charset="-128"/>
+              </a:rPr>
+              <a:t>ugfix</a:t>
+            </a:r>
+            <a:r>
+              <a:rPr lang="en-US" altLang="ja-JP" b="1" dirty="0" smtClean="0">
+                <a:ea typeface="ＭＳ ゴシック" panose="020B0609070205080204" pitchFamily="49" charset="-128"/>
+              </a:rPr>
+              <a:t> </a:t>
+            </a:r>
+            <a:r>
+              <a:rPr lang="ja-JP" altLang="en-US" b="1" dirty="0" smtClean="0">
+                <a:ea typeface="ＭＳ ゴシック" panose="020B0609070205080204" pitchFamily="49" charset="-128"/>
+              </a:rPr>
+              <a:t>ブランチ</a:t>
+            </a:r>
+            <a:r>
+              <a:rPr lang="ja-JP" altLang="en-US" b="1" dirty="0">
+                <a:ea typeface="ＭＳ ゴシック" panose="020B0609070205080204" pitchFamily="49" charset="-128"/>
+              </a:rPr>
+              <a:t>へのコミット追加と並行して</a:t>
+            </a:r>
+            <a:r>
+              <a:rPr lang="ja-JP" altLang="en-US" b="1" dirty="0" smtClean="0">
+                <a:ea typeface="ＭＳ ゴシック" panose="020B0609070205080204" pitchFamily="49" charset="-128"/>
+              </a:rPr>
+              <a:t>、</a:t>
+            </a:r>
+            <a:endParaRPr lang="en-US" altLang="ja-JP" b="1" dirty="0" smtClean="0">
+              <a:ea typeface="ＭＳ ゴシック" panose="020B0609070205080204" pitchFamily="49" charset="-128"/>
+            </a:endParaRPr>
+          </a:p>
+          <a:p>
+            <a:r>
+              <a:rPr lang="en-US" altLang="ja-JP" b="1" dirty="0">
+                <a:ea typeface="ＭＳ ゴシック" panose="020B0609070205080204" pitchFamily="49" charset="-128"/>
+              </a:rPr>
+              <a:t>m</a:t>
+            </a:r>
+            <a:r>
+              <a:rPr lang="en-US" altLang="ja-JP" b="1" dirty="0" smtClean="0">
+                <a:ea typeface="ＭＳ ゴシック" panose="020B0609070205080204" pitchFamily="49" charset="-128"/>
+              </a:rPr>
+              <a:t>aster </a:t>
+            </a:r>
+            <a:r>
+              <a:rPr lang="ja-JP" altLang="en-US" b="1" dirty="0" smtClean="0">
+                <a:ea typeface="ＭＳ ゴシック" panose="020B0609070205080204" pitchFamily="49" charset="-128"/>
+              </a:rPr>
+              <a:t>ブランチ</a:t>
+            </a:r>
+            <a:r>
+              <a:rPr lang="ja-JP" altLang="en-US" b="1" dirty="0">
+                <a:ea typeface="ＭＳ ゴシック" panose="020B0609070205080204" pitchFamily="49" charset="-128"/>
+              </a:rPr>
+              <a:t>にもコミットが追加されている</a:t>
+            </a:r>
+            <a:r>
+              <a:rPr lang="ja-JP" altLang="en-US" b="1" dirty="0" smtClean="0">
+                <a:ea typeface="ＭＳ ゴシック" panose="020B0609070205080204" pitchFamily="49" charset="-128"/>
+              </a:rPr>
+              <a:t>。</a:t>
+            </a:r>
+            <a:endParaRPr lang="en-US" altLang="ja-JP" b="1" dirty="0" smtClean="0">
+              <a:ea typeface="ＭＳ ゴシック" panose="020B0609070205080204" pitchFamily="49" charset="-128"/>
+            </a:endParaRPr>
+          </a:p>
+          <a:p>
+            <a:endParaRPr lang="ja-JP" altLang="en-US" b="1" dirty="0">
+              <a:ea typeface="ＭＳ ゴシック" panose="020B0609070205080204" pitchFamily="49" charset="-128"/>
+            </a:endParaRPr>
+          </a:p>
+        </p:txBody>
+      </p:sp>
     </p:spTree>
     <p:extLst>
       <p:ext uri="{BB962C8B-B14F-4D97-AF65-F5344CB8AC3E}">
@@ -4142,18 +4574,24 @@
       </p:grpSpPr>
       <p:sp>
         <p:nvSpPr>
-          <p:cNvPr id="21" name="円/楕円 20"/>
+          <p:cNvPr id="55" name="円/楕円 54"/>
           <p:cNvSpPr/>
           <p:nvPr/>
         </p:nvSpPr>
         <p:spPr>
           <a:xfrm>
-            <a:off x="1259632" y="3220169"/>
+            <a:off x="1259632" y="2926382"/>
             <a:ext cx="540000" cy="540000"/>
           </a:xfrm>
           <a:prstGeom prst="ellipse">
             <a:avLst/>
           </a:prstGeom>
+          <a:solidFill>
+            <a:srgbClr val="FF0066"/>
+          </a:solidFill>
+          <a:ln>
+            <a:noFill/>
+          </a:ln>
         </p:spPr>
         <p:style>
           <a:lnRef idx="2">
@@ -4172,40 +4610,40 @@
           </a:fontRef>
         </p:style>
         <p:txBody>
-          <a:bodyPr rtlCol="0" anchor="ctr"/>
+          <a:bodyPr lIns="91429" tIns="45715" rIns="91429" bIns="45715" rtlCol="0" anchor="ctr"/>
           <a:lstStyle/>
           <a:p>
-            <a:pPr algn="ctr"/>
-            <a:r>
-              <a:rPr kumimoji="1" lang="en-US" altLang="ja-JP" dirty="0" smtClean="0"/>
+            <a:pPr algn="ctr" defTabSz="914295"/>
+            <a:r>
+              <a:rPr lang="en-US" altLang="ja-JP" dirty="0"/>
               <a:t>A</a:t>
             </a:r>
-            <a:endParaRPr kumimoji="1" lang="ja-JP" altLang="en-US" dirty="0"/>
+            <a:endParaRPr lang="ja-JP" altLang="en-US" dirty="0"/>
           </a:p>
         </p:txBody>
       </p:sp>
       <p:cxnSp>
         <p:nvCxnSpPr>
-          <p:cNvPr id="22" name="直線矢印コネクタ 21"/>
+          <p:cNvPr id="56" name="直線矢印コネクタ 55"/>
           <p:cNvCxnSpPr>
-            <a:stCxn id="23" idx="2"/>
-            <a:endCxn id="21" idx="6"/>
+            <a:stCxn id="57" idx="2"/>
+            <a:endCxn id="55" idx="6"/>
           </p:cNvCxnSpPr>
           <p:nvPr/>
         </p:nvCxnSpPr>
         <p:spPr>
           <a:xfrm flipH="1">
-            <a:off x="1799632" y="3490169"/>
+            <a:off x="1799632" y="3196382"/>
             <a:ext cx="432168" cy="0"/>
           </a:xfrm>
           <a:prstGeom prst="straightConnector1">
             <a:avLst/>
           </a:prstGeom>
-          <a:ln w="19050">
+          <a:ln w="31750">
             <a:solidFill>
               <a:schemeClr val="tx1"/>
             </a:solidFill>
-            <a:prstDash val="sysDash"/>
+            <a:prstDash val="sysDot"/>
             <a:tailEnd type="triangle" w="lg" len="med"/>
           </a:ln>
         </p:spPr>
@@ -4226,18 +4664,24 @@
       </p:cxnSp>
       <p:sp>
         <p:nvSpPr>
-          <p:cNvPr id="23" name="円/楕円 22"/>
+          <p:cNvPr id="57" name="円/楕円 56"/>
           <p:cNvSpPr/>
           <p:nvPr/>
         </p:nvSpPr>
         <p:spPr>
           <a:xfrm>
-            <a:off x="2231800" y="3220169"/>
+            <a:off x="2231800" y="2926382"/>
             <a:ext cx="540000" cy="540000"/>
           </a:xfrm>
           <a:prstGeom prst="ellipse">
             <a:avLst/>
           </a:prstGeom>
+          <a:solidFill>
+            <a:srgbClr val="FF0066"/>
+          </a:solidFill>
+          <a:ln>
+            <a:noFill/>
+          </a:ln>
         </p:spPr>
         <p:style>
           <a:lnRef idx="2">
@@ -4256,32 +4700,38 @@
           </a:fontRef>
         </p:style>
         <p:txBody>
-          <a:bodyPr rtlCol="0" anchor="ctr"/>
+          <a:bodyPr lIns="91429" tIns="45715" rIns="91429" bIns="45715" rtlCol="0" anchor="ctr"/>
           <a:lstStyle/>
           <a:p>
-            <a:pPr algn="ctr"/>
-            <a:r>
-              <a:rPr kumimoji="1" lang="en-US" altLang="ja-JP" dirty="0" smtClean="0"/>
+            <a:pPr algn="ctr" defTabSz="914295"/>
+            <a:r>
+              <a:rPr lang="en-US" altLang="ja-JP" dirty="0"/>
               <a:t>B</a:t>
             </a:r>
-            <a:endParaRPr kumimoji="1" lang="ja-JP" altLang="en-US" dirty="0"/>
-          </a:p>
-        </p:txBody>
-      </p:sp>
-      <p:sp>
-        <p:nvSpPr>
-          <p:cNvPr id="24" name="円/楕円 23"/>
+            <a:endParaRPr lang="ja-JP" altLang="en-US" dirty="0"/>
+          </a:p>
+        </p:txBody>
+      </p:sp>
+      <p:sp>
+        <p:nvSpPr>
+          <p:cNvPr id="58" name="円/楕円 57"/>
           <p:cNvSpPr/>
           <p:nvPr/>
         </p:nvSpPr>
         <p:spPr>
           <a:xfrm>
-            <a:off x="3203968" y="3220169"/>
+            <a:off x="3203968" y="2926382"/>
             <a:ext cx="540000" cy="540000"/>
           </a:xfrm>
           <a:prstGeom prst="ellipse">
             <a:avLst/>
           </a:prstGeom>
+          <a:solidFill>
+            <a:srgbClr val="FF0066"/>
+          </a:solidFill>
+          <a:ln>
+            <a:noFill/>
+          </a:ln>
         </p:spPr>
         <p:style>
           <a:lnRef idx="2">
@@ -4300,40 +4750,40 @@
           </a:fontRef>
         </p:style>
         <p:txBody>
-          <a:bodyPr rtlCol="0" anchor="ctr"/>
+          <a:bodyPr lIns="91429" tIns="45715" rIns="91429" bIns="45715" rtlCol="0" anchor="ctr"/>
           <a:lstStyle/>
           <a:p>
-            <a:pPr algn="ctr"/>
-            <a:r>
-              <a:rPr kumimoji="1" lang="en-US" altLang="ja-JP" dirty="0" smtClean="0"/>
+            <a:pPr algn="ctr" defTabSz="914295"/>
+            <a:r>
+              <a:rPr lang="en-US" altLang="ja-JP" dirty="0"/>
               <a:t>C</a:t>
             </a:r>
-            <a:endParaRPr kumimoji="1" lang="ja-JP" altLang="en-US" dirty="0"/>
+            <a:endParaRPr lang="ja-JP" altLang="en-US" dirty="0"/>
           </a:p>
         </p:txBody>
       </p:sp>
       <p:cxnSp>
         <p:nvCxnSpPr>
-          <p:cNvPr id="25" name="直線矢印コネクタ 24"/>
+          <p:cNvPr id="59" name="直線矢印コネクタ 58"/>
           <p:cNvCxnSpPr>
-            <a:stCxn id="24" idx="2"/>
-            <a:endCxn id="23" idx="6"/>
+            <a:stCxn id="58" idx="2"/>
+            <a:endCxn id="57" idx="6"/>
           </p:cNvCxnSpPr>
           <p:nvPr/>
         </p:nvCxnSpPr>
         <p:spPr>
           <a:xfrm flipH="1">
-            <a:off x="2771800" y="3490169"/>
+            <a:off x="2771800" y="3196382"/>
             <a:ext cx="432168" cy="0"/>
           </a:xfrm>
           <a:prstGeom prst="straightConnector1">
             <a:avLst/>
           </a:prstGeom>
-          <a:ln w="19050">
+          <a:ln w="31750">
             <a:solidFill>
               <a:schemeClr val="tx1"/>
             </a:solidFill>
-            <a:prstDash val="sysDash"/>
+            <a:prstDash val="sysDot"/>
             <a:tailEnd type="triangle" w="lg" len="med"/>
           </a:ln>
         </p:spPr>
@@ -4354,23 +4804,23 @@
       </p:cxnSp>
       <p:cxnSp>
         <p:nvCxnSpPr>
-          <p:cNvPr id="26" name="直線矢印コネクタ 25"/>
+          <p:cNvPr id="60" name="直線矢印コネクタ 59"/>
           <p:cNvCxnSpPr/>
           <p:nvPr/>
         </p:nvCxnSpPr>
         <p:spPr>
           <a:xfrm flipH="1">
-            <a:off x="5380092" y="2714675"/>
+            <a:off x="5380092" y="2420888"/>
             <a:ext cx="428406" cy="505494"/>
           </a:xfrm>
           <a:prstGeom prst="straightConnector1">
             <a:avLst/>
           </a:prstGeom>
-          <a:ln w="19050">
+          <a:ln w="31750">
             <a:solidFill>
               <a:schemeClr val="tx1"/>
             </a:solidFill>
-            <a:prstDash val="sysDash"/>
+            <a:prstDash val="sysDot"/>
             <a:tailEnd type="triangle" w="lg" len="med"/>
           </a:ln>
         </p:spPr>
@@ -4391,19 +4841,20 @@
       </p:cxnSp>
       <p:sp>
         <p:nvSpPr>
-          <p:cNvPr id="27" name="正方形/長方形 26"/>
+          <p:cNvPr id="61" name="正方形/長方形 60"/>
           <p:cNvSpPr/>
           <p:nvPr/>
         </p:nvSpPr>
         <p:spPr>
           <a:xfrm>
-            <a:off x="5808498" y="2426643"/>
+            <a:off x="5808498" y="2132856"/>
             <a:ext cx="936044" cy="288032"/>
           </a:xfrm>
           <a:prstGeom prst="rect">
             <a:avLst/>
           </a:prstGeom>
           <a:ln>
+            <a:noFill/>
             <a:prstDash val="sysDash"/>
           </a:ln>
         </p:spPr>
@@ -4424,32 +4875,40 @@
           </a:fontRef>
         </p:style>
         <p:txBody>
-          <a:bodyPr rtlCol="0" anchor="ctr"/>
+          <a:bodyPr lIns="91429" tIns="0" rIns="91429" bIns="0" rtlCol="0" anchor="ctr">
+            <a:spAutoFit/>
+          </a:bodyPr>
           <a:lstStyle/>
           <a:p>
-            <a:pPr algn="ctr"/>
-            <a:r>
-              <a:rPr kumimoji="1" lang="en-US" altLang="ja-JP" dirty="0" smtClean="0"/>
+            <a:pPr algn="ctr" defTabSz="914295"/>
+            <a:r>
+              <a:rPr lang="en-US" altLang="ja-JP" dirty="0"/>
               <a:t>master</a:t>
             </a:r>
-            <a:endParaRPr kumimoji="1" lang="ja-JP" altLang="en-US" dirty="0"/>
-          </a:p>
-        </p:txBody>
-      </p:sp>
-      <p:sp>
-        <p:nvSpPr>
-          <p:cNvPr id="28" name="円/楕円 27"/>
+            <a:endParaRPr lang="ja-JP" altLang="en-US" dirty="0"/>
+          </a:p>
+        </p:txBody>
+      </p:sp>
+      <p:sp>
+        <p:nvSpPr>
+          <p:cNvPr id="62" name="円/楕円 61"/>
           <p:cNvSpPr/>
           <p:nvPr/>
         </p:nvSpPr>
         <p:spPr>
           <a:xfrm>
-            <a:off x="4158074" y="3220169"/>
+            <a:off x="4158074" y="2926382"/>
             <a:ext cx="540000" cy="540000"/>
           </a:xfrm>
           <a:prstGeom prst="ellipse">
             <a:avLst/>
           </a:prstGeom>
+          <a:solidFill>
+            <a:srgbClr val="FF0066"/>
+          </a:solidFill>
+          <a:ln>
+            <a:noFill/>
+          </a:ln>
         </p:spPr>
         <p:style>
           <a:lnRef idx="2">
@@ -4468,40 +4927,40 @@
           </a:fontRef>
         </p:style>
         <p:txBody>
-          <a:bodyPr rtlCol="0" anchor="ctr"/>
+          <a:bodyPr lIns="91429" tIns="45715" rIns="91429" bIns="45715" rtlCol="0" anchor="ctr"/>
           <a:lstStyle/>
           <a:p>
-            <a:pPr algn="ctr"/>
-            <a:r>
-              <a:rPr kumimoji="1" lang="en-US" altLang="ja-JP" dirty="0" smtClean="0"/>
+            <a:pPr algn="ctr" defTabSz="914295"/>
+            <a:r>
+              <a:rPr lang="en-US" altLang="ja-JP" dirty="0"/>
               <a:t>D</a:t>
             </a:r>
-            <a:endParaRPr kumimoji="1" lang="ja-JP" altLang="en-US" dirty="0"/>
+            <a:endParaRPr lang="ja-JP" altLang="en-US" dirty="0"/>
           </a:p>
         </p:txBody>
       </p:sp>
       <p:cxnSp>
         <p:nvCxnSpPr>
-          <p:cNvPr id="29" name="直線矢印コネクタ 28"/>
+          <p:cNvPr id="63" name="直線矢印コネクタ 62"/>
           <p:cNvCxnSpPr>
-            <a:stCxn id="28" idx="2"/>
-            <a:endCxn id="24" idx="6"/>
+            <a:stCxn id="62" idx="2"/>
+            <a:endCxn id="58" idx="6"/>
           </p:cNvCxnSpPr>
           <p:nvPr/>
         </p:nvCxnSpPr>
         <p:spPr>
           <a:xfrm flipH="1">
-            <a:off x="3743968" y="3490169"/>
+            <a:off x="3743968" y="3196382"/>
             <a:ext cx="414106" cy="0"/>
           </a:xfrm>
           <a:prstGeom prst="straightConnector1">
             <a:avLst/>
           </a:prstGeom>
-          <a:ln w="19050">
+          <a:ln w="31750">
             <a:solidFill>
               <a:schemeClr val="tx1"/>
             </a:solidFill>
-            <a:prstDash val="sysDash"/>
+            <a:prstDash val="sysDot"/>
             <a:tailEnd type="triangle" w="lg" len="med"/>
           </a:ln>
         </p:spPr>
@@ -4522,25 +4981,25 @@
       </p:cxnSp>
       <p:cxnSp>
         <p:nvCxnSpPr>
-          <p:cNvPr id="30" name="直線矢印コネクタ 29"/>
+          <p:cNvPr id="64" name="直線矢印コネクタ 63"/>
           <p:cNvCxnSpPr>
-            <a:stCxn id="31" idx="1"/>
+            <a:stCxn id="65" idx="1"/>
           </p:cNvCxnSpPr>
           <p:nvPr/>
         </p:nvCxnSpPr>
         <p:spPr>
           <a:xfrm flipH="1" flipV="1">
-            <a:off x="4057650" y="4620907"/>
+            <a:off x="4057650" y="4327120"/>
             <a:ext cx="450080" cy="504056"/>
           </a:xfrm>
           <a:prstGeom prst="straightConnector1">
             <a:avLst/>
           </a:prstGeom>
-          <a:ln w="19050">
+          <a:ln w="31750">
             <a:solidFill>
               <a:schemeClr val="tx1"/>
             </a:solidFill>
-            <a:prstDash val="sysDash"/>
+            <a:prstDash val="sysDot"/>
             <a:tailEnd type="triangle" w="lg" len="med"/>
           </a:ln>
         </p:spPr>
@@ -4561,19 +5020,20 @@
       </p:cxnSp>
       <p:sp>
         <p:nvSpPr>
-          <p:cNvPr id="31" name="正方形/長方形 30"/>
+          <p:cNvPr id="65" name="正方形/長方形 64"/>
           <p:cNvSpPr/>
           <p:nvPr/>
         </p:nvSpPr>
         <p:spPr>
           <a:xfrm>
-            <a:off x="4507730" y="4980947"/>
+            <a:off x="4507730" y="4687160"/>
             <a:ext cx="936044" cy="288032"/>
           </a:xfrm>
           <a:prstGeom prst="rect">
             <a:avLst/>
           </a:prstGeom>
           <a:ln>
+            <a:noFill/>
             <a:prstDash val="sysDash"/>
           </a:ln>
         </p:spPr>
@@ -4594,32 +5054,40 @@
           </a:fontRef>
         </p:style>
         <p:txBody>
-          <a:bodyPr rtlCol="0" anchor="ctr"/>
+          <a:bodyPr lIns="91429" tIns="0" rIns="91429" bIns="0" rtlCol="0" anchor="ctr">
+            <a:spAutoFit/>
+          </a:bodyPr>
           <a:lstStyle/>
           <a:p>
-            <a:pPr algn="ctr"/>
-            <a:r>
-              <a:rPr lang="en-US" altLang="ja-JP" dirty="0" err="1" smtClean="0"/>
+            <a:pPr algn="ctr" defTabSz="914295"/>
+            <a:r>
+              <a:rPr lang="en-US" altLang="ja-JP" dirty="0" err="1"/>
               <a:t>bugfix</a:t>
             </a:r>
-            <a:endParaRPr kumimoji="1" lang="ja-JP" altLang="en-US" dirty="0"/>
-          </a:p>
-        </p:txBody>
-      </p:sp>
-      <p:sp>
-        <p:nvSpPr>
-          <p:cNvPr id="32" name="円/楕円 31"/>
+            <a:endParaRPr lang="ja-JP" altLang="en-US" dirty="0"/>
+          </a:p>
+        </p:txBody>
+      </p:sp>
+      <p:sp>
+        <p:nvSpPr>
+          <p:cNvPr id="66" name="円/楕円 65"/>
           <p:cNvSpPr/>
           <p:nvPr/>
         </p:nvSpPr>
         <p:spPr>
           <a:xfrm>
-            <a:off x="2851606" y="4080907"/>
+            <a:off x="2851606" y="3787120"/>
             <a:ext cx="540000" cy="540000"/>
           </a:xfrm>
           <a:prstGeom prst="ellipse">
             <a:avLst/>
           </a:prstGeom>
+          <a:solidFill>
+            <a:srgbClr val="FF0066"/>
+          </a:solidFill>
+          <a:ln>
+            <a:noFill/>
+          </a:ln>
         </p:spPr>
         <p:style>
           <a:lnRef idx="2">
@@ -4638,39 +5106,39 @@
           </a:fontRef>
         </p:style>
         <p:txBody>
-          <a:bodyPr rtlCol="0" anchor="ctr"/>
+          <a:bodyPr lIns="91429" tIns="45715" rIns="91429" bIns="45715" rtlCol="0" anchor="ctr"/>
           <a:lstStyle/>
           <a:p>
-            <a:pPr algn="ctr"/>
-            <a:r>
-              <a:rPr kumimoji="1" lang="en-US" altLang="ja-JP" dirty="0" smtClean="0"/>
+            <a:pPr algn="ctr" defTabSz="914295"/>
+            <a:r>
+              <a:rPr lang="en-US" altLang="ja-JP" dirty="0"/>
               <a:t>X</a:t>
             </a:r>
-            <a:endParaRPr kumimoji="1" lang="ja-JP" altLang="en-US" dirty="0"/>
+            <a:endParaRPr lang="ja-JP" altLang="en-US" dirty="0"/>
           </a:p>
         </p:txBody>
       </p:sp>
       <p:cxnSp>
         <p:nvCxnSpPr>
-          <p:cNvPr id="33" name="直線矢印コネクタ 32"/>
+          <p:cNvPr id="67" name="直線矢印コネクタ 66"/>
           <p:cNvCxnSpPr>
-            <a:stCxn id="32" idx="1"/>
+            <a:stCxn id="66" idx="1"/>
           </p:cNvCxnSpPr>
           <p:nvPr/>
         </p:nvCxnSpPr>
         <p:spPr>
           <a:xfrm flipH="1" flipV="1">
-            <a:off x="2484463" y="3760169"/>
+            <a:off x="2484463" y="3466382"/>
             <a:ext cx="446224" cy="399819"/>
           </a:xfrm>
           <a:prstGeom prst="straightConnector1">
             <a:avLst/>
           </a:prstGeom>
-          <a:ln w="19050">
+          <a:ln w="31750">
             <a:solidFill>
               <a:schemeClr val="tx1"/>
             </a:solidFill>
-            <a:prstDash val="sysDash"/>
+            <a:prstDash val="sysDot"/>
             <a:tailEnd type="triangle" w="lg" len="med"/>
           </a:ln>
         </p:spPr>
@@ -4691,138 +5159,24 @@
       </p:cxnSp>
       <p:sp>
         <p:nvSpPr>
-          <p:cNvPr id="37" name="テキスト ボックス 36"/>
-          <p:cNvSpPr txBox="1"/>
-          <p:nvPr/>
-        </p:nvSpPr>
-        <p:spPr>
-          <a:xfrm>
-            <a:off x="267552" y="478413"/>
-            <a:ext cx="8624928" cy="923330"/>
-          </a:xfrm>
-          <a:prstGeom prst="rect">
-            <a:avLst/>
-          </a:prstGeom>
-          <a:noFill/>
-        </p:spPr>
-        <p:txBody>
-          <a:bodyPr wrap="square" rtlCol="0">
-            <a:spAutoFit/>
-          </a:bodyPr>
-          <a:lstStyle/>
-          <a:p>
-            <a:r>
-              <a:rPr lang="en-US" altLang="ja-JP" dirty="0"/>
-              <a:t>m</a:t>
-            </a:r>
-            <a:r>
-              <a:rPr kumimoji="1" lang="en-US" altLang="ja-JP" dirty="0" smtClean="0"/>
-              <a:t>aster</a:t>
-            </a:r>
-            <a:r>
-              <a:rPr kumimoji="1" lang="ja-JP" altLang="en-US" dirty="0" smtClean="0"/>
-              <a:t>ブランチをチェックアウトして、「</a:t>
-            </a:r>
-            <a:r>
-              <a:rPr kumimoji="1" lang="en-US" altLang="ja-JP" dirty="0" err="1" smtClean="0"/>
-              <a:t>git</a:t>
-            </a:r>
-            <a:r>
-              <a:rPr kumimoji="1" lang="en-US" altLang="ja-JP" dirty="0" smtClean="0"/>
-              <a:t> merge </a:t>
-            </a:r>
-            <a:r>
-              <a:rPr kumimoji="1" lang="en-US" altLang="ja-JP" dirty="0" err="1" smtClean="0"/>
-              <a:t>bugfix</a:t>
-            </a:r>
-            <a:r>
-              <a:rPr kumimoji="1" lang="ja-JP" altLang="en-US" dirty="0" smtClean="0"/>
-              <a:t>」を実行した。</a:t>
-            </a:r>
-            <a:endParaRPr kumimoji="1" lang="en-US" altLang="ja-JP" dirty="0" smtClean="0"/>
-          </a:p>
-          <a:p>
-            <a:r>
-              <a:rPr lang="ja-JP" altLang="en-US" dirty="0" smtClean="0"/>
-              <a:t>マージコミット</a:t>
-            </a:r>
-            <a:r>
-              <a:rPr lang="en-US" altLang="ja-JP" dirty="0" smtClean="0"/>
-              <a:t>E</a:t>
-            </a:r>
-            <a:r>
-              <a:rPr lang="ja-JP" altLang="en-US" dirty="0" smtClean="0"/>
-              <a:t>が作られ、</a:t>
-            </a:r>
-            <a:r>
-              <a:rPr lang="en-US" altLang="ja-JP" dirty="0" smtClean="0"/>
-              <a:t>master</a:t>
-            </a:r>
-            <a:r>
-              <a:rPr lang="ja-JP" altLang="en-US" dirty="0" smtClean="0"/>
-              <a:t>ブランチは</a:t>
-            </a:r>
-            <a:r>
-              <a:rPr lang="en-US" altLang="ja-JP" dirty="0" smtClean="0"/>
-              <a:t>E</a:t>
-            </a:r>
-            <a:r>
-              <a:rPr lang="ja-JP" altLang="en-US" dirty="0" smtClean="0"/>
-              <a:t>を指すよう更新された。</a:t>
-            </a:r>
-            <a:endParaRPr lang="en-US" altLang="ja-JP" dirty="0" smtClean="0"/>
-          </a:p>
-          <a:p>
-            <a:r>
-              <a:rPr lang="ja-JP" altLang="en-US" dirty="0"/>
-              <a:t>これ</a:t>
-            </a:r>
-            <a:r>
-              <a:rPr lang="ja-JP" altLang="en-US" dirty="0" smtClean="0"/>
-              <a:t>で</a:t>
-            </a:r>
-            <a:r>
-              <a:rPr lang="en-US" altLang="ja-JP" dirty="0" smtClean="0"/>
-              <a:t>master</a:t>
-            </a:r>
-            <a:r>
-              <a:rPr lang="ja-JP" altLang="en-US" dirty="0" smtClean="0"/>
-              <a:t>ブランチにコミット</a:t>
-            </a:r>
-            <a:r>
-              <a:rPr lang="en-US" altLang="ja-JP" dirty="0" smtClean="0"/>
-              <a:t>X</a:t>
-            </a:r>
-            <a:r>
-              <a:rPr lang="ja-JP" altLang="en-US" dirty="0" err="1" smtClean="0"/>
-              <a:t>、</a:t>
-            </a:r>
-            <a:r>
-              <a:rPr lang="en-US" altLang="ja-JP" dirty="0" smtClean="0"/>
-              <a:t>Y</a:t>
-            </a:r>
-            <a:r>
-              <a:rPr lang="ja-JP" altLang="en-US" dirty="0" smtClean="0"/>
-              <a:t>が取り込まれた。</a:t>
-            </a:r>
-            <a:endParaRPr lang="en-US" altLang="ja-JP" dirty="0" smtClean="0"/>
-          </a:p>
-        </p:txBody>
-      </p:sp>
-      <p:sp>
-        <p:nvSpPr>
-          <p:cNvPr id="16" name="円/楕円 15"/>
+          <p:cNvPr id="68" name="円/楕円 67"/>
           <p:cNvSpPr/>
           <p:nvPr/>
         </p:nvSpPr>
         <p:spPr>
           <a:xfrm>
-            <a:off x="3803847" y="4080907"/>
+            <a:off x="3803847" y="3787120"/>
             <a:ext cx="540000" cy="540000"/>
           </a:xfrm>
           <a:prstGeom prst="ellipse">
             <a:avLst/>
           </a:prstGeom>
+          <a:solidFill>
+            <a:srgbClr val="FF0066"/>
+          </a:solidFill>
+          <a:ln>
+            <a:noFill/>
+          </a:ln>
         </p:spPr>
         <p:style>
           <a:lnRef idx="2">
@@ -4841,39 +5195,39 @@
           </a:fontRef>
         </p:style>
         <p:txBody>
-          <a:bodyPr rtlCol="0" anchor="ctr"/>
+          <a:bodyPr lIns="91429" tIns="45715" rIns="91429" bIns="45715" rtlCol="0" anchor="ctr"/>
           <a:lstStyle/>
           <a:p>
-            <a:pPr algn="ctr"/>
-            <a:r>
-              <a:rPr kumimoji="1" lang="en-US" altLang="ja-JP" dirty="0" smtClean="0"/>
+            <a:pPr algn="ctr" defTabSz="914295"/>
+            <a:r>
+              <a:rPr lang="en-US" altLang="ja-JP" dirty="0"/>
               <a:t>Y</a:t>
             </a:r>
-            <a:endParaRPr kumimoji="1" lang="ja-JP" altLang="en-US" dirty="0"/>
+            <a:endParaRPr lang="ja-JP" altLang="en-US" dirty="0"/>
           </a:p>
         </p:txBody>
       </p:sp>
       <p:cxnSp>
         <p:nvCxnSpPr>
-          <p:cNvPr id="17" name="直線矢印コネクタ 16"/>
+          <p:cNvPr id="69" name="直線矢印コネクタ 68"/>
           <p:cNvCxnSpPr>
-            <a:stCxn id="16" idx="2"/>
+            <a:stCxn id="68" idx="2"/>
           </p:cNvCxnSpPr>
           <p:nvPr/>
         </p:nvCxnSpPr>
         <p:spPr>
           <a:xfrm flipH="1">
-            <a:off x="3389741" y="4350907"/>
+            <a:off x="3389741" y="4057120"/>
             <a:ext cx="414106" cy="0"/>
           </a:xfrm>
           <a:prstGeom prst="straightConnector1">
             <a:avLst/>
           </a:prstGeom>
-          <a:ln w="19050">
+          <a:ln w="31750">
             <a:solidFill>
               <a:schemeClr val="tx1"/>
             </a:solidFill>
-            <a:prstDash val="sysDash"/>
+            <a:prstDash val="sysDot"/>
             <a:tailEnd type="triangle" w="lg" len="med"/>
           </a:ln>
         </p:spPr>
@@ -4894,18 +5248,24 @@
       </p:cxnSp>
       <p:sp>
         <p:nvSpPr>
-          <p:cNvPr id="18" name="円/楕円 17"/>
+          <p:cNvPr id="70" name="円/楕円 69"/>
           <p:cNvSpPr/>
           <p:nvPr/>
         </p:nvSpPr>
         <p:spPr>
           <a:xfrm>
-            <a:off x="5113340" y="3220169"/>
+            <a:off x="5113340" y="2926382"/>
             <a:ext cx="540000" cy="540000"/>
           </a:xfrm>
           <a:prstGeom prst="ellipse">
             <a:avLst/>
           </a:prstGeom>
+          <a:solidFill>
+            <a:srgbClr val="FF0066"/>
+          </a:solidFill>
+          <a:ln>
+            <a:noFill/>
+          </a:ln>
         </p:spPr>
         <p:style>
           <a:lnRef idx="2">
@@ -4924,39 +5284,39 @@
           </a:fontRef>
         </p:style>
         <p:txBody>
-          <a:bodyPr rtlCol="0" anchor="ctr"/>
+          <a:bodyPr lIns="91429" tIns="45715" rIns="91429" bIns="45715" rtlCol="0" anchor="ctr"/>
           <a:lstStyle/>
           <a:p>
-            <a:pPr algn="ctr"/>
-            <a:r>
-              <a:rPr kumimoji="1" lang="en-US" altLang="ja-JP" dirty="0" smtClean="0"/>
+            <a:pPr algn="ctr" defTabSz="914295"/>
+            <a:r>
+              <a:rPr lang="en-US" altLang="ja-JP" dirty="0"/>
               <a:t>E</a:t>
             </a:r>
-            <a:endParaRPr kumimoji="1" lang="ja-JP" altLang="en-US" dirty="0"/>
+            <a:endParaRPr lang="ja-JP" altLang="en-US" dirty="0"/>
           </a:p>
         </p:txBody>
       </p:sp>
       <p:cxnSp>
         <p:nvCxnSpPr>
-          <p:cNvPr id="19" name="直線矢印コネクタ 18"/>
+          <p:cNvPr id="71" name="直線矢印コネクタ 70"/>
           <p:cNvCxnSpPr>
-            <a:stCxn id="18" idx="2"/>
+            <a:stCxn id="70" idx="2"/>
           </p:cNvCxnSpPr>
           <p:nvPr/>
         </p:nvCxnSpPr>
         <p:spPr>
           <a:xfrm flipH="1">
-            <a:off x="4699234" y="3490169"/>
+            <a:off x="4699234" y="3196382"/>
             <a:ext cx="414106" cy="0"/>
           </a:xfrm>
           <a:prstGeom prst="straightConnector1">
             <a:avLst/>
           </a:prstGeom>
-          <a:ln w="19050">
+          <a:ln w="31750">
             <a:solidFill>
               <a:schemeClr val="tx1"/>
             </a:solidFill>
-            <a:prstDash val="sysDash"/>
+            <a:prstDash val="sysDot"/>
             <a:tailEnd type="triangle" w="lg" len="med"/>
           </a:ln>
         </p:spPr>
@@ -4977,26 +5337,26 @@
       </p:cxnSp>
       <p:cxnSp>
         <p:nvCxnSpPr>
-          <p:cNvPr id="20" name="直線矢印コネクタ 19"/>
+          <p:cNvPr id="72" name="直線矢印コネクタ 71"/>
           <p:cNvCxnSpPr>
-            <a:stCxn id="18" idx="3"/>
-            <a:endCxn id="16" idx="6"/>
+            <a:stCxn id="70" idx="3"/>
+            <a:endCxn id="68" idx="6"/>
           </p:cNvCxnSpPr>
           <p:nvPr/>
         </p:nvCxnSpPr>
         <p:spPr>
           <a:xfrm flipH="1">
-            <a:off x="4343847" y="3681088"/>
+            <a:off x="4343847" y="3387301"/>
             <a:ext cx="848574" cy="669819"/>
           </a:xfrm>
           <a:prstGeom prst="straightConnector1">
             <a:avLst/>
           </a:prstGeom>
-          <a:ln w="19050">
+          <a:ln w="31750">
             <a:solidFill>
               <a:schemeClr val="tx1"/>
             </a:solidFill>
-            <a:prstDash val="sysDash"/>
+            <a:prstDash val="sysDot"/>
             <a:tailEnd type="triangle" w="lg" len="med"/>
           </a:ln>
         </p:spPr>
@@ -5015,6 +5375,516 @@
           </a:fontRef>
         </p:style>
       </p:cxnSp>
+      <p:sp>
+        <p:nvSpPr>
+          <p:cNvPr id="73" name="角丸四角形吹き出し 70"/>
+          <p:cNvSpPr/>
+          <p:nvPr/>
+        </p:nvSpPr>
+        <p:spPr>
+          <a:xfrm>
+            <a:off x="203401" y="123901"/>
+            <a:ext cx="8737200" cy="1433282"/>
+          </a:xfrm>
+          <a:custGeom>
+            <a:avLst/>
+            <a:gdLst>
+              <a:gd name="connsiteX0" fmla="*/ 0 w 8541658"/>
+              <a:gd name="connsiteY0" fmla="*/ 214817 h 1288876"/>
+              <a:gd name="connsiteX1" fmla="*/ 214817 w 8541658"/>
+              <a:gd name="connsiteY1" fmla="*/ 0 h 1288876"/>
+              <a:gd name="connsiteX2" fmla="*/ 1423610 w 8541658"/>
+              <a:gd name="connsiteY2" fmla="*/ 0 h 1288876"/>
+              <a:gd name="connsiteX3" fmla="*/ 1423610 w 8541658"/>
+              <a:gd name="connsiteY3" fmla="*/ 0 h 1288876"/>
+              <a:gd name="connsiteX4" fmla="*/ 3559024 w 8541658"/>
+              <a:gd name="connsiteY4" fmla="*/ 0 h 1288876"/>
+              <a:gd name="connsiteX5" fmla="*/ 8326841 w 8541658"/>
+              <a:gd name="connsiteY5" fmla="*/ 0 h 1288876"/>
+              <a:gd name="connsiteX6" fmla="*/ 8541658 w 8541658"/>
+              <a:gd name="connsiteY6" fmla="*/ 214817 h 1288876"/>
+              <a:gd name="connsiteX7" fmla="*/ 8541658 w 8541658"/>
+              <a:gd name="connsiteY7" fmla="*/ 751844 h 1288876"/>
+              <a:gd name="connsiteX8" fmla="*/ 8541658 w 8541658"/>
+              <a:gd name="connsiteY8" fmla="*/ 751844 h 1288876"/>
+              <a:gd name="connsiteX9" fmla="*/ 8541658 w 8541658"/>
+              <a:gd name="connsiteY9" fmla="*/ 1074063 h 1288876"/>
+              <a:gd name="connsiteX10" fmla="*/ 8541658 w 8541658"/>
+              <a:gd name="connsiteY10" fmla="*/ 1074059 h 1288876"/>
+              <a:gd name="connsiteX11" fmla="*/ 8326841 w 8541658"/>
+              <a:gd name="connsiteY11" fmla="*/ 1288876 h 1288876"/>
+              <a:gd name="connsiteX12" fmla="*/ 3559024 w 8541658"/>
+              <a:gd name="connsiteY12" fmla="*/ 1288876 h 1288876"/>
+              <a:gd name="connsiteX13" fmla="*/ 2230227 w 8541658"/>
+              <a:gd name="connsiteY13" fmla="*/ 1471381 h 1288876"/>
+              <a:gd name="connsiteX14" fmla="*/ 1423610 w 8541658"/>
+              <a:gd name="connsiteY14" fmla="*/ 1288876 h 1288876"/>
+              <a:gd name="connsiteX15" fmla="*/ 214817 w 8541658"/>
+              <a:gd name="connsiteY15" fmla="*/ 1288876 h 1288876"/>
+              <a:gd name="connsiteX16" fmla="*/ 0 w 8541658"/>
+              <a:gd name="connsiteY16" fmla="*/ 1074059 h 1288876"/>
+              <a:gd name="connsiteX17" fmla="*/ 0 w 8541658"/>
+              <a:gd name="connsiteY17" fmla="*/ 1074063 h 1288876"/>
+              <a:gd name="connsiteX18" fmla="*/ 0 w 8541658"/>
+              <a:gd name="connsiteY18" fmla="*/ 751844 h 1288876"/>
+              <a:gd name="connsiteX19" fmla="*/ 0 w 8541658"/>
+              <a:gd name="connsiteY19" fmla="*/ 751844 h 1288876"/>
+              <a:gd name="connsiteX20" fmla="*/ 0 w 8541658"/>
+              <a:gd name="connsiteY20" fmla="*/ 214817 h 1288876"/>
+              <a:gd name="connsiteX0" fmla="*/ 0 w 8541658"/>
+              <a:gd name="connsiteY0" fmla="*/ 214817 h 1471381"/>
+              <a:gd name="connsiteX1" fmla="*/ 214817 w 8541658"/>
+              <a:gd name="connsiteY1" fmla="*/ 0 h 1471381"/>
+              <a:gd name="connsiteX2" fmla="*/ 1423610 w 8541658"/>
+              <a:gd name="connsiteY2" fmla="*/ 0 h 1471381"/>
+              <a:gd name="connsiteX3" fmla="*/ 1423610 w 8541658"/>
+              <a:gd name="connsiteY3" fmla="*/ 0 h 1471381"/>
+              <a:gd name="connsiteX4" fmla="*/ 3559024 w 8541658"/>
+              <a:gd name="connsiteY4" fmla="*/ 0 h 1471381"/>
+              <a:gd name="connsiteX5" fmla="*/ 8326841 w 8541658"/>
+              <a:gd name="connsiteY5" fmla="*/ 0 h 1471381"/>
+              <a:gd name="connsiteX6" fmla="*/ 8541658 w 8541658"/>
+              <a:gd name="connsiteY6" fmla="*/ 214817 h 1471381"/>
+              <a:gd name="connsiteX7" fmla="*/ 8541658 w 8541658"/>
+              <a:gd name="connsiteY7" fmla="*/ 751844 h 1471381"/>
+              <a:gd name="connsiteX8" fmla="*/ 8541658 w 8541658"/>
+              <a:gd name="connsiteY8" fmla="*/ 751844 h 1471381"/>
+              <a:gd name="connsiteX9" fmla="*/ 8541658 w 8541658"/>
+              <a:gd name="connsiteY9" fmla="*/ 1074063 h 1471381"/>
+              <a:gd name="connsiteX10" fmla="*/ 8541658 w 8541658"/>
+              <a:gd name="connsiteY10" fmla="*/ 1074059 h 1471381"/>
+              <a:gd name="connsiteX11" fmla="*/ 8326841 w 8541658"/>
+              <a:gd name="connsiteY11" fmla="*/ 1288876 h 1471381"/>
+              <a:gd name="connsiteX12" fmla="*/ 1852144 w 8541658"/>
+              <a:gd name="connsiteY12" fmla="*/ 1288876 h 1471381"/>
+              <a:gd name="connsiteX13" fmla="*/ 2230227 w 8541658"/>
+              <a:gd name="connsiteY13" fmla="*/ 1471381 h 1471381"/>
+              <a:gd name="connsiteX14" fmla="*/ 1423610 w 8541658"/>
+              <a:gd name="connsiteY14" fmla="*/ 1288876 h 1471381"/>
+              <a:gd name="connsiteX15" fmla="*/ 214817 w 8541658"/>
+              <a:gd name="connsiteY15" fmla="*/ 1288876 h 1471381"/>
+              <a:gd name="connsiteX16" fmla="*/ 0 w 8541658"/>
+              <a:gd name="connsiteY16" fmla="*/ 1074059 h 1471381"/>
+              <a:gd name="connsiteX17" fmla="*/ 0 w 8541658"/>
+              <a:gd name="connsiteY17" fmla="*/ 1074063 h 1471381"/>
+              <a:gd name="connsiteX18" fmla="*/ 0 w 8541658"/>
+              <a:gd name="connsiteY18" fmla="*/ 751844 h 1471381"/>
+              <a:gd name="connsiteX19" fmla="*/ 0 w 8541658"/>
+              <a:gd name="connsiteY19" fmla="*/ 751844 h 1471381"/>
+              <a:gd name="connsiteX20" fmla="*/ 0 w 8541658"/>
+              <a:gd name="connsiteY20" fmla="*/ 214817 h 1471381"/>
+              <a:gd name="connsiteX0" fmla="*/ 0 w 8541658"/>
+              <a:gd name="connsiteY0" fmla="*/ 214817 h 1433281"/>
+              <a:gd name="connsiteX1" fmla="*/ 214817 w 8541658"/>
+              <a:gd name="connsiteY1" fmla="*/ 0 h 1433281"/>
+              <a:gd name="connsiteX2" fmla="*/ 1423610 w 8541658"/>
+              <a:gd name="connsiteY2" fmla="*/ 0 h 1433281"/>
+              <a:gd name="connsiteX3" fmla="*/ 1423610 w 8541658"/>
+              <a:gd name="connsiteY3" fmla="*/ 0 h 1433281"/>
+              <a:gd name="connsiteX4" fmla="*/ 3559024 w 8541658"/>
+              <a:gd name="connsiteY4" fmla="*/ 0 h 1433281"/>
+              <a:gd name="connsiteX5" fmla="*/ 8326841 w 8541658"/>
+              <a:gd name="connsiteY5" fmla="*/ 0 h 1433281"/>
+              <a:gd name="connsiteX6" fmla="*/ 8541658 w 8541658"/>
+              <a:gd name="connsiteY6" fmla="*/ 214817 h 1433281"/>
+              <a:gd name="connsiteX7" fmla="*/ 8541658 w 8541658"/>
+              <a:gd name="connsiteY7" fmla="*/ 751844 h 1433281"/>
+              <a:gd name="connsiteX8" fmla="*/ 8541658 w 8541658"/>
+              <a:gd name="connsiteY8" fmla="*/ 751844 h 1433281"/>
+              <a:gd name="connsiteX9" fmla="*/ 8541658 w 8541658"/>
+              <a:gd name="connsiteY9" fmla="*/ 1074063 h 1433281"/>
+              <a:gd name="connsiteX10" fmla="*/ 8541658 w 8541658"/>
+              <a:gd name="connsiteY10" fmla="*/ 1074059 h 1433281"/>
+              <a:gd name="connsiteX11" fmla="*/ 8326841 w 8541658"/>
+              <a:gd name="connsiteY11" fmla="*/ 1288876 h 1433281"/>
+              <a:gd name="connsiteX12" fmla="*/ 1852144 w 8541658"/>
+              <a:gd name="connsiteY12" fmla="*/ 1288876 h 1433281"/>
+              <a:gd name="connsiteX13" fmla="*/ 1864467 w 8541658"/>
+              <a:gd name="connsiteY13" fmla="*/ 1433281 h 1433281"/>
+              <a:gd name="connsiteX14" fmla="*/ 1423610 w 8541658"/>
+              <a:gd name="connsiteY14" fmla="*/ 1288876 h 1433281"/>
+              <a:gd name="connsiteX15" fmla="*/ 214817 w 8541658"/>
+              <a:gd name="connsiteY15" fmla="*/ 1288876 h 1433281"/>
+              <a:gd name="connsiteX16" fmla="*/ 0 w 8541658"/>
+              <a:gd name="connsiteY16" fmla="*/ 1074059 h 1433281"/>
+              <a:gd name="connsiteX17" fmla="*/ 0 w 8541658"/>
+              <a:gd name="connsiteY17" fmla="*/ 1074063 h 1433281"/>
+              <a:gd name="connsiteX18" fmla="*/ 0 w 8541658"/>
+              <a:gd name="connsiteY18" fmla="*/ 751844 h 1433281"/>
+              <a:gd name="connsiteX19" fmla="*/ 0 w 8541658"/>
+              <a:gd name="connsiteY19" fmla="*/ 751844 h 1433281"/>
+              <a:gd name="connsiteX20" fmla="*/ 0 w 8541658"/>
+              <a:gd name="connsiteY20" fmla="*/ 214817 h 1433281"/>
+            </a:gdLst>
+            <a:ahLst/>
+            <a:cxnLst>
+              <a:cxn ang="0">
+                <a:pos x="connsiteX0" y="connsiteY0"/>
+              </a:cxn>
+              <a:cxn ang="0">
+                <a:pos x="connsiteX1" y="connsiteY1"/>
+              </a:cxn>
+              <a:cxn ang="0">
+                <a:pos x="connsiteX2" y="connsiteY2"/>
+              </a:cxn>
+              <a:cxn ang="0">
+                <a:pos x="connsiteX3" y="connsiteY3"/>
+              </a:cxn>
+              <a:cxn ang="0">
+                <a:pos x="connsiteX4" y="connsiteY4"/>
+              </a:cxn>
+              <a:cxn ang="0">
+                <a:pos x="connsiteX5" y="connsiteY5"/>
+              </a:cxn>
+              <a:cxn ang="0">
+                <a:pos x="connsiteX6" y="connsiteY6"/>
+              </a:cxn>
+              <a:cxn ang="0">
+                <a:pos x="connsiteX7" y="connsiteY7"/>
+              </a:cxn>
+              <a:cxn ang="0">
+                <a:pos x="connsiteX8" y="connsiteY8"/>
+              </a:cxn>
+              <a:cxn ang="0">
+                <a:pos x="connsiteX9" y="connsiteY9"/>
+              </a:cxn>
+              <a:cxn ang="0">
+                <a:pos x="connsiteX10" y="connsiteY10"/>
+              </a:cxn>
+              <a:cxn ang="0">
+                <a:pos x="connsiteX11" y="connsiteY11"/>
+              </a:cxn>
+              <a:cxn ang="0">
+                <a:pos x="connsiteX12" y="connsiteY12"/>
+              </a:cxn>
+              <a:cxn ang="0">
+                <a:pos x="connsiteX13" y="connsiteY13"/>
+              </a:cxn>
+              <a:cxn ang="0">
+                <a:pos x="connsiteX14" y="connsiteY14"/>
+              </a:cxn>
+              <a:cxn ang="0">
+                <a:pos x="connsiteX15" y="connsiteY15"/>
+              </a:cxn>
+              <a:cxn ang="0">
+                <a:pos x="connsiteX16" y="connsiteY16"/>
+              </a:cxn>
+              <a:cxn ang="0">
+                <a:pos x="connsiteX17" y="connsiteY17"/>
+              </a:cxn>
+              <a:cxn ang="0">
+                <a:pos x="connsiteX18" y="connsiteY18"/>
+              </a:cxn>
+              <a:cxn ang="0">
+                <a:pos x="connsiteX19" y="connsiteY19"/>
+              </a:cxn>
+              <a:cxn ang="0">
+                <a:pos x="connsiteX20" y="connsiteY20"/>
+              </a:cxn>
+            </a:cxnLst>
+            <a:rect l="l" t="t" r="r" b="b"/>
+            <a:pathLst>
+              <a:path w="8541658" h="1433281">
+                <a:moveTo>
+                  <a:pt x="0" y="214817"/>
+                </a:moveTo>
+                <a:cubicBezTo>
+                  <a:pt x="0" y="96177"/>
+                  <a:pt x="96177" y="0"/>
+                  <a:pt x="214817" y="0"/>
+                </a:cubicBezTo>
+                <a:lnTo>
+                  <a:pt x="1423610" y="0"/>
+                </a:lnTo>
+                <a:lnTo>
+                  <a:pt x="1423610" y="0"/>
+                </a:lnTo>
+                <a:lnTo>
+                  <a:pt x="3559024" y="0"/>
+                </a:lnTo>
+                <a:lnTo>
+                  <a:pt x="8326841" y="0"/>
+                </a:lnTo>
+                <a:cubicBezTo>
+                  <a:pt x="8445481" y="0"/>
+                  <a:pt x="8541658" y="96177"/>
+                  <a:pt x="8541658" y="214817"/>
+                </a:cubicBezTo>
+                <a:lnTo>
+                  <a:pt x="8541658" y="751844"/>
+                </a:lnTo>
+                <a:lnTo>
+                  <a:pt x="8541658" y="751844"/>
+                </a:lnTo>
+                <a:lnTo>
+                  <a:pt x="8541658" y="1074063"/>
+                </a:lnTo>
+                <a:lnTo>
+                  <a:pt x="8541658" y="1074059"/>
+                </a:lnTo>
+                <a:cubicBezTo>
+                  <a:pt x="8541658" y="1192699"/>
+                  <a:pt x="8445481" y="1288876"/>
+                  <a:pt x="8326841" y="1288876"/>
+                </a:cubicBezTo>
+                <a:lnTo>
+                  <a:pt x="1852144" y="1288876"/>
+                </a:lnTo>
+                <a:lnTo>
+                  <a:pt x="1864467" y="1433281"/>
+                </a:lnTo>
+                <a:lnTo>
+                  <a:pt x="1423610" y="1288876"/>
+                </a:lnTo>
+                <a:lnTo>
+                  <a:pt x="214817" y="1288876"/>
+                </a:lnTo>
+                <a:cubicBezTo>
+                  <a:pt x="96177" y="1288876"/>
+                  <a:pt x="0" y="1192699"/>
+                  <a:pt x="0" y="1074059"/>
+                </a:cubicBezTo>
+                <a:lnTo>
+                  <a:pt x="0" y="1074063"/>
+                </a:lnTo>
+                <a:lnTo>
+                  <a:pt x="0" y="751844"/>
+                </a:lnTo>
+                <a:lnTo>
+                  <a:pt x="0" y="751844"/>
+                </a:lnTo>
+                <a:lnTo>
+                  <a:pt x="0" y="214817"/>
+                </a:lnTo>
+                <a:close/>
+              </a:path>
+            </a:pathLst>
+          </a:custGeom>
+          <a:solidFill>
+            <a:srgbClr val="03C924"/>
+          </a:solidFill>
+          <a:ln>
+            <a:noFill/>
+          </a:ln>
+        </p:spPr>
+        <p:style>
+          <a:lnRef idx="2">
+            <a:schemeClr val="accent1">
+              <a:shade val="50000"/>
+            </a:schemeClr>
+          </a:lnRef>
+          <a:fillRef idx="1">
+            <a:schemeClr val="accent1"/>
+          </a:fillRef>
+          <a:effectRef idx="0">
+            <a:schemeClr val="accent1"/>
+          </a:effectRef>
+          <a:fontRef idx="minor">
+            <a:schemeClr val="lt1"/>
+          </a:fontRef>
+        </p:style>
+        <p:txBody>
+          <a:bodyPr lIns="143983" tIns="143983" rIns="143983" bIns="0" rtlCol="0" anchor="ctr"/>
+          <a:lstStyle/>
+          <a:p>
+            <a:r>
+              <a:rPr lang="en-US" altLang="ja-JP" b="1" dirty="0">
+                <a:ea typeface="ＭＳ ゴシック" panose="020B0609070205080204" pitchFamily="49" charset="-128"/>
+              </a:rPr>
+              <a:t>m</a:t>
+            </a:r>
+            <a:r>
+              <a:rPr lang="en-US" altLang="ja-JP" b="1" dirty="0" smtClean="0">
+                <a:ea typeface="ＭＳ ゴシック" panose="020B0609070205080204" pitchFamily="49" charset="-128"/>
+              </a:rPr>
+              <a:t>aster </a:t>
+            </a:r>
+            <a:r>
+              <a:rPr lang="ja-JP" altLang="en-US" b="1" dirty="0" smtClean="0">
+                <a:ea typeface="ＭＳ ゴシック" panose="020B0609070205080204" pitchFamily="49" charset="-128"/>
+              </a:rPr>
+              <a:t>ブランチ</a:t>
+            </a:r>
+            <a:r>
+              <a:rPr lang="ja-JP" altLang="en-US" b="1" dirty="0">
+                <a:ea typeface="ＭＳ ゴシック" panose="020B0609070205080204" pitchFamily="49" charset="-128"/>
+              </a:rPr>
+              <a:t>をチェックアウトして、「</a:t>
+            </a:r>
+            <a:r>
+              <a:rPr lang="en-US" altLang="ja-JP" b="1" dirty="0" err="1">
+                <a:ea typeface="ＭＳ ゴシック" panose="020B0609070205080204" pitchFamily="49" charset="-128"/>
+              </a:rPr>
+              <a:t>git</a:t>
+            </a:r>
+            <a:r>
+              <a:rPr lang="en-US" altLang="ja-JP" b="1" dirty="0">
+                <a:ea typeface="ＭＳ ゴシック" panose="020B0609070205080204" pitchFamily="49" charset="-128"/>
+              </a:rPr>
+              <a:t> merge </a:t>
+            </a:r>
+            <a:r>
+              <a:rPr lang="en-US" altLang="ja-JP" b="1" dirty="0" err="1">
+                <a:ea typeface="ＭＳ ゴシック" panose="020B0609070205080204" pitchFamily="49" charset="-128"/>
+              </a:rPr>
+              <a:t>bugfix</a:t>
+            </a:r>
+            <a:r>
+              <a:rPr lang="ja-JP" altLang="en-US" b="1" dirty="0">
+                <a:ea typeface="ＭＳ ゴシック" panose="020B0609070205080204" pitchFamily="49" charset="-128"/>
+              </a:rPr>
+              <a:t>」を</a:t>
+            </a:r>
+            <a:r>
+              <a:rPr lang="ja-JP" altLang="en-US" b="1" dirty="0" smtClean="0">
+                <a:ea typeface="ＭＳ ゴシック" panose="020B0609070205080204" pitchFamily="49" charset="-128"/>
+              </a:rPr>
+              <a:t>実行。</a:t>
+            </a:r>
+            <a:endParaRPr lang="ja-JP" altLang="en-US" b="1" dirty="0">
+              <a:ea typeface="ＭＳ ゴシック" panose="020B0609070205080204" pitchFamily="49" charset="-128"/>
+            </a:endParaRPr>
+          </a:p>
+          <a:p>
+            <a:r>
+              <a:rPr lang="ja-JP" altLang="en-US" b="1" dirty="0" smtClean="0">
+                <a:ea typeface="ＭＳ ゴシック" panose="020B0609070205080204" pitchFamily="49" charset="-128"/>
+              </a:rPr>
+              <a:t>マージコミット </a:t>
+            </a:r>
+            <a:r>
+              <a:rPr lang="en-US" altLang="ja-JP" b="1" dirty="0" smtClean="0">
+                <a:ea typeface="ＭＳ ゴシック" panose="020B0609070205080204" pitchFamily="49" charset="-128"/>
+              </a:rPr>
+              <a:t>E </a:t>
+            </a:r>
+            <a:r>
+              <a:rPr lang="ja-JP" altLang="en-US" b="1" dirty="0" smtClean="0">
+                <a:ea typeface="ＭＳ ゴシック" panose="020B0609070205080204" pitchFamily="49" charset="-128"/>
+              </a:rPr>
+              <a:t>が</a:t>
+            </a:r>
+            <a:r>
+              <a:rPr lang="ja-JP" altLang="en-US" b="1" dirty="0">
+                <a:ea typeface="ＭＳ ゴシック" panose="020B0609070205080204" pitchFamily="49" charset="-128"/>
+              </a:rPr>
+              <a:t>作られ、</a:t>
+            </a:r>
+            <a:r>
+              <a:rPr lang="en-US" altLang="ja-JP" b="1" dirty="0" smtClean="0">
+                <a:ea typeface="ＭＳ ゴシック" panose="020B0609070205080204" pitchFamily="49" charset="-128"/>
+              </a:rPr>
+              <a:t>master </a:t>
+            </a:r>
+            <a:r>
+              <a:rPr lang="ja-JP" altLang="en-US" b="1" dirty="0" smtClean="0">
+                <a:ea typeface="ＭＳ ゴシック" panose="020B0609070205080204" pitchFamily="49" charset="-128"/>
+              </a:rPr>
+              <a:t>ブランチは </a:t>
+            </a:r>
+            <a:r>
+              <a:rPr lang="en-US" altLang="ja-JP" b="1" dirty="0" smtClean="0">
+                <a:ea typeface="ＭＳ ゴシック" panose="020B0609070205080204" pitchFamily="49" charset="-128"/>
+              </a:rPr>
+              <a:t>E </a:t>
+            </a:r>
+            <a:r>
+              <a:rPr lang="ja-JP" altLang="en-US" b="1" dirty="0" smtClean="0">
+                <a:ea typeface="ＭＳ ゴシック" panose="020B0609070205080204" pitchFamily="49" charset="-128"/>
+              </a:rPr>
+              <a:t>を</a:t>
+            </a:r>
+            <a:r>
+              <a:rPr lang="ja-JP" altLang="en-US" b="1" dirty="0">
+                <a:ea typeface="ＭＳ ゴシック" panose="020B0609070205080204" pitchFamily="49" charset="-128"/>
+              </a:rPr>
+              <a:t>指すよう更新された。</a:t>
+            </a:r>
+          </a:p>
+          <a:p>
+            <a:r>
+              <a:rPr lang="ja-JP" altLang="en-US" b="1" dirty="0">
+                <a:ea typeface="ＭＳ ゴシック" panose="020B0609070205080204" pitchFamily="49" charset="-128"/>
+              </a:rPr>
+              <a:t>これ</a:t>
+            </a:r>
+            <a:r>
+              <a:rPr lang="ja-JP" altLang="en-US" b="1" dirty="0" smtClean="0">
+                <a:ea typeface="ＭＳ ゴシック" panose="020B0609070205080204" pitchFamily="49" charset="-128"/>
+              </a:rPr>
+              <a:t>で </a:t>
+            </a:r>
+            <a:r>
+              <a:rPr lang="en-US" altLang="ja-JP" b="1" dirty="0" smtClean="0">
+                <a:ea typeface="ＭＳ ゴシック" panose="020B0609070205080204" pitchFamily="49" charset="-128"/>
+              </a:rPr>
+              <a:t>master </a:t>
+            </a:r>
+            <a:r>
+              <a:rPr lang="ja-JP" altLang="en-US" b="1" dirty="0" smtClean="0">
+                <a:ea typeface="ＭＳ ゴシック" panose="020B0609070205080204" pitchFamily="49" charset="-128"/>
+              </a:rPr>
+              <a:t>ブランチ</a:t>
+            </a:r>
+            <a:r>
+              <a:rPr lang="ja-JP" altLang="en-US" b="1" dirty="0">
+                <a:ea typeface="ＭＳ ゴシック" panose="020B0609070205080204" pitchFamily="49" charset="-128"/>
+              </a:rPr>
+              <a:t>に</a:t>
+            </a:r>
+            <a:r>
+              <a:rPr lang="ja-JP" altLang="en-US" b="1" dirty="0" smtClean="0">
+                <a:ea typeface="ＭＳ ゴシック" panose="020B0609070205080204" pitchFamily="49" charset="-128"/>
+              </a:rPr>
+              <a:t>コミット </a:t>
+            </a:r>
+            <a:r>
+              <a:rPr lang="en-US" altLang="ja-JP" b="1" dirty="0" smtClean="0">
+                <a:ea typeface="ＭＳ ゴシック" panose="020B0609070205080204" pitchFamily="49" charset="-128"/>
+              </a:rPr>
+              <a:t>X</a:t>
+            </a:r>
+            <a:r>
+              <a:rPr lang="ja-JP" altLang="en-US" b="1" dirty="0" err="1">
+                <a:ea typeface="ＭＳ ゴシック" panose="020B0609070205080204" pitchFamily="49" charset="-128"/>
+              </a:rPr>
+              <a:t>、</a:t>
+            </a:r>
+            <a:r>
+              <a:rPr lang="en-US" altLang="ja-JP" b="1" dirty="0" smtClean="0">
+                <a:ea typeface="ＭＳ ゴシック" panose="020B0609070205080204" pitchFamily="49" charset="-128"/>
+              </a:rPr>
+              <a:t>Y </a:t>
+            </a:r>
+            <a:r>
+              <a:rPr lang="ja-JP" altLang="en-US" b="1" dirty="0" smtClean="0">
+                <a:ea typeface="ＭＳ ゴシック" panose="020B0609070205080204" pitchFamily="49" charset="-128"/>
+              </a:rPr>
+              <a:t>が</a:t>
+            </a:r>
+            <a:r>
+              <a:rPr lang="ja-JP" altLang="en-US" b="1" dirty="0">
+                <a:ea typeface="ＭＳ ゴシック" panose="020B0609070205080204" pitchFamily="49" charset="-128"/>
+              </a:rPr>
+              <a:t>取り込まれた</a:t>
+            </a:r>
+            <a:r>
+              <a:rPr lang="ja-JP" altLang="en-US" b="1" dirty="0" smtClean="0">
+                <a:ea typeface="ＭＳ ゴシック" panose="020B0609070205080204" pitchFamily="49" charset="-128"/>
+              </a:rPr>
+              <a:t>。</a:t>
+            </a:r>
+            <a:endParaRPr lang="en-US" altLang="ja-JP" b="1" dirty="0" smtClean="0">
+              <a:ea typeface="ＭＳ ゴシック" panose="020B0609070205080204" pitchFamily="49" charset="-128"/>
+            </a:endParaRPr>
+          </a:p>
+          <a:p>
+            <a:endParaRPr lang="ja-JP" altLang="en-US" b="1" dirty="0">
+              <a:ea typeface="ＭＳ ゴシック" panose="020B0609070205080204" pitchFamily="49" charset="-128"/>
+            </a:endParaRPr>
+          </a:p>
+        </p:txBody>
+      </p:sp>
     </p:spTree>
     <p:extLst>
       <p:ext uri="{BB962C8B-B14F-4D97-AF65-F5344CB8AC3E}">
@@ -5047,18 +5917,445 @@
       </p:grpSpPr>
       <p:sp>
         <p:nvSpPr>
-          <p:cNvPr id="21" name="円/楕円 20"/>
+          <p:cNvPr id="97" name="角丸四角形吹き出し 70"/>
           <p:cNvSpPr/>
           <p:nvPr/>
         </p:nvSpPr>
         <p:spPr>
           <a:xfrm>
-            <a:off x="1259632" y="3220169"/>
+            <a:off x="203401" y="123901"/>
+            <a:ext cx="8737200" cy="1433282"/>
+          </a:xfrm>
+          <a:custGeom>
+            <a:avLst/>
+            <a:gdLst>
+              <a:gd name="connsiteX0" fmla="*/ 0 w 8541658"/>
+              <a:gd name="connsiteY0" fmla="*/ 214817 h 1288876"/>
+              <a:gd name="connsiteX1" fmla="*/ 214817 w 8541658"/>
+              <a:gd name="connsiteY1" fmla="*/ 0 h 1288876"/>
+              <a:gd name="connsiteX2" fmla="*/ 1423610 w 8541658"/>
+              <a:gd name="connsiteY2" fmla="*/ 0 h 1288876"/>
+              <a:gd name="connsiteX3" fmla="*/ 1423610 w 8541658"/>
+              <a:gd name="connsiteY3" fmla="*/ 0 h 1288876"/>
+              <a:gd name="connsiteX4" fmla="*/ 3559024 w 8541658"/>
+              <a:gd name="connsiteY4" fmla="*/ 0 h 1288876"/>
+              <a:gd name="connsiteX5" fmla="*/ 8326841 w 8541658"/>
+              <a:gd name="connsiteY5" fmla="*/ 0 h 1288876"/>
+              <a:gd name="connsiteX6" fmla="*/ 8541658 w 8541658"/>
+              <a:gd name="connsiteY6" fmla="*/ 214817 h 1288876"/>
+              <a:gd name="connsiteX7" fmla="*/ 8541658 w 8541658"/>
+              <a:gd name="connsiteY7" fmla="*/ 751844 h 1288876"/>
+              <a:gd name="connsiteX8" fmla="*/ 8541658 w 8541658"/>
+              <a:gd name="connsiteY8" fmla="*/ 751844 h 1288876"/>
+              <a:gd name="connsiteX9" fmla="*/ 8541658 w 8541658"/>
+              <a:gd name="connsiteY9" fmla="*/ 1074063 h 1288876"/>
+              <a:gd name="connsiteX10" fmla="*/ 8541658 w 8541658"/>
+              <a:gd name="connsiteY10" fmla="*/ 1074059 h 1288876"/>
+              <a:gd name="connsiteX11" fmla="*/ 8326841 w 8541658"/>
+              <a:gd name="connsiteY11" fmla="*/ 1288876 h 1288876"/>
+              <a:gd name="connsiteX12" fmla="*/ 3559024 w 8541658"/>
+              <a:gd name="connsiteY12" fmla="*/ 1288876 h 1288876"/>
+              <a:gd name="connsiteX13" fmla="*/ 2230227 w 8541658"/>
+              <a:gd name="connsiteY13" fmla="*/ 1471381 h 1288876"/>
+              <a:gd name="connsiteX14" fmla="*/ 1423610 w 8541658"/>
+              <a:gd name="connsiteY14" fmla="*/ 1288876 h 1288876"/>
+              <a:gd name="connsiteX15" fmla="*/ 214817 w 8541658"/>
+              <a:gd name="connsiteY15" fmla="*/ 1288876 h 1288876"/>
+              <a:gd name="connsiteX16" fmla="*/ 0 w 8541658"/>
+              <a:gd name="connsiteY16" fmla="*/ 1074059 h 1288876"/>
+              <a:gd name="connsiteX17" fmla="*/ 0 w 8541658"/>
+              <a:gd name="connsiteY17" fmla="*/ 1074063 h 1288876"/>
+              <a:gd name="connsiteX18" fmla="*/ 0 w 8541658"/>
+              <a:gd name="connsiteY18" fmla="*/ 751844 h 1288876"/>
+              <a:gd name="connsiteX19" fmla="*/ 0 w 8541658"/>
+              <a:gd name="connsiteY19" fmla="*/ 751844 h 1288876"/>
+              <a:gd name="connsiteX20" fmla="*/ 0 w 8541658"/>
+              <a:gd name="connsiteY20" fmla="*/ 214817 h 1288876"/>
+              <a:gd name="connsiteX0" fmla="*/ 0 w 8541658"/>
+              <a:gd name="connsiteY0" fmla="*/ 214817 h 1471381"/>
+              <a:gd name="connsiteX1" fmla="*/ 214817 w 8541658"/>
+              <a:gd name="connsiteY1" fmla="*/ 0 h 1471381"/>
+              <a:gd name="connsiteX2" fmla="*/ 1423610 w 8541658"/>
+              <a:gd name="connsiteY2" fmla="*/ 0 h 1471381"/>
+              <a:gd name="connsiteX3" fmla="*/ 1423610 w 8541658"/>
+              <a:gd name="connsiteY3" fmla="*/ 0 h 1471381"/>
+              <a:gd name="connsiteX4" fmla="*/ 3559024 w 8541658"/>
+              <a:gd name="connsiteY4" fmla="*/ 0 h 1471381"/>
+              <a:gd name="connsiteX5" fmla="*/ 8326841 w 8541658"/>
+              <a:gd name="connsiteY5" fmla="*/ 0 h 1471381"/>
+              <a:gd name="connsiteX6" fmla="*/ 8541658 w 8541658"/>
+              <a:gd name="connsiteY6" fmla="*/ 214817 h 1471381"/>
+              <a:gd name="connsiteX7" fmla="*/ 8541658 w 8541658"/>
+              <a:gd name="connsiteY7" fmla="*/ 751844 h 1471381"/>
+              <a:gd name="connsiteX8" fmla="*/ 8541658 w 8541658"/>
+              <a:gd name="connsiteY8" fmla="*/ 751844 h 1471381"/>
+              <a:gd name="connsiteX9" fmla="*/ 8541658 w 8541658"/>
+              <a:gd name="connsiteY9" fmla="*/ 1074063 h 1471381"/>
+              <a:gd name="connsiteX10" fmla="*/ 8541658 w 8541658"/>
+              <a:gd name="connsiteY10" fmla="*/ 1074059 h 1471381"/>
+              <a:gd name="connsiteX11" fmla="*/ 8326841 w 8541658"/>
+              <a:gd name="connsiteY11" fmla="*/ 1288876 h 1471381"/>
+              <a:gd name="connsiteX12" fmla="*/ 1852144 w 8541658"/>
+              <a:gd name="connsiteY12" fmla="*/ 1288876 h 1471381"/>
+              <a:gd name="connsiteX13" fmla="*/ 2230227 w 8541658"/>
+              <a:gd name="connsiteY13" fmla="*/ 1471381 h 1471381"/>
+              <a:gd name="connsiteX14" fmla="*/ 1423610 w 8541658"/>
+              <a:gd name="connsiteY14" fmla="*/ 1288876 h 1471381"/>
+              <a:gd name="connsiteX15" fmla="*/ 214817 w 8541658"/>
+              <a:gd name="connsiteY15" fmla="*/ 1288876 h 1471381"/>
+              <a:gd name="connsiteX16" fmla="*/ 0 w 8541658"/>
+              <a:gd name="connsiteY16" fmla="*/ 1074059 h 1471381"/>
+              <a:gd name="connsiteX17" fmla="*/ 0 w 8541658"/>
+              <a:gd name="connsiteY17" fmla="*/ 1074063 h 1471381"/>
+              <a:gd name="connsiteX18" fmla="*/ 0 w 8541658"/>
+              <a:gd name="connsiteY18" fmla="*/ 751844 h 1471381"/>
+              <a:gd name="connsiteX19" fmla="*/ 0 w 8541658"/>
+              <a:gd name="connsiteY19" fmla="*/ 751844 h 1471381"/>
+              <a:gd name="connsiteX20" fmla="*/ 0 w 8541658"/>
+              <a:gd name="connsiteY20" fmla="*/ 214817 h 1471381"/>
+              <a:gd name="connsiteX0" fmla="*/ 0 w 8541658"/>
+              <a:gd name="connsiteY0" fmla="*/ 214817 h 1433281"/>
+              <a:gd name="connsiteX1" fmla="*/ 214817 w 8541658"/>
+              <a:gd name="connsiteY1" fmla="*/ 0 h 1433281"/>
+              <a:gd name="connsiteX2" fmla="*/ 1423610 w 8541658"/>
+              <a:gd name="connsiteY2" fmla="*/ 0 h 1433281"/>
+              <a:gd name="connsiteX3" fmla="*/ 1423610 w 8541658"/>
+              <a:gd name="connsiteY3" fmla="*/ 0 h 1433281"/>
+              <a:gd name="connsiteX4" fmla="*/ 3559024 w 8541658"/>
+              <a:gd name="connsiteY4" fmla="*/ 0 h 1433281"/>
+              <a:gd name="connsiteX5" fmla="*/ 8326841 w 8541658"/>
+              <a:gd name="connsiteY5" fmla="*/ 0 h 1433281"/>
+              <a:gd name="connsiteX6" fmla="*/ 8541658 w 8541658"/>
+              <a:gd name="connsiteY6" fmla="*/ 214817 h 1433281"/>
+              <a:gd name="connsiteX7" fmla="*/ 8541658 w 8541658"/>
+              <a:gd name="connsiteY7" fmla="*/ 751844 h 1433281"/>
+              <a:gd name="connsiteX8" fmla="*/ 8541658 w 8541658"/>
+              <a:gd name="connsiteY8" fmla="*/ 751844 h 1433281"/>
+              <a:gd name="connsiteX9" fmla="*/ 8541658 w 8541658"/>
+              <a:gd name="connsiteY9" fmla="*/ 1074063 h 1433281"/>
+              <a:gd name="connsiteX10" fmla="*/ 8541658 w 8541658"/>
+              <a:gd name="connsiteY10" fmla="*/ 1074059 h 1433281"/>
+              <a:gd name="connsiteX11" fmla="*/ 8326841 w 8541658"/>
+              <a:gd name="connsiteY11" fmla="*/ 1288876 h 1433281"/>
+              <a:gd name="connsiteX12" fmla="*/ 1852144 w 8541658"/>
+              <a:gd name="connsiteY12" fmla="*/ 1288876 h 1433281"/>
+              <a:gd name="connsiteX13" fmla="*/ 1864467 w 8541658"/>
+              <a:gd name="connsiteY13" fmla="*/ 1433281 h 1433281"/>
+              <a:gd name="connsiteX14" fmla="*/ 1423610 w 8541658"/>
+              <a:gd name="connsiteY14" fmla="*/ 1288876 h 1433281"/>
+              <a:gd name="connsiteX15" fmla="*/ 214817 w 8541658"/>
+              <a:gd name="connsiteY15" fmla="*/ 1288876 h 1433281"/>
+              <a:gd name="connsiteX16" fmla="*/ 0 w 8541658"/>
+              <a:gd name="connsiteY16" fmla="*/ 1074059 h 1433281"/>
+              <a:gd name="connsiteX17" fmla="*/ 0 w 8541658"/>
+              <a:gd name="connsiteY17" fmla="*/ 1074063 h 1433281"/>
+              <a:gd name="connsiteX18" fmla="*/ 0 w 8541658"/>
+              <a:gd name="connsiteY18" fmla="*/ 751844 h 1433281"/>
+              <a:gd name="connsiteX19" fmla="*/ 0 w 8541658"/>
+              <a:gd name="connsiteY19" fmla="*/ 751844 h 1433281"/>
+              <a:gd name="connsiteX20" fmla="*/ 0 w 8541658"/>
+              <a:gd name="connsiteY20" fmla="*/ 214817 h 1433281"/>
+            </a:gdLst>
+            <a:ahLst/>
+            <a:cxnLst>
+              <a:cxn ang="0">
+                <a:pos x="connsiteX0" y="connsiteY0"/>
+              </a:cxn>
+              <a:cxn ang="0">
+                <a:pos x="connsiteX1" y="connsiteY1"/>
+              </a:cxn>
+              <a:cxn ang="0">
+                <a:pos x="connsiteX2" y="connsiteY2"/>
+              </a:cxn>
+              <a:cxn ang="0">
+                <a:pos x="connsiteX3" y="connsiteY3"/>
+              </a:cxn>
+              <a:cxn ang="0">
+                <a:pos x="connsiteX4" y="connsiteY4"/>
+              </a:cxn>
+              <a:cxn ang="0">
+                <a:pos x="connsiteX5" y="connsiteY5"/>
+              </a:cxn>
+              <a:cxn ang="0">
+                <a:pos x="connsiteX6" y="connsiteY6"/>
+              </a:cxn>
+              <a:cxn ang="0">
+                <a:pos x="connsiteX7" y="connsiteY7"/>
+              </a:cxn>
+              <a:cxn ang="0">
+                <a:pos x="connsiteX8" y="connsiteY8"/>
+              </a:cxn>
+              <a:cxn ang="0">
+                <a:pos x="connsiteX9" y="connsiteY9"/>
+              </a:cxn>
+              <a:cxn ang="0">
+                <a:pos x="connsiteX10" y="connsiteY10"/>
+              </a:cxn>
+              <a:cxn ang="0">
+                <a:pos x="connsiteX11" y="connsiteY11"/>
+              </a:cxn>
+              <a:cxn ang="0">
+                <a:pos x="connsiteX12" y="connsiteY12"/>
+              </a:cxn>
+              <a:cxn ang="0">
+                <a:pos x="connsiteX13" y="connsiteY13"/>
+              </a:cxn>
+              <a:cxn ang="0">
+                <a:pos x="connsiteX14" y="connsiteY14"/>
+              </a:cxn>
+              <a:cxn ang="0">
+                <a:pos x="connsiteX15" y="connsiteY15"/>
+              </a:cxn>
+              <a:cxn ang="0">
+                <a:pos x="connsiteX16" y="connsiteY16"/>
+              </a:cxn>
+              <a:cxn ang="0">
+                <a:pos x="connsiteX17" y="connsiteY17"/>
+              </a:cxn>
+              <a:cxn ang="0">
+                <a:pos x="connsiteX18" y="connsiteY18"/>
+              </a:cxn>
+              <a:cxn ang="0">
+                <a:pos x="connsiteX19" y="connsiteY19"/>
+              </a:cxn>
+              <a:cxn ang="0">
+                <a:pos x="connsiteX20" y="connsiteY20"/>
+              </a:cxn>
+            </a:cxnLst>
+            <a:rect l="l" t="t" r="r" b="b"/>
+            <a:pathLst>
+              <a:path w="8541658" h="1433281">
+                <a:moveTo>
+                  <a:pt x="0" y="214817"/>
+                </a:moveTo>
+                <a:cubicBezTo>
+                  <a:pt x="0" y="96177"/>
+                  <a:pt x="96177" y="0"/>
+                  <a:pt x="214817" y="0"/>
+                </a:cubicBezTo>
+                <a:lnTo>
+                  <a:pt x="1423610" y="0"/>
+                </a:lnTo>
+                <a:lnTo>
+                  <a:pt x="1423610" y="0"/>
+                </a:lnTo>
+                <a:lnTo>
+                  <a:pt x="3559024" y="0"/>
+                </a:lnTo>
+                <a:lnTo>
+                  <a:pt x="8326841" y="0"/>
+                </a:lnTo>
+                <a:cubicBezTo>
+                  <a:pt x="8445481" y="0"/>
+                  <a:pt x="8541658" y="96177"/>
+                  <a:pt x="8541658" y="214817"/>
+                </a:cubicBezTo>
+                <a:lnTo>
+                  <a:pt x="8541658" y="751844"/>
+                </a:lnTo>
+                <a:lnTo>
+                  <a:pt x="8541658" y="751844"/>
+                </a:lnTo>
+                <a:lnTo>
+                  <a:pt x="8541658" y="1074063"/>
+                </a:lnTo>
+                <a:lnTo>
+                  <a:pt x="8541658" y="1074059"/>
+                </a:lnTo>
+                <a:cubicBezTo>
+                  <a:pt x="8541658" y="1192699"/>
+                  <a:pt x="8445481" y="1288876"/>
+                  <a:pt x="8326841" y="1288876"/>
+                </a:cubicBezTo>
+                <a:lnTo>
+                  <a:pt x="1852144" y="1288876"/>
+                </a:lnTo>
+                <a:lnTo>
+                  <a:pt x="1864467" y="1433281"/>
+                </a:lnTo>
+                <a:lnTo>
+                  <a:pt x="1423610" y="1288876"/>
+                </a:lnTo>
+                <a:lnTo>
+                  <a:pt x="214817" y="1288876"/>
+                </a:lnTo>
+                <a:cubicBezTo>
+                  <a:pt x="96177" y="1288876"/>
+                  <a:pt x="0" y="1192699"/>
+                  <a:pt x="0" y="1074059"/>
+                </a:cubicBezTo>
+                <a:lnTo>
+                  <a:pt x="0" y="1074063"/>
+                </a:lnTo>
+                <a:lnTo>
+                  <a:pt x="0" y="751844"/>
+                </a:lnTo>
+                <a:lnTo>
+                  <a:pt x="0" y="751844"/>
+                </a:lnTo>
+                <a:lnTo>
+                  <a:pt x="0" y="214817"/>
+                </a:lnTo>
+                <a:close/>
+              </a:path>
+            </a:pathLst>
+          </a:custGeom>
+          <a:solidFill>
+            <a:srgbClr val="03C924"/>
+          </a:solidFill>
+          <a:ln>
+            <a:noFill/>
+          </a:ln>
+        </p:spPr>
+        <p:style>
+          <a:lnRef idx="2">
+            <a:schemeClr val="accent1">
+              <a:shade val="50000"/>
+            </a:schemeClr>
+          </a:lnRef>
+          <a:fillRef idx="1">
+            <a:schemeClr val="accent1"/>
+          </a:fillRef>
+          <a:effectRef idx="0">
+            <a:schemeClr val="accent1"/>
+          </a:effectRef>
+          <a:fontRef idx="minor">
+            <a:schemeClr val="lt1"/>
+          </a:fontRef>
+        </p:style>
+        <p:txBody>
+          <a:bodyPr lIns="143983" tIns="143983" rIns="143983" bIns="0" rtlCol="0" anchor="ctr"/>
+          <a:lstStyle/>
+          <a:p>
+            <a:r>
+              <a:rPr lang="en-US" altLang="ja-JP" b="1" dirty="0">
+                <a:ea typeface="ＭＳ ゴシック" panose="020B0609070205080204" pitchFamily="49" charset="-128"/>
+              </a:rPr>
+              <a:t>m</a:t>
+            </a:r>
+            <a:r>
+              <a:rPr lang="en-US" altLang="ja-JP" b="1" dirty="0" smtClean="0">
+                <a:ea typeface="ＭＳ ゴシック" panose="020B0609070205080204" pitchFamily="49" charset="-128"/>
+              </a:rPr>
+              <a:t>aster </a:t>
+            </a:r>
+            <a:r>
+              <a:rPr lang="ja-JP" altLang="en-US" b="1" dirty="0" smtClean="0">
+                <a:ea typeface="ＭＳ ゴシック" panose="020B0609070205080204" pitchFamily="49" charset="-128"/>
+              </a:rPr>
+              <a:t>ブランチと </a:t>
+            </a:r>
+            <a:r>
+              <a:rPr lang="en-US" altLang="ja-JP" b="1" dirty="0" err="1" smtClean="0">
+                <a:ea typeface="ＭＳ ゴシック" panose="020B0609070205080204" pitchFamily="49" charset="-128"/>
+              </a:rPr>
+              <a:t>bugfix</a:t>
+            </a:r>
+            <a:r>
+              <a:rPr lang="en-US" altLang="ja-JP" b="1" dirty="0" smtClean="0">
+                <a:ea typeface="ＭＳ ゴシック" panose="020B0609070205080204" pitchFamily="49" charset="-128"/>
+              </a:rPr>
+              <a:t> </a:t>
+            </a:r>
+            <a:r>
+              <a:rPr lang="ja-JP" altLang="en-US" b="1" dirty="0" smtClean="0">
+                <a:ea typeface="ＭＳ ゴシック" panose="020B0609070205080204" pitchFamily="49" charset="-128"/>
+              </a:rPr>
+              <a:t>ブランチで</a:t>
+            </a:r>
+            <a:r>
+              <a:rPr lang="ja-JP" altLang="en-US" b="1" dirty="0">
+                <a:ea typeface="ＭＳ ゴシック" panose="020B0609070205080204" pitchFamily="49" charset="-128"/>
+              </a:rPr>
+              <a:t>さらに開発が進んだ。</a:t>
+            </a:r>
+          </a:p>
+          <a:p>
+            <a:r>
+              <a:rPr lang="ja-JP" altLang="en-US" b="1" dirty="0">
+                <a:ea typeface="ＭＳ ゴシック" panose="020B0609070205080204" pitchFamily="49" charset="-128"/>
+              </a:rPr>
+              <a:t>また、新しい</a:t>
+            </a:r>
+            <a:r>
+              <a:rPr lang="ja-JP" altLang="en-US" b="1" dirty="0" smtClean="0">
+                <a:ea typeface="ＭＳ ゴシック" panose="020B0609070205080204" pitchFamily="49" charset="-128"/>
+              </a:rPr>
+              <a:t>ブランチ </a:t>
+            </a:r>
+            <a:r>
+              <a:rPr lang="en-US" altLang="ja-JP" b="1" dirty="0" err="1" smtClean="0">
+                <a:ea typeface="ＭＳ ゴシック" panose="020B0609070205080204" pitchFamily="49" charset="-128"/>
+              </a:rPr>
+              <a:t>ya-bugfix</a:t>
+            </a:r>
+            <a:r>
+              <a:rPr lang="en-US" altLang="ja-JP" b="1" dirty="0" smtClean="0">
+                <a:ea typeface="ＭＳ ゴシック" panose="020B0609070205080204" pitchFamily="49" charset="-128"/>
+              </a:rPr>
+              <a:t> </a:t>
+            </a:r>
+            <a:r>
+              <a:rPr lang="ja-JP" altLang="en-US" b="1" dirty="0" smtClean="0">
+                <a:ea typeface="ＭＳ ゴシック" panose="020B0609070205080204" pitchFamily="49" charset="-128"/>
+              </a:rPr>
+              <a:t>でコミット </a:t>
+            </a:r>
+            <a:r>
+              <a:rPr lang="en-US" altLang="ja-JP" b="1" dirty="0" smtClean="0">
+                <a:ea typeface="ＭＳ ゴシック" panose="020B0609070205080204" pitchFamily="49" charset="-128"/>
+              </a:rPr>
+              <a:t>W </a:t>
+            </a:r>
+            <a:r>
+              <a:rPr lang="ja-JP" altLang="en-US" b="1" dirty="0" smtClean="0">
+                <a:ea typeface="ＭＳ ゴシック" panose="020B0609070205080204" pitchFamily="49" charset="-128"/>
+              </a:rPr>
+              <a:t>が</a:t>
+            </a:r>
+            <a:r>
+              <a:rPr lang="ja-JP" altLang="en-US" b="1" dirty="0">
+                <a:ea typeface="ＭＳ ゴシック" panose="020B0609070205080204" pitchFamily="49" charset="-128"/>
+              </a:rPr>
+              <a:t>作られた</a:t>
+            </a:r>
+            <a:r>
+              <a:rPr lang="ja-JP" altLang="en-US" b="1" dirty="0" smtClean="0">
+                <a:ea typeface="ＭＳ ゴシック" panose="020B0609070205080204" pitchFamily="49" charset="-128"/>
+              </a:rPr>
+              <a:t>。</a:t>
+            </a:r>
+            <a:endParaRPr lang="en-US" altLang="ja-JP" b="1" dirty="0" smtClean="0">
+              <a:ea typeface="ＭＳ ゴシック" panose="020B0609070205080204" pitchFamily="49" charset="-128"/>
+            </a:endParaRPr>
+          </a:p>
+          <a:p>
+            <a:endParaRPr lang="ja-JP" altLang="en-US" b="1" dirty="0">
+              <a:ea typeface="ＭＳ ゴシック" panose="020B0609070205080204" pitchFamily="49" charset="-128"/>
+            </a:endParaRPr>
+          </a:p>
+        </p:txBody>
+      </p:sp>
+      <p:sp>
+        <p:nvSpPr>
+          <p:cNvPr id="98" name="円/楕円 97"/>
+          <p:cNvSpPr/>
+          <p:nvPr/>
+        </p:nvSpPr>
+        <p:spPr>
+          <a:xfrm>
+            <a:off x="1259632" y="2926765"/>
             <a:ext cx="540000" cy="540000"/>
           </a:xfrm>
           <a:prstGeom prst="ellipse">
             <a:avLst/>
           </a:prstGeom>
+          <a:solidFill>
+            <a:srgbClr val="FF0066"/>
+          </a:solidFill>
+          <a:ln>
+            <a:noFill/>
+          </a:ln>
         </p:spPr>
         <p:style>
           <a:lnRef idx="2">
@@ -5077,40 +6374,40 @@
           </a:fontRef>
         </p:style>
         <p:txBody>
-          <a:bodyPr rtlCol="0" anchor="ctr"/>
+          <a:bodyPr lIns="91429" tIns="45715" rIns="91429" bIns="45715" rtlCol="0" anchor="ctr"/>
           <a:lstStyle/>
           <a:p>
-            <a:pPr algn="ctr"/>
-            <a:r>
-              <a:rPr kumimoji="1" lang="en-US" altLang="ja-JP" dirty="0" smtClean="0"/>
+            <a:pPr algn="ctr" defTabSz="914295"/>
+            <a:r>
+              <a:rPr lang="en-US" altLang="ja-JP" dirty="0"/>
               <a:t>A</a:t>
             </a:r>
-            <a:endParaRPr kumimoji="1" lang="ja-JP" altLang="en-US" dirty="0"/>
+            <a:endParaRPr lang="ja-JP" altLang="en-US" dirty="0"/>
           </a:p>
         </p:txBody>
       </p:sp>
       <p:cxnSp>
         <p:nvCxnSpPr>
-          <p:cNvPr id="22" name="直線矢印コネクタ 21"/>
+          <p:cNvPr id="99" name="直線矢印コネクタ 98"/>
           <p:cNvCxnSpPr>
-            <a:stCxn id="23" idx="2"/>
-            <a:endCxn id="21" idx="6"/>
+            <a:stCxn id="100" idx="2"/>
+            <a:endCxn id="98" idx="6"/>
           </p:cNvCxnSpPr>
           <p:nvPr/>
         </p:nvCxnSpPr>
         <p:spPr>
           <a:xfrm flipH="1">
-            <a:off x="1799632" y="3490169"/>
+            <a:off x="1799632" y="3196765"/>
             <a:ext cx="432168" cy="0"/>
           </a:xfrm>
           <a:prstGeom prst="straightConnector1">
             <a:avLst/>
           </a:prstGeom>
-          <a:ln w="19050">
+          <a:ln w="31750">
             <a:solidFill>
               <a:schemeClr val="tx1"/>
             </a:solidFill>
-            <a:prstDash val="sysDash"/>
+            <a:prstDash val="sysDot"/>
             <a:tailEnd type="triangle" w="lg" len="med"/>
           </a:ln>
         </p:spPr>
@@ -5131,18 +6428,24 @@
       </p:cxnSp>
       <p:sp>
         <p:nvSpPr>
-          <p:cNvPr id="23" name="円/楕円 22"/>
+          <p:cNvPr id="100" name="円/楕円 99"/>
           <p:cNvSpPr/>
           <p:nvPr/>
         </p:nvSpPr>
         <p:spPr>
           <a:xfrm>
-            <a:off x="2231800" y="3220169"/>
+            <a:off x="2231800" y="2926765"/>
             <a:ext cx="540000" cy="540000"/>
           </a:xfrm>
           <a:prstGeom prst="ellipse">
             <a:avLst/>
           </a:prstGeom>
+          <a:solidFill>
+            <a:srgbClr val="FF0066"/>
+          </a:solidFill>
+          <a:ln>
+            <a:noFill/>
+          </a:ln>
         </p:spPr>
         <p:style>
           <a:lnRef idx="2">
@@ -5161,32 +6464,38 @@
           </a:fontRef>
         </p:style>
         <p:txBody>
-          <a:bodyPr rtlCol="0" anchor="ctr"/>
+          <a:bodyPr lIns="91429" tIns="45715" rIns="91429" bIns="45715" rtlCol="0" anchor="ctr"/>
           <a:lstStyle/>
           <a:p>
-            <a:pPr algn="ctr"/>
-            <a:r>
-              <a:rPr kumimoji="1" lang="en-US" altLang="ja-JP" dirty="0" smtClean="0"/>
+            <a:pPr algn="ctr" defTabSz="914295"/>
+            <a:r>
+              <a:rPr lang="en-US" altLang="ja-JP" dirty="0"/>
               <a:t>B</a:t>
             </a:r>
-            <a:endParaRPr kumimoji="1" lang="ja-JP" altLang="en-US" dirty="0"/>
-          </a:p>
-        </p:txBody>
-      </p:sp>
-      <p:sp>
-        <p:nvSpPr>
-          <p:cNvPr id="24" name="円/楕円 23"/>
+            <a:endParaRPr lang="ja-JP" altLang="en-US" dirty="0"/>
+          </a:p>
+        </p:txBody>
+      </p:sp>
+      <p:sp>
+        <p:nvSpPr>
+          <p:cNvPr id="101" name="円/楕円 100"/>
           <p:cNvSpPr/>
           <p:nvPr/>
         </p:nvSpPr>
         <p:spPr>
           <a:xfrm>
-            <a:off x="3203968" y="3220169"/>
+            <a:off x="3203968" y="2926765"/>
             <a:ext cx="540000" cy="540000"/>
           </a:xfrm>
           <a:prstGeom prst="ellipse">
             <a:avLst/>
           </a:prstGeom>
+          <a:solidFill>
+            <a:srgbClr val="FF0066"/>
+          </a:solidFill>
+          <a:ln>
+            <a:noFill/>
+          </a:ln>
         </p:spPr>
         <p:style>
           <a:lnRef idx="2">
@@ -5205,40 +6514,40 @@
           </a:fontRef>
         </p:style>
         <p:txBody>
-          <a:bodyPr rtlCol="0" anchor="ctr"/>
+          <a:bodyPr lIns="91429" tIns="45715" rIns="91429" bIns="45715" rtlCol="0" anchor="ctr"/>
           <a:lstStyle/>
           <a:p>
-            <a:pPr algn="ctr"/>
-            <a:r>
-              <a:rPr kumimoji="1" lang="en-US" altLang="ja-JP" dirty="0" smtClean="0"/>
+            <a:pPr algn="ctr" defTabSz="914295"/>
+            <a:r>
+              <a:rPr lang="en-US" altLang="ja-JP" dirty="0"/>
               <a:t>C</a:t>
             </a:r>
-            <a:endParaRPr kumimoji="1" lang="ja-JP" altLang="en-US" dirty="0"/>
+            <a:endParaRPr lang="ja-JP" altLang="en-US" dirty="0"/>
           </a:p>
         </p:txBody>
       </p:sp>
       <p:cxnSp>
         <p:nvCxnSpPr>
-          <p:cNvPr id="25" name="直線矢印コネクタ 24"/>
+          <p:cNvPr id="102" name="直線矢印コネクタ 101"/>
           <p:cNvCxnSpPr>
-            <a:stCxn id="24" idx="2"/>
-            <a:endCxn id="23" idx="6"/>
+            <a:stCxn id="101" idx="2"/>
+            <a:endCxn id="100" idx="6"/>
           </p:cNvCxnSpPr>
           <p:nvPr/>
         </p:nvCxnSpPr>
         <p:spPr>
           <a:xfrm flipH="1">
-            <a:off x="2771800" y="3490169"/>
+            <a:off x="2771800" y="3196765"/>
             <a:ext cx="432168" cy="0"/>
           </a:xfrm>
           <a:prstGeom prst="straightConnector1">
             <a:avLst/>
           </a:prstGeom>
-          <a:ln w="19050">
+          <a:ln w="31750">
             <a:solidFill>
               <a:schemeClr val="tx1"/>
             </a:solidFill>
-            <a:prstDash val="sysDash"/>
+            <a:prstDash val="sysDot"/>
             <a:tailEnd type="triangle" w="lg" len="med"/>
           </a:ln>
         </p:spPr>
@@ -5259,23 +6568,23 @@
       </p:cxnSp>
       <p:cxnSp>
         <p:nvCxnSpPr>
-          <p:cNvPr id="26" name="直線矢印コネクタ 25"/>
+          <p:cNvPr id="103" name="直線矢印コネクタ 102"/>
           <p:cNvCxnSpPr/>
           <p:nvPr/>
         </p:nvCxnSpPr>
         <p:spPr>
           <a:xfrm flipH="1">
-            <a:off x="6316136" y="2700437"/>
+            <a:off x="6376696" y="2407033"/>
             <a:ext cx="428406" cy="505494"/>
           </a:xfrm>
           <a:prstGeom prst="straightConnector1">
             <a:avLst/>
           </a:prstGeom>
-          <a:ln w="19050">
+          <a:ln w="31750">
             <a:solidFill>
               <a:schemeClr val="tx1"/>
             </a:solidFill>
-            <a:prstDash val="sysDash"/>
+            <a:prstDash val="sysDot"/>
             <a:tailEnd type="triangle" w="lg" len="med"/>
           </a:ln>
         </p:spPr>
@@ -5296,19 +6605,20 @@
       </p:cxnSp>
       <p:sp>
         <p:nvSpPr>
-          <p:cNvPr id="27" name="正方形/長方形 26"/>
+          <p:cNvPr id="104" name="正方形/長方形 103"/>
           <p:cNvSpPr/>
           <p:nvPr/>
         </p:nvSpPr>
         <p:spPr>
           <a:xfrm>
-            <a:off x="6744542" y="2412405"/>
+            <a:off x="6805102" y="2119001"/>
             <a:ext cx="936044" cy="288032"/>
           </a:xfrm>
           <a:prstGeom prst="rect">
             <a:avLst/>
           </a:prstGeom>
           <a:ln>
+            <a:noFill/>
             <a:prstDash val="sysDash"/>
           </a:ln>
         </p:spPr>
@@ -5329,32 +6639,40 @@
           </a:fontRef>
         </p:style>
         <p:txBody>
-          <a:bodyPr rtlCol="0" anchor="ctr"/>
+          <a:bodyPr lIns="91429" tIns="0" rIns="91429" bIns="0" rtlCol="0" anchor="ctr">
+            <a:spAutoFit/>
+          </a:bodyPr>
           <a:lstStyle/>
           <a:p>
-            <a:pPr algn="ctr"/>
-            <a:r>
-              <a:rPr kumimoji="1" lang="en-US" altLang="ja-JP" dirty="0" smtClean="0"/>
+            <a:pPr algn="ctr" defTabSz="914295"/>
+            <a:r>
+              <a:rPr lang="en-US" altLang="ja-JP" dirty="0"/>
               <a:t>master</a:t>
             </a:r>
-            <a:endParaRPr kumimoji="1" lang="ja-JP" altLang="en-US" dirty="0"/>
-          </a:p>
-        </p:txBody>
-      </p:sp>
-      <p:sp>
-        <p:nvSpPr>
-          <p:cNvPr id="28" name="円/楕円 27"/>
+            <a:endParaRPr lang="ja-JP" altLang="en-US" dirty="0"/>
+          </a:p>
+        </p:txBody>
+      </p:sp>
+      <p:sp>
+        <p:nvSpPr>
+          <p:cNvPr id="105" name="円/楕円 104"/>
           <p:cNvSpPr/>
           <p:nvPr/>
         </p:nvSpPr>
         <p:spPr>
           <a:xfrm>
-            <a:off x="4158074" y="3220169"/>
+            <a:off x="4158074" y="2926765"/>
             <a:ext cx="540000" cy="540000"/>
           </a:xfrm>
           <a:prstGeom prst="ellipse">
             <a:avLst/>
           </a:prstGeom>
+          <a:solidFill>
+            <a:srgbClr val="FF0066"/>
+          </a:solidFill>
+          <a:ln>
+            <a:noFill/>
+          </a:ln>
         </p:spPr>
         <p:style>
           <a:lnRef idx="2">
@@ -5373,40 +6691,40 @@
           </a:fontRef>
         </p:style>
         <p:txBody>
-          <a:bodyPr rtlCol="0" anchor="ctr"/>
+          <a:bodyPr lIns="91429" tIns="45715" rIns="91429" bIns="45715" rtlCol="0" anchor="ctr"/>
           <a:lstStyle/>
           <a:p>
-            <a:pPr algn="ctr"/>
-            <a:r>
-              <a:rPr kumimoji="1" lang="en-US" altLang="ja-JP" dirty="0" smtClean="0"/>
+            <a:pPr algn="ctr" defTabSz="914295"/>
+            <a:r>
+              <a:rPr lang="en-US" altLang="ja-JP" dirty="0"/>
               <a:t>D</a:t>
             </a:r>
-            <a:endParaRPr kumimoji="1" lang="ja-JP" altLang="en-US" dirty="0"/>
+            <a:endParaRPr lang="ja-JP" altLang="en-US" dirty="0"/>
           </a:p>
         </p:txBody>
       </p:sp>
       <p:cxnSp>
         <p:nvCxnSpPr>
-          <p:cNvPr id="29" name="直線矢印コネクタ 28"/>
+          <p:cNvPr id="106" name="直線矢印コネクタ 105"/>
           <p:cNvCxnSpPr>
-            <a:stCxn id="28" idx="2"/>
-            <a:endCxn id="24" idx="6"/>
+            <a:stCxn id="105" idx="2"/>
+            <a:endCxn id="101" idx="6"/>
           </p:cNvCxnSpPr>
           <p:nvPr/>
         </p:nvCxnSpPr>
         <p:spPr>
           <a:xfrm flipH="1">
-            <a:off x="3743968" y="3490169"/>
+            <a:off x="3743968" y="3196765"/>
             <a:ext cx="414106" cy="0"/>
           </a:xfrm>
           <a:prstGeom prst="straightConnector1">
             <a:avLst/>
           </a:prstGeom>
-          <a:ln w="19050">
+          <a:ln w="31750">
             <a:solidFill>
               <a:schemeClr val="tx1"/>
             </a:solidFill>
-            <a:prstDash val="sysDash"/>
+            <a:prstDash val="sysDot"/>
             <a:tailEnd type="triangle" w="lg" len="med"/>
           </a:ln>
         </p:spPr>
@@ -5427,25 +6745,25 @@
       </p:cxnSp>
       <p:cxnSp>
         <p:nvCxnSpPr>
-          <p:cNvPr id="30" name="直線矢印コネクタ 29"/>
+          <p:cNvPr id="107" name="直線矢印コネクタ 106"/>
           <p:cNvCxnSpPr>
-            <a:stCxn id="31" idx="1"/>
+            <a:stCxn id="108" idx="1"/>
           </p:cNvCxnSpPr>
           <p:nvPr/>
         </p:nvCxnSpPr>
         <p:spPr>
           <a:xfrm flipH="1" flipV="1">
-            <a:off x="5066143" y="4620907"/>
+            <a:off x="5066143" y="4327503"/>
             <a:ext cx="450080" cy="504056"/>
           </a:xfrm>
           <a:prstGeom prst="straightConnector1">
             <a:avLst/>
           </a:prstGeom>
-          <a:ln w="19050">
+          <a:ln w="31750">
             <a:solidFill>
               <a:schemeClr val="tx1"/>
             </a:solidFill>
-            <a:prstDash val="sysDash"/>
+            <a:prstDash val="sysDot"/>
             <a:tailEnd type="triangle" w="lg" len="med"/>
           </a:ln>
         </p:spPr>
@@ -5466,19 +6784,20 @@
       </p:cxnSp>
       <p:sp>
         <p:nvSpPr>
-          <p:cNvPr id="31" name="正方形/長方形 30"/>
+          <p:cNvPr id="108" name="正方形/長方形 107"/>
           <p:cNvSpPr/>
           <p:nvPr/>
         </p:nvSpPr>
         <p:spPr>
           <a:xfrm>
-            <a:off x="5516223" y="4980947"/>
+            <a:off x="5516223" y="4687543"/>
             <a:ext cx="936044" cy="288032"/>
           </a:xfrm>
           <a:prstGeom prst="rect">
             <a:avLst/>
           </a:prstGeom>
           <a:ln>
+            <a:noFill/>
             <a:prstDash val="sysDash"/>
           </a:ln>
         </p:spPr>
@@ -5499,32 +6818,40 @@
           </a:fontRef>
         </p:style>
         <p:txBody>
-          <a:bodyPr rtlCol="0" anchor="ctr"/>
+          <a:bodyPr lIns="91429" tIns="0" rIns="91429" bIns="0" rtlCol="0" anchor="ctr">
+            <a:spAutoFit/>
+          </a:bodyPr>
           <a:lstStyle/>
           <a:p>
-            <a:pPr algn="ctr"/>
-            <a:r>
-              <a:rPr lang="en-US" altLang="ja-JP" dirty="0" err="1" smtClean="0"/>
+            <a:pPr algn="ctr" defTabSz="914295"/>
+            <a:r>
+              <a:rPr lang="en-US" altLang="ja-JP" dirty="0" err="1"/>
               <a:t>bugfix</a:t>
             </a:r>
-            <a:endParaRPr kumimoji="1" lang="ja-JP" altLang="en-US" dirty="0"/>
-          </a:p>
-        </p:txBody>
-      </p:sp>
-      <p:sp>
-        <p:nvSpPr>
-          <p:cNvPr id="32" name="円/楕円 31"/>
+            <a:endParaRPr lang="ja-JP" altLang="en-US" dirty="0"/>
+          </a:p>
+        </p:txBody>
+      </p:sp>
+      <p:sp>
+        <p:nvSpPr>
+          <p:cNvPr id="109" name="円/楕円 108"/>
           <p:cNvSpPr/>
           <p:nvPr/>
         </p:nvSpPr>
         <p:spPr>
           <a:xfrm>
-            <a:off x="2851606" y="4080907"/>
+            <a:off x="2851606" y="3787503"/>
             <a:ext cx="540000" cy="540000"/>
           </a:xfrm>
           <a:prstGeom prst="ellipse">
             <a:avLst/>
           </a:prstGeom>
+          <a:solidFill>
+            <a:srgbClr val="FF0066"/>
+          </a:solidFill>
+          <a:ln>
+            <a:noFill/>
+          </a:ln>
         </p:spPr>
         <p:style>
           <a:lnRef idx="2">
@@ -5543,39 +6870,39 @@
           </a:fontRef>
         </p:style>
         <p:txBody>
-          <a:bodyPr rtlCol="0" anchor="ctr"/>
+          <a:bodyPr lIns="91429" tIns="45715" rIns="91429" bIns="45715" rtlCol="0" anchor="ctr"/>
           <a:lstStyle/>
           <a:p>
-            <a:pPr algn="ctr"/>
-            <a:r>
-              <a:rPr kumimoji="1" lang="en-US" altLang="ja-JP" dirty="0" smtClean="0"/>
+            <a:pPr algn="ctr" defTabSz="914295"/>
+            <a:r>
+              <a:rPr lang="en-US" altLang="ja-JP" dirty="0"/>
               <a:t>X</a:t>
             </a:r>
-            <a:endParaRPr kumimoji="1" lang="ja-JP" altLang="en-US" dirty="0"/>
+            <a:endParaRPr lang="ja-JP" altLang="en-US" dirty="0"/>
           </a:p>
         </p:txBody>
       </p:sp>
       <p:cxnSp>
         <p:nvCxnSpPr>
-          <p:cNvPr id="33" name="直線矢印コネクタ 32"/>
+          <p:cNvPr id="110" name="直線矢印コネクタ 109"/>
           <p:cNvCxnSpPr>
-            <a:stCxn id="32" idx="1"/>
+            <a:stCxn id="109" idx="1"/>
           </p:cNvCxnSpPr>
           <p:nvPr/>
         </p:nvCxnSpPr>
         <p:spPr>
           <a:xfrm flipH="1" flipV="1">
-            <a:off x="2484463" y="3760169"/>
+            <a:off x="2484463" y="3466765"/>
             <a:ext cx="446224" cy="399819"/>
           </a:xfrm>
           <a:prstGeom prst="straightConnector1">
             <a:avLst/>
           </a:prstGeom>
-          <a:ln w="19050">
+          <a:ln w="31750">
             <a:solidFill>
               <a:schemeClr val="tx1"/>
             </a:solidFill>
-            <a:prstDash val="sysDash"/>
+            <a:prstDash val="sysDot"/>
             <a:tailEnd type="triangle" w="lg" len="med"/>
           </a:ln>
         </p:spPr>
@@ -5596,87 +6923,24 @@
       </p:cxnSp>
       <p:sp>
         <p:nvSpPr>
-          <p:cNvPr id="37" name="テキスト ボックス 36"/>
-          <p:cNvSpPr txBox="1"/>
-          <p:nvPr/>
-        </p:nvSpPr>
-        <p:spPr>
-          <a:xfrm>
-            <a:off x="267552" y="478413"/>
-            <a:ext cx="8624928" cy="646331"/>
-          </a:xfrm>
-          <a:prstGeom prst="rect">
-            <a:avLst/>
-          </a:prstGeom>
-          <a:noFill/>
-        </p:spPr>
-        <p:txBody>
-          <a:bodyPr wrap="square" rtlCol="0">
-            <a:spAutoFit/>
-          </a:bodyPr>
-          <a:lstStyle/>
-          <a:p>
-            <a:r>
-              <a:rPr lang="en-US" altLang="ja-JP" dirty="0" smtClean="0"/>
-              <a:t>master</a:t>
-            </a:r>
-            <a:r>
-              <a:rPr lang="ja-JP" altLang="en-US" dirty="0" smtClean="0"/>
-              <a:t>ブランチと</a:t>
-            </a:r>
-            <a:r>
-              <a:rPr lang="en-US" altLang="ja-JP" dirty="0" err="1" smtClean="0"/>
-              <a:t>bugfix</a:t>
-            </a:r>
-            <a:r>
-              <a:rPr lang="ja-JP" altLang="en-US" dirty="0" smtClean="0"/>
-              <a:t>ブランチ双方でさらに開発が進んだ。</a:t>
-            </a:r>
-            <a:endParaRPr lang="en-US" altLang="ja-JP" dirty="0" smtClean="0"/>
-          </a:p>
-          <a:p>
-            <a:r>
-              <a:rPr lang="ja-JP" altLang="en-US" dirty="0"/>
-              <a:t>また</a:t>
-            </a:r>
-            <a:r>
-              <a:rPr lang="ja-JP" altLang="en-US" dirty="0" smtClean="0"/>
-              <a:t>、新しいブランチ</a:t>
-            </a:r>
-            <a:r>
-              <a:rPr lang="en-US" altLang="ja-JP" dirty="0" err="1" smtClean="0"/>
-              <a:t>ya-bugfix</a:t>
-            </a:r>
-            <a:r>
-              <a:rPr lang="ja-JP" altLang="en-US" dirty="0" smtClean="0"/>
-              <a:t>でコミット</a:t>
-            </a:r>
-            <a:r>
-              <a:rPr lang="en-US" altLang="ja-JP" dirty="0" smtClean="0"/>
-              <a:t>W</a:t>
-            </a:r>
-            <a:r>
-              <a:rPr lang="ja-JP" altLang="en-US" dirty="0" smtClean="0"/>
-              <a:t>が作られた。</a:t>
-            </a:r>
-            <a:endParaRPr lang="en-US" altLang="ja-JP" dirty="0" smtClean="0"/>
-          </a:p>
-        </p:txBody>
-      </p:sp>
-      <p:sp>
-        <p:nvSpPr>
-          <p:cNvPr id="16" name="円/楕円 15"/>
+          <p:cNvPr id="111" name="円/楕円 110"/>
           <p:cNvSpPr/>
           <p:nvPr/>
         </p:nvSpPr>
         <p:spPr>
           <a:xfrm>
-            <a:off x="3803847" y="4080907"/>
+            <a:off x="3803847" y="3787503"/>
             <a:ext cx="540000" cy="540000"/>
           </a:xfrm>
           <a:prstGeom prst="ellipse">
             <a:avLst/>
           </a:prstGeom>
+          <a:solidFill>
+            <a:srgbClr val="FF0066"/>
+          </a:solidFill>
+          <a:ln>
+            <a:noFill/>
+          </a:ln>
         </p:spPr>
         <p:style>
           <a:lnRef idx="2">
@@ -5695,39 +6959,39 @@
           </a:fontRef>
         </p:style>
         <p:txBody>
-          <a:bodyPr rtlCol="0" anchor="ctr"/>
+          <a:bodyPr lIns="91429" tIns="45715" rIns="91429" bIns="45715" rtlCol="0" anchor="ctr"/>
           <a:lstStyle/>
           <a:p>
-            <a:pPr algn="ctr"/>
-            <a:r>
-              <a:rPr kumimoji="1" lang="en-US" altLang="ja-JP" dirty="0" smtClean="0"/>
+            <a:pPr algn="ctr" defTabSz="914295"/>
+            <a:r>
+              <a:rPr lang="en-US" altLang="ja-JP" dirty="0"/>
               <a:t>Y</a:t>
             </a:r>
-            <a:endParaRPr kumimoji="1" lang="ja-JP" altLang="en-US" dirty="0"/>
+            <a:endParaRPr lang="ja-JP" altLang="en-US" dirty="0"/>
           </a:p>
         </p:txBody>
       </p:sp>
       <p:cxnSp>
         <p:nvCxnSpPr>
-          <p:cNvPr id="17" name="直線矢印コネクタ 16"/>
+          <p:cNvPr id="112" name="直線矢印コネクタ 111"/>
           <p:cNvCxnSpPr>
-            <a:stCxn id="16" idx="2"/>
+            <a:stCxn id="111" idx="2"/>
           </p:cNvCxnSpPr>
           <p:nvPr/>
         </p:nvCxnSpPr>
         <p:spPr>
           <a:xfrm flipH="1">
-            <a:off x="3389741" y="4350907"/>
+            <a:off x="3389741" y="4057503"/>
             <a:ext cx="414106" cy="0"/>
           </a:xfrm>
           <a:prstGeom prst="straightConnector1">
             <a:avLst/>
           </a:prstGeom>
-          <a:ln w="19050">
+          <a:ln w="31750">
             <a:solidFill>
               <a:schemeClr val="tx1"/>
             </a:solidFill>
-            <a:prstDash val="sysDash"/>
+            <a:prstDash val="sysDot"/>
             <a:tailEnd type="triangle" w="lg" len="med"/>
           </a:ln>
         </p:spPr>
@@ -5748,18 +7012,24 @@
       </p:cxnSp>
       <p:sp>
         <p:nvSpPr>
-          <p:cNvPr id="18" name="円/楕円 17"/>
+          <p:cNvPr id="113" name="円/楕円 112"/>
           <p:cNvSpPr/>
           <p:nvPr/>
         </p:nvSpPr>
         <p:spPr>
           <a:xfrm>
-            <a:off x="5113340" y="3220169"/>
+            <a:off x="5113340" y="2926765"/>
             <a:ext cx="540000" cy="540000"/>
           </a:xfrm>
           <a:prstGeom prst="ellipse">
             <a:avLst/>
           </a:prstGeom>
+          <a:solidFill>
+            <a:srgbClr val="FF0066"/>
+          </a:solidFill>
+          <a:ln>
+            <a:noFill/>
+          </a:ln>
         </p:spPr>
         <p:style>
           <a:lnRef idx="2">
@@ -5778,39 +7048,39 @@
           </a:fontRef>
         </p:style>
         <p:txBody>
-          <a:bodyPr rtlCol="0" anchor="ctr"/>
+          <a:bodyPr lIns="91429" tIns="45715" rIns="91429" bIns="45715" rtlCol="0" anchor="ctr"/>
           <a:lstStyle/>
           <a:p>
-            <a:pPr algn="ctr"/>
-            <a:r>
-              <a:rPr kumimoji="1" lang="en-US" altLang="ja-JP" dirty="0" smtClean="0"/>
+            <a:pPr algn="ctr" defTabSz="914295"/>
+            <a:r>
+              <a:rPr lang="en-US" altLang="ja-JP" dirty="0"/>
               <a:t>E</a:t>
             </a:r>
-            <a:endParaRPr kumimoji="1" lang="ja-JP" altLang="en-US" dirty="0"/>
+            <a:endParaRPr lang="ja-JP" altLang="en-US" dirty="0"/>
           </a:p>
         </p:txBody>
       </p:sp>
       <p:cxnSp>
         <p:nvCxnSpPr>
-          <p:cNvPr id="19" name="直線矢印コネクタ 18"/>
+          <p:cNvPr id="114" name="直線矢印コネクタ 113"/>
           <p:cNvCxnSpPr>
-            <a:stCxn id="18" idx="2"/>
+            <a:stCxn id="113" idx="2"/>
           </p:cNvCxnSpPr>
           <p:nvPr/>
         </p:nvCxnSpPr>
         <p:spPr>
           <a:xfrm flipH="1">
-            <a:off x="4699234" y="3490169"/>
+            <a:off x="4699234" y="3196765"/>
             <a:ext cx="414106" cy="0"/>
           </a:xfrm>
           <a:prstGeom prst="straightConnector1">
             <a:avLst/>
           </a:prstGeom>
-          <a:ln w="19050">
+          <a:ln w="31750">
             <a:solidFill>
               <a:schemeClr val="tx1"/>
             </a:solidFill>
-            <a:prstDash val="sysDash"/>
+            <a:prstDash val="sysDot"/>
             <a:tailEnd type="triangle" w="lg" len="med"/>
           </a:ln>
         </p:spPr>
@@ -5831,26 +7101,26 @@
       </p:cxnSp>
       <p:cxnSp>
         <p:nvCxnSpPr>
-          <p:cNvPr id="20" name="直線矢印コネクタ 19"/>
+          <p:cNvPr id="115" name="直線矢印コネクタ 114"/>
           <p:cNvCxnSpPr>
-            <a:stCxn id="18" idx="3"/>
-            <a:endCxn id="16" idx="6"/>
+            <a:stCxn id="113" idx="3"/>
+            <a:endCxn id="111" idx="6"/>
           </p:cNvCxnSpPr>
           <p:nvPr/>
         </p:nvCxnSpPr>
         <p:spPr>
           <a:xfrm flipH="1">
-            <a:off x="4343847" y="3681088"/>
+            <a:off x="4343847" y="3387684"/>
             <a:ext cx="848574" cy="669819"/>
           </a:xfrm>
           <a:prstGeom prst="straightConnector1">
             <a:avLst/>
           </a:prstGeom>
-          <a:ln w="19050">
+          <a:ln w="31750">
             <a:solidFill>
               <a:schemeClr val="tx1"/>
             </a:solidFill>
-            <a:prstDash val="sysDash"/>
+            <a:prstDash val="sysDot"/>
             <a:tailEnd type="triangle" w="lg" len="med"/>
           </a:ln>
         </p:spPr>
@@ -5871,18 +7141,24 @@
       </p:cxnSp>
       <p:sp>
         <p:nvSpPr>
-          <p:cNvPr id="34" name="円/楕円 33"/>
+          <p:cNvPr id="116" name="円/楕円 115"/>
           <p:cNvSpPr/>
           <p:nvPr/>
         </p:nvSpPr>
         <p:spPr>
           <a:xfrm>
-            <a:off x="6066794" y="3220169"/>
+            <a:off x="6066794" y="2926765"/>
             <a:ext cx="540000" cy="540000"/>
           </a:xfrm>
           <a:prstGeom prst="ellipse">
             <a:avLst/>
           </a:prstGeom>
+          <a:solidFill>
+            <a:srgbClr val="FF0066"/>
+          </a:solidFill>
+          <a:ln>
+            <a:noFill/>
+          </a:ln>
         </p:spPr>
         <p:style>
           <a:lnRef idx="2">
@@ -5901,39 +7177,39 @@
           </a:fontRef>
         </p:style>
         <p:txBody>
-          <a:bodyPr rtlCol="0" anchor="ctr"/>
+          <a:bodyPr lIns="91429" tIns="45715" rIns="91429" bIns="45715" rtlCol="0" anchor="ctr"/>
           <a:lstStyle/>
           <a:p>
-            <a:pPr algn="ctr"/>
-            <a:r>
-              <a:rPr kumimoji="1" lang="en-US" altLang="ja-JP" dirty="0" smtClean="0"/>
+            <a:pPr algn="ctr" defTabSz="914295"/>
+            <a:r>
+              <a:rPr lang="en-US" altLang="ja-JP" dirty="0"/>
               <a:t>F</a:t>
             </a:r>
-            <a:endParaRPr kumimoji="1" lang="ja-JP" altLang="en-US" dirty="0"/>
+            <a:endParaRPr lang="ja-JP" altLang="en-US" dirty="0"/>
           </a:p>
         </p:txBody>
       </p:sp>
       <p:cxnSp>
         <p:nvCxnSpPr>
-          <p:cNvPr id="35" name="直線矢印コネクタ 34"/>
+          <p:cNvPr id="117" name="直線矢印コネクタ 116"/>
           <p:cNvCxnSpPr>
-            <a:stCxn id="34" idx="2"/>
+            <a:stCxn id="116" idx="2"/>
           </p:cNvCxnSpPr>
           <p:nvPr/>
         </p:nvCxnSpPr>
         <p:spPr>
           <a:xfrm flipH="1">
-            <a:off x="5652688" y="3490169"/>
+            <a:off x="5652688" y="3196765"/>
             <a:ext cx="414106" cy="0"/>
           </a:xfrm>
           <a:prstGeom prst="straightConnector1">
             <a:avLst/>
           </a:prstGeom>
-          <a:ln w="19050">
+          <a:ln w="31750">
             <a:solidFill>
               <a:schemeClr val="tx1"/>
             </a:solidFill>
-            <a:prstDash val="sysDash"/>
+            <a:prstDash val="sysDot"/>
             <a:tailEnd type="triangle" w="lg" len="med"/>
           </a:ln>
         </p:spPr>
@@ -5954,18 +7230,24 @@
       </p:cxnSp>
       <p:sp>
         <p:nvSpPr>
-          <p:cNvPr id="36" name="円/楕円 35"/>
+          <p:cNvPr id="118" name="円/楕円 117"/>
           <p:cNvSpPr/>
           <p:nvPr/>
         </p:nvSpPr>
         <p:spPr>
           <a:xfrm>
-            <a:off x="4770082" y="4080907"/>
+            <a:off x="4770082" y="3787503"/>
             <a:ext cx="540000" cy="540000"/>
           </a:xfrm>
           <a:prstGeom prst="ellipse">
             <a:avLst/>
           </a:prstGeom>
+          <a:solidFill>
+            <a:srgbClr val="FF0066"/>
+          </a:solidFill>
+          <a:ln>
+            <a:noFill/>
+          </a:ln>
         </p:spPr>
         <p:style>
           <a:lnRef idx="2">
@@ -5984,39 +7266,39 @@
           </a:fontRef>
         </p:style>
         <p:txBody>
-          <a:bodyPr rtlCol="0" anchor="ctr"/>
+          <a:bodyPr lIns="91429" tIns="45715" rIns="91429" bIns="45715" rtlCol="0" anchor="ctr"/>
           <a:lstStyle/>
           <a:p>
-            <a:pPr algn="ctr"/>
-            <a:r>
-              <a:rPr kumimoji="1" lang="en-US" altLang="ja-JP" dirty="0" smtClean="0"/>
+            <a:pPr algn="ctr" defTabSz="914295"/>
+            <a:r>
+              <a:rPr lang="en-US" altLang="ja-JP" dirty="0"/>
               <a:t>Z</a:t>
             </a:r>
-            <a:endParaRPr kumimoji="1" lang="ja-JP" altLang="en-US" dirty="0"/>
+            <a:endParaRPr lang="ja-JP" altLang="en-US" dirty="0"/>
           </a:p>
         </p:txBody>
       </p:sp>
       <p:cxnSp>
         <p:nvCxnSpPr>
-          <p:cNvPr id="38" name="直線矢印コネクタ 37"/>
+          <p:cNvPr id="119" name="直線矢印コネクタ 118"/>
           <p:cNvCxnSpPr>
-            <a:stCxn id="36" idx="2"/>
+            <a:stCxn id="118" idx="2"/>
           </p:cNvCxnSpPr>
           <p:nvPr/>
         </p:nvCxnSpPr>
         <p:spPr>
           <a:xfrm flipH="1">
-            <a:off x="4355976" y="4350907"/>
+            <a:off x="4355976" y="4057503"/>
             <a:ext cx="414106" cy="0"/>
           </a:xfrm>
           <a:prstGeom prst="straightConnector1">
             <a:avLst/>
           </a:prstGeom>
-          <a:ln w="19050">
+          <a:ln w="31750">
             <a:solidFill>
               <a:schemeClr val="tx1"/>
             </a:solidFill>
-            <a:prstDash val="sysDash"/>
+            <a:prstDash val="sysDot"/>
             <a:tailEnd type="triangle" w="lg" len="med"/>
           </a:ln>
         </p:spPr>
@@ -6037,18 +7319,24 @@
       </p:cxnSp>
       <p:sp>
         <p:nvSpPr>
-          <p:cNvPr id="39" name="円/楕円 38"/>
+          <p:cNvPr id="120" name="円/楕円 119"/>
           <p:cNvSpPr/>
           <p:nvPr/>
         </p:nvSpPr>
         <p:spPr>
           <a:xfrm>
-            <a:off x="4444593" y="4930442"/>
+            <a:off x="4444593" y="4637038"/>
             <a:ext cx="540000" cy="540000"/>
           </a:xfrm>
           <a:prstGeom prst="ellipse">
             <a:avLst/>
           </a:prstGeom>
+          <a:solidFill>
+            <a:srgbClr val="FF0066"/>
+          </a:solidFill>
+          <a:ln>
+            <a:noFill/>
+          </a:ln>
         </p:spPr>
         <p:style>
           <a:lnRef idx="2">
@@ -6067,39 +7355,39 @@
           </a:fontRef>
         </p:style>
         <p:txBody>
-          <a:bodyPr rtlCol="0" anchor="ctr"/>
+          <a:bodyPr lIns="91429" tIns="45715" rIns="91429" bIns="45715" rtlCol="0" anchor="ctr"/>
           <a:lstStyle/>
           <a:p>
-            <a:pPr algn="ctr"/>
+            <a:pPr algn="ctr" defTabSz="914295"/>
             <a:r>
               <a:rPr lang="en-US" altLang="ja-JP" dirty="0"/>
               <a:t>W</a:t>
             </a:r>
-            <a:endParaRPr kumimoji="1" lang="ja-JP" altLang="en-US" dirty="0"/>
+            <a:endParaRPr lang="ja-JP" altLang="en-US" dirty="0"/>
           </a:p>
         </p:txBody>
       </p:sp>
       <p:cxnSp>
         <p:nvCxnSpPr>
-          <p:cNvPr id="40" name="直線矢印コネクタ 39"/>
+          <p:cNvPr id="121" name="直線矢印コネクタ 120"/>
           <p:cNvCxnSpPr>
-            <a:stCxn id="39" idx="1"/>
+            <a:stCxn id="120" idx="1"/>
           </p:cNvCxnSpPr>
           <p:nvPr/>
         </p:nvCxnSpPr>
         <p:spPr>
           <a:xfrm flipH="1" flipV="1">
-            <a:off x="4077450" y="4609704"/>
+            <a:off x="4077450" y="4316300"/>
             <a:ext cx="446224" cy="399819"/>
           </a:xfrm>
           <a:prstGeom prst="straightConnector1">
             <a:avLst/>
           </a:prstGeom>
-          <a:ln w="19050">
+          <a:ln w="31750">
             <a:solidFill>
               <a:schemeClr val="tx1"/>
             </a:solidFill>
-            <a:prstDash val="sysDash"/>
+            <a:prstDash val="sysDot"/>
             <a:tailEnd type="triangle" w="lg" len="med"/>
           </a:ln>
         </p:spPr>
@@ -6120,25 +7408,25 @@
       </p:cxnSp>
       <p:cxnSp>
         <p:nvCxnSpPr>
-          <p:cNvPr id="41" name="直線矢印コネクタ 40"/>
+          <p:cNvPr id="122" name="直線矢印コネクタ 121"/>
           <p:cNvCxnSpPr>
-            <a:stCxn id="42" idx="1"/>
+            <a:stCxn id="123" idx="1"/>
           </p:cNvCxnSpPr>
           <p:nvPr/>
         </p:nvCxnSpPr>
         <p:spPr>
           <a:xfrm flipH="1" flipV="1">
-            <a:off x="4750522" y="5474576"/>
+            <a:off x="4750522" y="5181172"/>
             <a:ext cx="450078" cy="504056"/>
           </a:xfrm>
           <a:prstGeom prst="straightConnector1">
             <a:avLst/>
           </a:prstGeom>
-          <a:ln w="19050">
+          <a:ln w="31750">
             <a:solidFill>
               <a:schemeClr val="tx1"/>
             </a:solidFill>
-            <a:prstDash val="sysDash"/>
+            <a:prstDash val="sysDot"/>
             <a:tailEnd type="triangle" w="lg" len="med"/>
           </a:ln>
         </p:spPr>
@@ -6159,19 +7447,20 @@
       </p:cxnSp>
       <p:sp>
         <p:nvSpPr>
-          <p:cNvPr id="42" name="正方形/長方形 41"/>
+          <p:cNvPr id="123" name="正方形/長方形 122"/>
           <p:cNvSpPr/>
           <p:nvPr/>
         </p:nvSpPr>
         <p:spPr>
           <a:xfrm>
-            <a:off x="5200600" y="5834616"/>
+            <a:off x="5200600" y="5541212"/>
             <a:ext cx="1115535" cy="288032"/>
           </a:xfrm>
           <a:prstGeom prst="rect">
             <a:avLst/>
           </a:prstGeom>
           <a:ln>
+            <a:noFill/>
             <a:prstDash val="sysDash"/>
           </a:ln>
         </p:spPr>
@@ -6192,19 +7481,17 @@
           </a:fontRef>
         </p:style>
         <p:txBody>
-          <a:bodyPr rtlCol="0" anchor="ctr"/>
+          <a:bodyPr lIns="91429" tIns="0" rIns="91429" bIns="0" rtlCol="0" anchor="ctr">
+            <a:spAutoFit/>
+          </a:bodyPr>
           <a:lstStyle/>
           <a:p>
-            <a:pPr algn="ctr"/>
+            <a:pPr algn="ctr" defTabSz="914295"/>
             <a:r>
               <a:rPr lang="en-US" altLang="ja-JP" dirty="0" err="1"/>
-              <a:t>y</a:t>
-            </a:r>
-            <a:r>
-              <a:rPr lang="en-US" altLang="ja-JP" dirty="0" err="1" smtClean="0"/>
-              <a:t>a-bugfix</a:t>
-            </a:r>
-            <a:endParaRPr kumimoji="1" lang="ja-JP" altLang="en-US" dirty="0"/>
+              <a:t>ya-bugfix</a:t>
+            </a:r>
+            <a:endParaRPr lang="ja-JP" altLang="en-US" dirty="0"/>
           </a:p>
         </p:txBody>
       </p:sp>
@@ -6240,174 +7527,24 @@
       </p:grpSpPr>
       <p:sp>
         <p:nvSpPr>
-          <p:cNvPr id="37" name="テキスト ボックス 36"/>
-          <p:cNvSpPr txBox="1"/>
-          <p:nvPr/>
-        </p:nvSpPr>
-        <p:spPr>
-          <a:xfrm>
-            <a:off x="267552" y="478413"/>
-            <a:ext cx="8624928" cy="923330"/>
-          </a:xfrm>
-          <a:prstGeom prst="rect">
-            <a:avLst/>
-          </a:prstGeom>
-          <a:noFill/>
-        </p:spPr>
-        <p:txBody>
-          <a:bodyPr wrap="square" rtlCol="0">
-            <a:spAutoFit/>
-          </a:bodyPr>
-          <a:lstStyle/>
-          <a:p>
-            <a:r>
-              <a:rPr lang="en-US" altLang="ja-JP" dirty="0" smtClean="0"/>
-              <a:t>master</a:t>
-            </a:r>
-            <a:r>
-              <a:rPr lang="ja-JP" altLang="en-US" dirty="0"/>
-              <a:t>ブランチをチェックアウトして</a:t>
-            </a:r>
-            <a:r>
-              <a:rPr lang="ja-JP" altLang="en-US" dirty="0" smtClean="0"/>
-              <a:t>、「</a:t>
-            </a:r>
-            <a:r>
-              <a:rPr lang="en-US" altLang="ja-JP" dirty="0" err="1"/>
-              <a:t>git</a:t>
-            </a:r>
-            <a:r>
-              <a:rPr lang="en-US" altLang="ja-JP" dirty="0"/>
-              <a:t> merge </a:t>
-            </a:r>
-            <a:r>
-              <a:rPr lang="en-US" altLang="ja-JP" dirty="0" err="1" smtClean="0"/>
-              <a:t>bugfix</a:t>
-            </a:r>
-            <a:r>
-              <a:rPr lang="ja-JP" altLang="en-US" dirty="0"/>
-              <a:t> </a:t>
-            </a:r>
-            <a:r>
-              <a:rPr lang="en-US" altLang="ja-JP" dirty="0" err="1" smtClean="0"/>
-              <a:t>ya-bugfix</a:t>
-            </a:r>
-            <a:r>
-              <a:rPr lang="ja-JP" altLang="en-US" dirty="0" smtClean="0"/>
-              <a:t>」</a:t>
-            </a:r>
-            <a:r>
-              <a:rPr lang="ja-JP" altLang="en-US" dirty="0"/>
-              <a:t>を実行した。</a:t>
-            </a:r>
-            <a:endParaRPr lang="en-US" altLang="ja-JP" dirty="0"/>
-          </a:p>
-          <a:p>
-            <a:r>
-              <a:rPr lang="en-US" altLang="ja-JP" dirty="0" smtClean="0"/>
-              <a:t>3</a:t>
-            </a:r>
-            <a:r>
-              <a:rPr lang="ja-JP" altLang="en-US" dirty="0" err="1" smtClean="0"/>
-              <a:t>つの</a:t>
-            </a:r>
-            <a:r>
-              <a:rPr lang="ja-JP" altLang="en-US" dirty="0" smtClean="0"/>
-              <a:t>親をもつマージコミット</a:t>
-            </a:r>
-            <a:r>
-              <a:rPr lang="en-US" altLang="ja-JP" dirty="0" smtClean="0"/>
-              <a:t>G</a:t>
-            </a:r>
-            <a:r>
-              <a:rPr lang="ja-JP" altLang="en-US" dirty="0" smtClean="0"/>
-              <a:t>が</a:t>
-            </a:r>
-            <a:r>
-              <a:rPr lang="ja-JP" altLang="en-US" dirty="0"/>
-              <a:t>作られ、</a:t>
-            </a:r>
-            <a:r>
-              <a:rPr lang="en-US" altLang="ja-JP" dirty="0"/>
-              <a:t>master</a:t>
-            </a:r>
-            <a:r>
-              <a:rPr lang="ja-JP" altLang="en-US" dirty="0"/>
-              <a:t>ブランチ</a:t>
-            </a:r>
-            <a:r>
-              <a:rPr lang="ja-JP" altLang="en-US" dirty="0" smtClean="0"/>
-              <a:t>は</a:t>
-            </a:r>
-            <a:r>
-              <a:rPr lang="en-US" altLang="ja-JP" dirty="0" smtClean="0"/>
-              <a:t>G</a:t>
-            </a:r>
-            <a:r>
-              <a:rPr lang="ja-JP" altLang="en-US" dirty="0" smtClean="0"/>
-              <a:t>を</a:t>
-            </a:r>
-            <a:r>
-              <a:rPr lang="ja-JP" altLang="en-US" dirty="0"/>
-              <a:t>指すよう更新された。</a:t>
-            </a:r>
-            <a:endParaRPr lang="en-US" altLang="ja-JP" dirty="0"/>
-          </a:p>
-          <a:p>
-            <a:r>
-              <a:rPr lang="ja-JP" altLang="en-US" dirty="0"/>
-              <a:t>これで</a:t>
-            </a:r>
-            <a:r>
-              <a:rPr lang="en-US" altLang="ja-JP" dirty="0"/>
-              <a:t>master</a:t>
-            </a:r>
-            <a:r>
-              <a:rPr lang="ja-JP" altLang="en-US" dirty="0"/>
-              <a:t>ブランチに</a:t>
-            </a:r>
-            <a:r>
-              <a:rPr lang="ja-JP" altLang="en-US" dirty="0" smtClean="0"/>
-              <a:t>コミット</a:t>
-            </a:r>
-            <a:r>
-              <a:rPr lang="en-US" altLang="ja-JP" dirty="0" smtClean="0"/>
-              <a:t>Z</a:t>
-            </a:r>
-            <a:r>
-              <a:rPr lang="ja-JP" altLang="en-US" dirty="0" err="1" smtClean="0"/>
-              <a:t>、</a:t>
-            </a:r>
-            <a:r>
-              <a:rPr lang="en-US" altLang="ja-JP" dirty="0" smtClean="0"/>
-              <a:t>W</a:t>
-            </a:r>
-            <a:r>
-              <a:rPr lang="ja-JP" altLang="en-US" dirty="0" smtClean="0"/>
-              <a:t>が取り込まれた</a:t>
-            </a:r>
-            <a:r>
-              <a:rPr lang="ja-JP" altLang="en-US" dirty="0"/>
-              <a:t>。</a:t>
-            </a:r>
-            <a:endParaRPr lang="en-US" altLang="ja-JP" dirty="0"/>
-          </a:p>
-        </p:txBody>
-      </p:sp>
-      <p:sp>
-        <p:nvSpPr>
-          <p:cNvPr id="43" name="円/楕円 42"/>
+          <p:cNvPr id="96" name="円/楕円 95"/>
           <p:cNvSpPr/>
           <p:nvPr/>
         </p:nvSpPr>
         <p:spPr>
           <a:xfrm>
-            <a:off x="1259632" y="3220169"/>
+            <a:off x="1259632" y="2926765"/>
             <a:ext cx="540000" cy="540000"/>
           </a:xfrm>
           <a:prstGeom prst="ellipse">
             <a:avLst/>
           </a:prstGeom>
+          <a:solidFill>
+            <a:srgbClr val="FF0066"/>
+          </a:solidFill>
+          <a:ln>
+            <a:noFill/>
+          </a:ln>
         </p:spPr>
         <p:style>
           <a:lnRef idx="2">
@@ -6426,40 +7563,40 @@
           </a:fontRef>
         </p:style>
         <p:txBody>
-          <a:bodyPr rtlCol="0" anchor="ctr"/>
+          <a:bodyPr lIns="91429" tIns="45715" rIns="91429" bIns="45715" rtlCol="0" anchor="ctr"/>
           <a:lstStyle/>
           <a:p>
-            <a:pPr algn="ctr"/>
-            <a:r>
-              <a:rPr kumimoji="1" lang="en-US" altLang="ja-JP" dirty="0" smtClean="0"/>
+            <a:pPr algn="ctr" defTabSz="914295"/>
+            <a:r>
+              <a:rPr lang="en-US" altLang="ja-JP" dirty="0"/>
               <a:t>A</a:t>
             </a:r>
-            <a:endParaRPr kumimoji="1" lang="ja-JP" altLang="en-US" dirty="0"/>
+            <a:endParaRPr lang="ja-JP" altLang="en-US" dirty="0"/>
           </a:p>
         </p:txBody>
       </p:sp>
       <p:cxnSp>
         <p:nvCxnSpPr>
-          <p:cNvPr id="44" name="直線矢印コネクタ 43"/>
+          <p:cNvPr id="97" name="直線矢印コネクタ 96"/>
           <p:cNvCxnSpPr>
-            <a:stCxn id="45" idx="2"/>
-            <a:endCxn id="43" idx="6"/>
+            <a:stCxn id="98" idx="2"/>
+            <a:endCxn id="96" idx="6"/>
           </p:cNvCxnSpPr>
           <p:nvPr/>
         </p:nvCxnSpPr>
         <p:spPr>
           <a:xfrm flipH="1">
-            <a:off x="1799632" y="3490169"/>
+            <a:off x="1799632" y="3196765"/>
             <a:ext cx="432168" cy="0"/>
           </a:xfrm>
           <a:prstGeom prst="straightConnector1">
             <a:avLst/>
           </a:prstGeom>
-          <a:ln w="19050">
+          <a:ln w="31750">
             <a:solidFill>
               <a:schemeClr val="tx1"/>
             </a:solidFill>
-            <a:prstDash val="sysDash"/>
+            <a:prstDash val="sysDot"/>
             <a:tailEnd type="triangle" w="lg" len="med"/>
           </a:ln>
         </p:spPr>
@@ -6480,18 +7617,24 @@
       </p:cxnSp>
       <p:sp>
         <p:nvSpPr>
-          <p:cNvPr id="45" name="円/楕円 44"/>
+          <p:cNvPr id="98" name="円/楕円 97"/>
           <p:cNvSpPr/>
           <p:nvPr/>
         </p:nvSpPr>
         <p:spPr>
           <a:xfrm>
-            <a:off x="2231800" y="3220169"/>
+            <a:off x="2231800" y="2926765"/>
             <a:ext cx="540000" cy="540000"/>
           </a:xfrm>
           <a:prstGeom prst="ellipse">
             <a:avLst/>
           </a:prstGeom>
+          <a:solidFill>
+            <a:srgbClr val="FF0066"/>
+          </a:solidFill>
+          <a:ln>
+            <a:noFill/>
+          </a:ln>
         </p:spPr>
         <p:style>
           <a:lnRef idx="2">
@@ -6510,32 +7653,38 @@
           </a:fontRef>
         </p:style>
         <p:txBody>
-          <a:bodyPr rtlCol="0" anchor="ctr"/>
+          <a:bodyPr lIns="91429" tIns="45715" rIns="91429" bIns="45715" rtlCol="0" anchor="ctr"/>
           <a:lstStyle/>
           <a:p>
-            <a:pPr algn="ctr"/>
-            <a:r>
-              <a:rPr kumimoji="1" lang="en-US" altLang="ja-JP" dirty="0" smtClean="0"/>
+            <a:pPr algn="ctr" defTabSz="914295"/>
+            <a:r>
+              <a:rPr lang="en-US" altLang="ja-JP" dirty="0"/>
               <a:t>B</a:t>
             </a:r>
-            <a:endParaRPr kumimoji="1" lang="ja-JP" altLang="en-US" dirty="0"/>
-          </a:p>
-        </p:txBody>
-      </p:sp>
-      <p:sp>
-        <p:nvSpPr>
-          <p:cNvPr id="46" name="円/楕円 45"/>
+            <a:endParaRPr lang="ja-JP" altLang="en-US" dirty="0"/>
+          </a:p>
+        </p:txBody>
+      </p:sp>
+      <p:sp>
+        <p:nvSpPr>
+          <p:cNvPr id="99" name="円/楕円 98"/>
           <p:cNvSpPr/>
           <p:nvPr/>
         </p:nvSpPr>
         <p:spPr>
           <a:xfrm>
-            <a:off x="3203968" y="3220169"/>
+            <a:off x="3203968" y="2926765"/>
             <a:ext cx="540000" cy="540000"/>
           </a:xfrm>
           <a:prstGeom prst="ellipse">
             <a:avLst/>
           </a:prstGeom>
+          <a:solidFill>
+            <a:srgbClr val="FF0066"/>
+          </a:solidFill>
+          <a:ln>
+            <a:noFill/>
+          </a:ln>
         </p:spPr>
         <p:style>
           <a:lnRef idx="2">
@@ -6554,40 +7703,40 @@
           </a:fontRef>
         </p:style>
         <p:txBody>
-          <a:bodyPr rtlCol="0" anchor="ctr"/>
+          <a:bodyPr lIns="91429" tIns="45715" rIns="91429" bIns="45715" rtlCol="0" anchor="ctr"/>
           <a:lstStyle/>
           <a:p>
-            <a:pPr algn="ctr"/>
-            <a:r>
-              <a:rPr kumimoji="1" lang="en-US" altLang="ja-JP" dirty="0" smtClean="0"/>
+            <a:pPr algn="ctr" defTabSz="914295"/>
+            <a:r>
+              <a:rPr lang="en-US" altLang="ja-JP" dirty="0"/>
               <a:t>C</a:t>
             </a:r>
-            <a:endParaRPr kumimoji="1" lang="ja-JP" altLang="en-US" dirty="0"/>
+            <a:endParaRPr lang="ja-JP" altLang="en-US" dirty="0"/>
           </a:p>
         </p:txBody>
       </p:sp>
       <p:cxnSp>
         <p:nvCxnSpPr>
-          <p:cNvPr id="47" name="直線矢印コネクタ 46"/>
+          <p:cNvPr id="100" name="直線矢印コネクタ 99"/>
           <p:cNvCxnSpPr>
-            <a:stCxn id="46" idx="2"/>
-            <a:endCxn id="45" idx="6"/>
+            <a:stCxn id="99" idx="2"/>
+            <a:endCxn id="98" idx="6"/>
           </p:cNvCxnSpPr>
           <p:nvPr/>
         </p:nvCxnSpPr>
         <p:spPr>
           <a:xfrm flipH="1">
-            <a:off x="2771800" y="3490169"/>
+            <a:off x="2771800" y="3196765"/>
             <a:ext cx="432168" cy="0"/>
           </a:xfrm>
           <a:prstGeom prst="straightConnector1">
             <a:avLst/>
           </a:prstGeom>
-          <a:ln w="19050">
+          <a:ln w="31750">
             <a:solidFill>
               <a:schemeClr val="tx1"/>
             </a:solidFill>
-            <a:prstDash val="sysDash"/>
+            <a:prstDash val="sysDot"/>
             <a:tailEnd type="triangle" w="lg" len="med"/>
           </a:ln>
         </p:spPr>
@@ -6608,23 +7757,23 @@
       </p:cxnSp>
       <p:cxnSp>
         <p:nvCxnSpPr>
-          <p:cNvPr id="48" name="直線矢印コネクタ 47"/>
+          <p:cNvPr id="101" name="直線矢印コネクタ 100"/>
           <p:cNvCxnSpPr/>
           <p:nvPr/>
         </p:nvCxnSpPr>
         <p:spPr>
           <a:xfrm flipH="1">
-            <a:off x="7252180" y="2700437"/>
+            <a:off x="7252180" y="2407033"/>
             <a:ext cx="428406" cy="505494"/>
           </a:xfrm>
           <a:prstGeom prst="straightConnector1">
             <a:avLst/>
           </a:prstGeom>
-          <a:ln w="19050">
+          <a:ln w="31750">
             <a:solidFill>
               <a:schemeClr val="tx1"/>
             </a:solidFill>
-            <a:prstDash val="sysDash"/>
+            <a:prstDash val="sysDot"/>
             <a:tailEnd type="triangle" w="lg" len="med"/>
           </a:ln>
         </p:spPr>
@@ -6645,19 +7794,20 @@
       </p:cxnSp>
       <p:sp>
         <p:nvSpPr>
-          <p:cNvPr id="49" name="正方形/長方形 48"/>
+          <p:cNvPr id="102" name="正方形/長方形 101"/>
           <p:cNvSpPr/>
           <p:nvPr/>
         </p:nvSpPr>
         <p:spPr>
           <a:xfrm>
-            <a:off x="7680586" y="2412405"/>
+            <a:off x="7680586" y="2119001"/>
             <a:ext cx="936044" cy="288032"/>
           </a:xfrm>
           <a:prstGeom prst="rect">
             <a:avLst/>
           </a:prstGeom>
           <a:ln>
+            <a:noFill/>
             <a:prstDash val="sysDash"/>
           </a:ln>
         </p:spPr>
@@ -6678,32 +7828,40 @@
           </a:fontRef>
         </p:style>
         <p:txBody>
-          <a:bodyPr rtlCol="0" anchor="ctr"/>
+          <a:bodyPr lIns="91429" tIns="0" rIns="91429" bIns="0" rtlCol="0" anchor="ctr">
+            <a:spAutoFit/>
+          </a:bodyPr>
           <a:lstStyle/>
           <a:p>
-            <a:pPr algn="ctr"/>
-            <a:r>
-              <a:rPr kumimoji="1" lang="en-US" altLang="ja-JP" dirty="0" smtClean="0"/>
+            <a:pPr algn="ctr" defTabSz="914295"/>
+            <a:r>
+              <a:rPr lang="en-US" altLang="ja-JP" dirty="0"/>
               <a:t>master</a:t>
             </a:r>
-            <a:endParaRPr kumimoji="1" lang="ja-JP" altLang="en-US" dirty="0"/>
-          </a:p>
-        </p:txBody>
-      </p:sp>
-      <p:sp>
-        <p:nvSpPr>
-          <p:cNvPr id="50" name="円/楕円 49"/>
+            <a:endParaRPr lang="ja-JP" altLang="en-US" dirty="0"/>
+          </a:p>
+        </p:txBody>
+      </p:sp>
+      <p:sp>
+        <p:nvSpPr>
+          <p:cNvPr id="103" name="円/楕円 102"/>
           <p:cNvSpPr/>
           <p:nvPr/>
         </p:nvSpPr>
         <p:spPr>
           <a:xfrm>
-            <a:off x="4158074" y="3220169"/>
+            <a:off x="4158074" y="2926765"/>
             <a:ext cx="540000" cy="540000"/>
           </a:xfrm>
           <a:prstGeom prst="ellipse">
             <a:avLst/>
           </a:prstGeom>
+          <a:solidFill>
+            <a:srgbClr val="FF0066"/>
+          </a:solidFill>
+          <a:ln>
+            <a:noFill/>
+          </a:ln>
         </p:spPr>
         <p:style>
           <a:lnRef idx="2">
@@ -6722,40 +7880,40 @@
           </a:fontRef>
         </p:style>
         <p:txBody>
-          <a:bodyPr rtlCol="0" anchor="ctr"/>
+          <a:bodyPr lIns="91429" tIns="45715" rIns="91429" bIns="45715" rtlCol="0" anchor="ctr"/>
           <a:lstStyle/>
           <a:p>
-            <a:pPr algn="ctr"/>
-            <a:r>
-              <a:rPr kumimoji="1" lang="en-US" altLang="ja-JP" dirty="0" smtClean="0"/>
+            <a:pPr algn="ctr" defTabSz="914295"/>
+            <a:r>
+              <a:rPr lang="en-US" altLang="ja-JP" dirty="0"/>
               <a:t>D</a:t>
             </a:r>
-            <a:endParaRPr kumimoji="1" lang="ja-JP" altLang="en-US" dirty="0"/>
+            <a:endParaRPr lang="ja-JP" altLang="en-US" dirty="0"/>
           </a:p>
         </p:txBody>
       </p:sp>
       <p:cxnSp>
         <p:nvCxnSpPr>
-          <p:cNvPr id="51" name="直線矢印コネクタ 50"/>
+          <p:cNvPr id="104" name="直線矢印コネクタ 103"/>
           <p:cNvCxnSpPr>
-            <a:stCxn id="50" idx="2"/>
-            <a:endCxn id="46" idx="6"/>
+            <a:stCxn id="103" idx="2"/>
+            <a:endCxn id="99" idx="6"/>
           </p:cNvCxnSpPr>
           <p:nvPr/>
         </p:nvCxnSpPr>
         <p:spPr>
           <a:xfrm flipH="1">
-            <a:off x="3743968" y="3490169"/>
+            <a:off x="3743968" y="3196765"/>
             <a:ext cx="414106" cy="0"/>
           </a:xfrm>
           <a:prstGeom prst="straightConnector1">
             <a:avLst/>
           </a:prstGeom>
-          <a:ln w="19050">
+          <a:ln w="31750">
             <a:solidFill>
               <a:schemeClr val="tx1"/>
             </a:solidFill>
-            <a:prstDash val="sysDash"/>
+            <a:prstDash val="sysDot"/>
             <a:tailEnd type="triangle" w="lg" len="med"/>
           </a:ln>
         </p:spPr>
@@ -6776,25 +7934,25 @@
       </p:cxnSp>
       <p:cxnSp>
         <p:nvCxnSpPr>
-          <p:cNvPr id="52" name="直線矢印コネクタ 51"/>
+          <p:cNvPr id="105" name="直線矢印コネクタ 104"/>
           <p:cNvCxnSpPr>
-            <a:stCxn id="53" idx="1"/>
+            <a:stCxn id="106" idx="1"/>
           </p:cNvCxnSpPr>
           <p:nvPr/>
         </p:nvCxnSpPr>
         <p:spPr>
           <a:xfrm flipH="1" flipV="1">
-            <a:off x="5066143" y="4620907"/>
+            <a:off x="5066143" y="4327503"/>
             <a:ext cx="450080" cy="504056"/>
           </a:xfrm>
           <a:prstGeom prst="straightConnector1">
             <a:avLst/>
           </a:prstGeom>
-          <a:ln w="19050">
+          <a:ln w="31750">
             <a:solidFill>
               <a:schemeClr val="tx1"/>
             </a:solidFill>
-            <a:prstDash val="sysDash"/>
+            <a:prstDash val="sysDot"/>
             <a:tailEnd type="triangle" w="lg" len="med"/>
           </a:ln>
         </p:spPr>
@@ -6815,19 +7973,20 @@
       </p:cxnSp>
       <p:sp>
         <p:nvSpPr>
-          <p:cNvPr id="53" name="正方形/長方形 52"/>
+          <p:cNvPr id="106" name="正方形/長方形 105"/>
           <p:cNvSpPr/>
           <p:nvPr/>
         </p:nvSpPr>
         <p:spPr>
           <a:xfrm>
-            <a:off x="5516223" y="4980947"/>
+            <a:off x="5516223" y="4687543"/>
             <a:ext cx="936044" cy="288032"/>
           </a:xfrm>
           <a:prstGeom prst="rect">
             <a:avLst/>
           </a:prstGeom>
           <a:ln>
+            <a:noFill/>
             <a:prstDash val="sysDash"/>
           </a:ln>
         </p:spPr>
@@ -6848,32 +8007,40 @@
           </a:fontRef>
         </p:style>
         <p:txBody>
-          <a:bodyPr rtlCol="0" anchor="ctr"/>
+          <a:bodyPr lIns="91429" tIns="0" rIns="91429" bIns="0" rtlCol="0" anchor="ctr">
+            <a:spAutoFit/>
+          </a:bodyPr>
           <a:lstStyle/>
           <a:p>
-            <a:pPr algn="ctr"/>
-            <a:r>
-              <a:rPr lang="en-US" altLang="ja-JP" dirty="0" err="1" smtClean="0"/>
+            <a:pPr algn="ctr" defTabSz="914295"/>
+            <a:r>
+              <a:rPr lang="en-US" altLang="ja-JP" dirty="0" err="1"/>
               <a:t>bugfix</a:t>
             </a:r>
-            <a:endParaRPr kumimoji="1" lang="ja-JP" altLang="en-US" dirty="0"/>
-          </a:p>
-        </p:txBody>
-      </p:sp>
-      <p:sp>
-        <p:nvSpPr>
-          <p:cNvPr id="54" name="円/楕円 53"/>
+            <a:endParaRPr lang="ja-JP" altLang="en-US" dirty="0"/>
+          </a:p>
+        </p:txBody>
+      </p:sp>
+      <p:sp>
+        <p:nvSpPr>
+          <p:cNvPr id="107" name="円/楕円 106"/>
           <p:cNvSpPr/>
           <p:nvPr/>
         </p:nvSpPr>
         <p:spPr>
           <a:xfrm>
-            <a:off x="2851606" y="4080907"/>
+            <a:off x="2851606" y="3787503"/>
             <a:ext cx="540000" cy="540000"/>
           </a:xfrm>
           <a:prstGeom prst="ellipse">
             <a:avLst/>
           </a:prstGeom>
+          <a:solidFill>
+            <a:srgbClr val="FF0066"/>
+          </a:solidFill>
+          <a:ln>
+            <a:noFill/>
+          </a:ln>
         </p:spPr>
         <p:style>
           <a:lnRef idx="2">
@@ -6892,39 +8059,39 @@
           </a:fontRef>
         </p:style>
         <p:txBody>
-          <a:bodyPr rtlCol="0" anchor="ctr"/>
+          <a:bodyPr lIns="91429" tIns="45715" rIns="91429" bIns="45715" rtlCol="0" anchor="ctr"/>
           <a:lstStyle/>
           <a:p>
-            <a:pPr algn="ctr"/>
-            <a:r>
-              <a:rPr kumimoji="1" lang="en-US" altLang="ja-JP" dirty="0" smtClean="0"/>
+            <a:pPr algn="ctr" defTabSz="914295"/>
+            <a:r>
+              <a:rPr lang="en-US" altLang="ja-JP" dirty="0"/>
               <a:t>X</a:t>
             </a:r>
-            <a:endParaRPr kumimoji="1" lang="ja-JP" altLang="en-US" dirty="0"/>
+            <a:endParaRPr lang="ja-JP" altLang="en-US" dirty="0"/>
           </a:p>
         </p:txBody>
       </p:sp>
       <p:cxnSp>
         <p:nvCxnSpPr>
-          <p:cNvPr id="55" name="直線矢印コネクタ 54"/>
+          <p:cNvPr id="108" name="直線矢印コネクタ 107"/>
           <p:cNvCxnSpPr>
-            <a:stCxn id="54" idx="1"/>
+            <a:stCxn id="107" idx="1"/>
           </p:cNvCxnSpPr>
           <p:nvPr/>
         </p:nvCxnSpPr>
         <p:spPr>
           <a:xfrm flipH="1" flipV="1">
-            <a:off x="2484463" y="3760169"/>
+            <a:off x="2484463" y="3466765"/>
             <a:ext cx="446224" cy="399819"/>
           </a:xfrm>
           <a:prstGeom prst="straightConnector1">
             <a:avLst/>
           </a:prstGeom>
-          <a:ln w="19050">
+          <a:ln w="31750">
             <a:solidFill>
               <a:schemeClr val="tx1"/>
             </a:solidFill>
-            <a:prstDash val="sysDash"/>
+            <a:prstDash val="sysDot"/>
             <a:tailEnd type="triangle" w="lg" len="med"/>
           </a:ln>
         </p:spPr>
@@ -6945,18 +8112,24 @@
       </p:cxnSp>
       <p:sp>
         <p:nvSpPr>
-          <p:cNvPr id="56" name="円/楕円 55"/>
+          <p:cNvPr id="109" name="円/楕円 108"/>
           <p:cNvSpPr/>
           <p:nvPr/>
         </p:nvSpPr>
         <p:spPr>
           <a:xfrm>
-            <a:off x="3803847" y="4080907"/>
+            <a:off x="3803847" y="3787503"/>
             <a:ext cx="540000" cy="540000"/>
           </a:xfrm>
           <a:prstGeom prst="ellipse">
             <a:avLst/>
           </a:prstGeom>
+          <a:solidFill>
+            <a:srgbClr val="FF0066"/>
+          </a:solidFill>
+          <a:ln>
+            <a:noFill/>
+          </a:ln>
         </p:spPr>
         <p:style>
           <a:lnRef idx="2">
@@ -6975,39 +8148,39 @@
           </a:fontRef>
         </p:style>
         <p:txBody>
-          <a:bodyPr rtlCol="0" anchor="ctr"/>
+          <a:bodyPr lIns="91429" tIns="45715" rIns="91429" bIns="45715" rtlCol="0" anchor="ctr"/>
           <a:lstStyle/>
           <a:p>
-            <a:pPr algn="ctr"/>
-            <a:r>
-              <a:rPr kumimoji="1" lang="en-US" altLang="ja-JP" dirty="0" smtClean="0"/>
+            <a:pPr algn="ctr" defTabSz="914295"/>
+            <a:r>
+              <a:rPr lang="en-US" altLang="ja-JP" dirty="0"/>
               <a:t>Y</a:t>
             </a:r>
-            <a:endParaRPr kumimoji="1" lang="ja-JP" altLang="en-US" dirty="0"/>
+            <a:endParaRPr lang="ja-JP" altLang="en-US" dirty="0"/>
           </a:p>
         </p:txBody>
       </p:sp>
       <p:cxnSp>
         <p:nvCxnSpPr>
-          <p:cNvPr id="57" name="直線矢印コネクタ 56"/>
+          <p:cNvPr id="110" name="直線矢印コネクタ 109"/>
           <p:cNvCxnSpPr>
-            <a:stCxn id="56" idx="2"/>
+            <a:stCxn id="109" idx="2"/>
           </p:cNvCxnSpPr>
           <p:nvPr/>
         </p:nvCxnSpPr>
         <p:spPr>
           <a:xfrm flipH="1">
-            <a:off x="3389741" y="4350907"/>
+            <a:off x="3389741" y="4057503"/>
             <a:ext cx="414106" cy="0"/>
           </a:xfrm>
           <a:prstGeom prst="straightConnector1">
             <a:avLst/>
           </a:prstGeom>
-          <a:ln w="19050">
+          <a:ln w="31750">
             <a:solidFill>
               <a:schemeClr val="tx1"/>
             </a:solidFill>
-            <a:prstDash val="sysDash"/>
+            <a:prstDash val="sysDot"/>
             <a:tailEnd type="triangle" w="lg" len="med"/>
           </a:ln>
         </p:spPr>
@@ -7028,18 +8201,24 @@
       </p:cxnSp>
       <p:sp>
         <p:nvSpPr>
-          <p:cNvPr id="58" name="円/楕円 57"/>
+          <p:cNvPr id="111" name="円/楕円 110"/>
           <p:cNvSpPr/>
           <p:nvPr/>
         </p:nvSpPr>
         <p:spPr>
           <a:xfrm>
-            <a:off x="5113340" y="3220169"/>
+            <a:off x="5113340" y="2926765"/>
             <a:ext cx="540000" cy="540000"/>
           </a:xfrm>
           <a:prstGeom prst="ellipse">
             <a:avLst/>
           </a:prstGeom>
+          <a:solidFill>
+            <a:srgbClr val="FF0066"/>
+          </a:solidFill>
+          <a:ln>
+            <a:noFill/>
+          </a:ln>
         </p:spPr>
         <p:style>
           <a:lnRef idx="2">
@@ -7058,39 +8237,39 @@
           </a:fontRef>
         </p:style>
         <p:txBody>
-          <a:bodyPr rtlCol="0" anchor="ctr"/>
+          <a:bodyPr lIns="91429" tIns="45715" rIns="91429" bIns="45715" rtlCol="0" anchor="ctr"/>
           <a:lstStyle/>
           <a:p>
-            <a:pPr algn="ctr"/>
-            <a:r>
-              <a:rPr kumimoji="1" lang="en-US" altLang="ja-JP" dirty="0" smtClean="0"/>
+            <a:pPr algn="ctr" defTabSz="914295"/>
+            <a:r>
+              <a:rPr lang="en-US" altLang="ja-JP" dirty="0"/>
               <a:t>E</a:t>
             </a:r>
-            <a:endParaRPr kumimoji="1" lang="ja-JP" altLang="en-US" dirty="0"/>
+            <a:endParaRPr lang="ja-JP" altLang="en-US" dirty="0"/>
           </a:p>
         </p:txBody>
       </p:sp>
       <p:cxnSp>
         <p:nvCxnSpPr>
-          <p:cNvPr id="59" name="直線矢印コネクタ 58"/>
+          <p:cNvPr id="112" name="直線矢印コネクタ 111"/>
           <p:cNvCxnSpPr>
-            <a:stCxn id="58" idx="2"/>
+            <a:stCxn id="111" idx="2"/>
           </p:cNvCxnSpPr>
           <p:nvPr/>
         </p:nvCxnSpPr>
         <p:spPr>
           <a:xfrm flipH="1">
-            <a:off x="4699234" y="3490169"/>
+            <a:off x="4699234" y="3196765"/>
             <a:ext cx="414106" cy="0"/>
           </a:xfrm>
           <a:prstGeom prst="straightConnector1">
             <a:avLst/>
           </a:prstGeom>
-          <a:ln w="19050">
+          <a:ln w="31750">
             <a:solidFill>
               <a:schemeClr val="tx1"/>
             </a:solidFill>
-            <a:prstDash val="sysDash"/>
+            <a:prstDash val="sysDot"/>
             <a:tailEnd type="triangle" w="lg" len="med"/>
           </a:ln>
         </p:spPr>
@@ -7111,26 +8290,26 @@
       </p:cxnSp>
       <p:cxnSp>
         <p:nvCxnSpPr>
-          <p:cNvPr id="60" name="直線矢印コネクタ 59"/>
+          <p:cNvPr id="113" name="直線矢印コネクタ 112"/>
           <p:cNvCxnSpPr>
-            <a:stCxn id="58" idx="3"/>
-            <a:endCxn id="56" idx="6"/>
+            <a:stCxn id="111" idx="3"/>
+            <a:endCxn id="109" idx="6"/>
           </p:cNvCxnSpPr>
           <p:nvPr/>
         </p:nvCxnSpPr>
         <p:spPr>
           <a:xfrm flipH="1">
-            <a:off x="4343847" y="3681088"/>
+            <a:off x="4343847" y="3387684"/>
             <a:ext cx="848574" cy="669819"/>
           </a:xfrm>
           <a:prstGeom prst="straightConnector1">
             <a:avLst/>
           </a:prstGeom>
-          <a:ln w="19050">
+          <a:ln w="31750">
             <a:solidFill>
               <a:schemeClr val="tx1"/>
             </a:solidFill>
-            <a:prstDash val="sysDash"/>
+            <a:prstDash val="sysDot"/>
             <a:tailEnd type="triangle" w="lg" len="med"/>
           </a:ln>
         </p:spPr>
@@ -7151,18 +8330,24 @@
       </p:cxnSp>
       <p:sp>
         <p:nvSpPr>
-          <p:cNvPr id="61" name="円/楕円 60"/>
+          <p:cNvPr id="114" name="円/楕円 113"/>
           <p:cNvSpPr/>
           <p:nvPr/>
         </p:nvSpPr>
         <p:spPr>
           <a:xfrm>
-            <a:off x="6066794" y="3220169"/>
+            <a:off x="6066794" y="2926765"/>
             <a:ext cx="540000" cy="540000"/>
           </a:xfrm>
           <a:prstGeom prst="ellipse">
             <a:avLst/>
           </a:prstGeom>
+          <a:solidFill>
+            <a:srgbClr val="FF0066"/>
+          </a:solidFill>
+          <a:ln>
+            <a:noFill/>
+          </a:ln>
         </p:spPr>
         <p:style>
           <a:lnRef idx="2">
@@ -7181,39 +8366,39 @@
           </a:fontRef>
         </p:style>
         <p:txBody>
-          <a:bodyPr rtlCol="0" anchor="ctr"/>
+          <a:bodyPr lIns="91429" tIns="45715" rIns="91429" bIns="45715" rtlCol="0" anchor="ctr"/>
           <a:lstStyle/>
           <a:p>
-            <a:pPr algn="ctr"/>
-            <a:r>
-              <a:rPr kumimoji="1" lang="en-US" altLang="ja-JP" dirty="0" smtClean="0"/>
+            <a:pPr algn="ctr" defTabSz="914295"/>
+            <a:r>
+              <a:rPr lang="en-US" altLang="ja-JP" dirty="0"/>
               <a:t>F</a:t>
             </a:r>
-            <a:endParaRPr kumimoji="1" lang="ja-JP" altLang="en-US" dirty="0"/>
+            <a:endParaRPr lang="ja-JP" altLang="en-US" dirty="0"/>
           </a:p>
         </p:txBody>
       </p:sp>
       <p:cxnSp>
         <p:nvCxnSpPr>
-          <p:cNvPr id="62" name="直線矢印コネクタ 61"/>
+          <p:cNvPr id="115" name="直線矢印コネクタ 114"/>
           <p:cNvCxnSpPr>
-            <a:stCxn id="61" idx="2"/>
+            <a:stCxn id="114" idx="2"/>
           </p:cNvCxnSpPr>
           <p:nvPr/>
         </p:nvCxnSpPr>
         <p:spPr>
           <a:xfrm flipH="1">
-            <a:off x="5652688" y="3490169"/>
+            <a:off x="5652688" y="3196765"/>
             <a:ext cx="414106" cy="0"/>
           </a:xfrm>
           <a:prstGeom prst="straightConnector1">
             <a:avLst/>
           </a:prstGeom>
-          <a:ln w="19050">
+          <a:ln w="31750">
             <a:solidFill>
               <a:schemeClr val="tx1"/>
             </a:solidFill>
-            <a:prstDash val="sysDash"/>
+            <a:prstDash val="sysDot"/>
             <a:tailEnd type="triangle" w="lg" len="med"/>
           </a:ln>
         </p:spPr>
@@ -7234,18 +8419,24 @@
       </p:cxnSp>
       <p:sp>
         <p:nvSpPr>
-          <p:cNvPr id="63" name="円/楕円 62"/>
+          <p:cNvPr id="116" name="円/楕円 115"/>
           <p:cNvSpPr/>
           <p:nvPr/>
         </p:nvSpPr>
         <p:spPr>
           <a:xfrm>
-            <a:off x="4770082" y="4080907"/>
+            <a:off x="4770082" y="3787503"/>
             <a:ext cx="540000" cy="540000"/>
           </a:xfrm>
           <a:prstGeom prst="ellipse">
             <a:avLst/>
           </a:prstGeom>
+          <a:solidFill>
+            <a:srgbClr val="FF0066"/>
+          </a:solidFill>
+          <a:ln>
+            <a:noFill/>
+          </a:ln>
         </p:spPr>
         <p:style>
           <a:lnRef idx="2">
@@ -7264,39 +8455,39 @@
           </a:fontRef>
         </p:style>
         <p:txBody>
-          <a:bodyPr rtlCol="0" anchor="ctr"/>
+          <a:bodyPr lIns="91429" tIns="45715" rIns="91429" bIns="45715" rtlCol="0" anchor="ctr"/>
           <a:lstStyle/>
           <a:p>
-            <a:pPr algn="ctr"/>
-            <a:r>
-              <a:rPr kumimoji="1" lang="en-US" altLang="ja-JP" dirty="0" smtClean="0"/>
+            <a:pPr algn="ctr" defTabSz="914295"/>
+            <a:r>
+              <a:rPr lang="en-US" altLang="ja-JP" dirty="0"/>
               <a:t>Z</a:t>
             </a:r>
-            <a:endParaRPr kumimoji="1" lang="ja-JP" altLang="en-US" dirty="0"/>
+            <a:endParaRPr lang="ja-JP" altLang="en-US" dirty="0"/>
           </a:p>
         </p:txBody>
       </p:sp>
       <p:cxnSp>
         <p:nvCxnSpPr>
-          <p:cNvPr id="64" name="直線矢印コネクタ 63"/>
+          <p:cNvPr id="117" name="直線矢印コネクタ 116"/>
           <p:cNvCxnSpPr>
-            <a:stCxn id="63" idx="2"/>
+            <a:stCxn id="116" idx="2"/>
           </p:cNvCxnSpPr>
           <p:nvPr/>
         </p:nvCxnSpPr>
         <p:spPr>
           <a:xfrm flipH="1">
-            <a:off x="4355976" y="4350907"/>
+            <a:off x="4355976" y="4057503"/>
             <a:ext cx="414106" cy="0"/>
           </a:xfrm>
           <a:prstGeom prst="straightConnector1">
             <a:avLst/>
           </a:prstGeom>
-          <a:ln w="19050">
+          <a:ln w="31750">
             <a:solidFill>
               <a:schemeClr val="tx1"/>
             </a:solidFill>
-            <a:prstDash val="sysDash"/>
+            <a:prstDash val="sysDot"/>
             <a:tailEnd type="triangle" w="lg" len="med"/>
           </a:ln>
         </p:spPr>
@@ -7317,18 +8508,24 @@
       </p:cxnSp>
       <p:sp>
         <p:nvSpPr>
-          <p:cNvPr id="65" name="円/楕円 64"/>
+          <p:cNvPr id="118" name="円/楕円 117"/>
           <p:cNvSpPr/>
           <p:nvPr/>
         </p:nvSpPr>
         <p:spPr>
           <a:xfrm>
-            <a:off x="4444593" y="4930442"/>
+            <a:off x="4444593" y="4637038"/>
             <a:ext cx="540000" cy="540000"/>
           </a:xfrm>
           <a:prstGeom prst="ellipse">
             <a:avLst/>
           </a:prstGeom>
+          <a:solidFill>
+            <a:srgbClr val="FF0066"/>
+          </a:solidFill>
+          <a:ln>
+            <a:noFill/>
+          </a:ln>
         </p:spPr>
         <p:style>
           <a:lnRef idx="2">
@@ -7347,39 +8544,39 @@
           </a:fontRef>
         </p:style>
         <p:txBody>
-          <a:bodyPr rtlCol="0" anchor="ctr"/>
+          <a:bodyPr lIns="91429" tIns="45715" rIns="91429" bIns="45715" rtlCol="0" anchor="ctr"/>
           <a:lstStyle/>
           <a:p>
-            <a:pPr algn="ctr"/>
+            <a:pPr algn="ctr" defTabSz="914295"/>
             <a:r>
               <a:rPr lang="en-US" altLang="ja-JP" dirty="0"/>
               <a:t>W</a:t>
             </a:r>
-            <a:endParaRPr kumimoji="1" lang="ja-JP" altLang="en-US" dirty="0"/>
+            <a:endParaRPr lang="ja-JP" altLang="en-US" dirty="0"/>
           </a:p>
         </p:txBody>
       </p:sp>
       <p:cxnSp>
         <p:nvCxnSpPr>
-          <p:cNvPr id="66" name="直線矢印コネクタ 65"/>
+          <p:cNvPr id="119" name="直線矢印コネクタ 118"/>
           <p:cNvCxnSpPr>
-            <a:stCxn id="65" idx="1"/>
+            <a:stCxn id="118" idx="1"/>
           </p:cNvCxnSpPr>
           <p:nvPr/>
         </p:nvCxnSpPr>
         <p:spPr>
           <a:xfrm flipH="1" flipV="1">
-            <a:off x="4077450" y="4609704"/>
+            <a:off x="4077450" y="4316300"/>
             <a:ext cx="446224" cy="399819"/>
           </a:xfrm>
           <a:prstGeom prst="straightConnector1">
             <a:avLst/>
           </a:prstGeom>
-          <a:ln w="19050">
+          <a:ln w="31750">
             <a:solidFill>
               <a:schemeClr val="tx1"/>
             </a:solidFill>
-            <a:prstDash val="sysDash"/>
+            <a:prstDash val="sysDot"/>
             <a:tailEnd type="triangle" w="lg" len="med"/>
           </a:ln>
         </p:spPr>
@@ -7400,25 +8597,25 @@
       </p:cxnSp>
       <p:cxnSp>
         <p:nvCxnSpPr>
-          <p:cNvPr id="67" name="直線矢印コネクタ 66"/>
+          <p:cNvPr id="120" name="直線矢印コネクタ 119"/>
           <p:cNvCxnSpPr>
-            <a:stCxn id="68" idx="1"/>
+            <a:stCxn id="121" idx="1"/>
           </p:cNvCxnSpPr>
           <p:nvPr/>
         </p:nvCxnSpPr>
         <p:spPr>
           <a:xfrm flipH="1" flipV="1">
-            <a:off x="4750522" y="5474576"/>
+            <a:off x="4750522" y="5181172"/>
             <a:ext cx="450078" cy="504056"/>
           </a:xfrm>
           <a:prstGeom prst="straightConnector1">
             <a:avLst/>
           </a:prstGeom>
-          <a:ln w="19050">
+          <a:ln w="31750">
             <a:solidFill>
               <a:schemeClr val="tx1"/>
             </a:solidFill>
-            <a:prstDash val="sysDash"/>
+            <a:prstDash val="sysDot"/>
             <a:tailEnd type="triangle" w="lg" len="med"/>
           </a:ln>
         </p:spPr>
@@ -7439,19 +8636,20 @@
       </p:cxnSp>
       <p:sp>
         <p:nvSpPr>
-          <p:cNvPr id="68" name="正方形/長方形 67"/>
+          <p:cNvPr id="121" name="正方形/長方形 120"/>
           <p:cNvSpPr/>
           <p:nvPr/>
         </p:nvSpPr>
         <p:spPr>
           <a:xfrm>
-            <a:off x="5200600" y="5834616"/>
+            <a:off x="5200600" y="5541212"/>
             <a:ext cx="1115535" cy="288032"/>
           </a:xfrm>
           <a:prstGeom prst="rect">
             <a:avLst/>
           </a:prstGeom>
           <a:ln>
+            <a:noFill/>
             <a:prstDash val="sysDash"/>
           </a:ln>
         </p:spPr>
@@ -7472,36 +8670,40 @@
           </a:fontRef>
         </p:style>
         <p:txBody>
-          <a:bodyPr rtlCol="0" anchor="ctr"/>
+          <a:bodyPr lIns="91429" tIns="0" rIns="91429" bIns="0" rtlCol="0" anchor="ctr">
+            <a:spAutoFit/>
+          </a:bodyPr>
           <a:lstStyle/>
           <a:p>
-            <a:pPr algn="ctr"/>
+            <a:pPr algn="ctr" defTabSz="914295"/>
             <a:r>
               <a:rPr lang="en-US" altLang="ja-JP" dirty="0" err="1"/>
-              <a:t>y</a:t>
-            </a:r>
-            <a:r>
-              <a:rPr lang="en-US" altLang="ja-JP" dirty="0" err="1" smtClean="0"/>
-              <a:t>a-bugfix</a:t>
-            </a:r>
-            <a:endParaRPr kumimoji="1" lang="ja-JP" altLang="en-US" dirty="0"/>
-          </a:p>
-        </p:txBody>
-      </p:sp>
-      <p:sp>
-        <p:nvSpPr>
-          <p:cNvPr id="69" name="円/楕円 68"/>
+              <a:t>ya-bugfix</a:t>
+            </a:r>
+            <a:endParaRPr lang="ja-JP" altLang="en-US" dirty="0"/>
+          </a:p>
+        </p:txBody>
+      </p:sp>
+      <p:sp>
+        <p:nvSpPr>
+          <p:cNvPr id="122" name="円/楕円 121"/>
           <p:cNvSpPr/>
           <p:nvPr/>
         </p:nvSpPr>
         <p:spPr>
           <a:xfrm>
-            <a:off x="7002330" y="3212976"/>
+            <a:off x="7002330" y="2919572"/>
             <a:ext cx="540000" cy="540000"/>
           </a:xfrm>
           <a:prstGeom prst="ellipse">
             <a:avLst/>
           </a:prstGeom>
+          <a:solidFill>
+            <a:srgbClr val="FF0066"/>
+          </a:solidFill>
+          <a:ln>
+            <a:noFill/>
+          </a:ln>
         </p:spPr>
         <p:style>
           <a:lnRef idx="2">
@@ -7520,39 +8722,39 @@
           </a:fontRef>
         </p:style>
         <p:txBody>
-          <a:bodyPr rtlCol="0" anchor="ctr"/>
+          <a:bodyPr lIns="91429" tIns="45715" rIns="91429" bIns="45715" rtlCol="0" anchor="ctr"/>
           <a:lstStyle/>
           <a:p>
-            <a:pPr algn="ctr"/>
-            <a:r>
-              <a:rPr kumimoji="1" lang="en-US" altLang="ja-JP" dirty="0" smtClean="0"/>
+            <a:pPr algn="ctr" defTabSz="914295"/>
+            <a:r>
+              <a:rPr lang="en-US" altLang="ja-JP" dirty="0"/>
               <a:t>G</a:t>
             </a:r>
-            <a:endParaRPr kumimoji="1" lang="ja-JP" altLang="en-US" dirty="0"/>
+            <a:endParaRPr lang="ja-JP" altLang="en-US" dirty="0"/>
           </a:p>
         </p:txBody>
       </p:sp>
       <p:cxnSp>
         <p:nvCxnSpPr>
-          <p:cNvPr id="70" name="直線矢印コネクタ 69"/>
+          <p:cNvPr id="123" name="直線矢印コネクタ 122"/>
           <p:cNvCxnSpPr>
-            <a:stCxn id="69" idx="2"/>
+            <a:stCxn id="122" idx="2"/>
           </p:cNvCxnSpPr>
           <p:nvPr/>
         </p:nvCxnSpPr>
         <p:spPr>
           <a:xfrm flipH="1">
-            <a:off x="6588224" y="3482976"/>
+            <a:off x="6588224" y="3189572"/>
             <a:ext cx="414106" cy="0"/>
           </a:xfrm>
           <a:prstGeom prst="straightConnector1">
             <a:avLst/>
           </a:prstGeom>
-          <a:ln w="19050">
+          <a:ln w="31750">
             <a:solidFill>
               <a:schemeClr val="tx1"/>
             </a:solidFill>
-            <a:prstDash val="sysDash"/>
+            <a:prstDash val="sysDot"/>
             <a:tailEnd type="triangle" w="lg" len="med"/>
           </a:ln>
         </p:spPr>
@@ -7573,26 +8775,26 @@
       </p:cxnSp>
       <p:cxnSp>
         <p:nvCxnSpPr>
-          <p:cNvPr id="71" name="直線矢印コネクタ 70"/>
+          <p:cNvPr id="124" name="直線矢印コネクタ 123"/>
           <p:cNvCxnSpPr>
-            <a:stCxn id="69" idx="3"/>
-            <a:endCxn id="63" idx="6"/>
+            <a:stCxn id="122" idx="3"/>
+            <a:endCxn id="116" idx="6"/>
           </p:cNvCxnSpPr>
           <p:nvPr/>
         </p:nvCxnSpPr>
         <p:spPr>
           <a:xfrm flipH="1">
-            <a:off x="5310082" y="3673895"/>
+            <a:off x="5310082" y="3380491"/>
             <a:ext cx="1771329" cy="677012"/>
           </a:xfrm>
           <a:prstGeom prst="straightConnector1">
             <a:avLst/>
           </a:prstGeom>
-          <a:ln w="19050">
+          <a:ln w="31750">
             <a:solidFill>
               <a:schemeClr val="tx1"/>
             </a:solidFill>
-            <a:prstDash val="sysDash"/>
+            <a:prstDash val="sysDot"/>
             <a:tailEnd type="triangle" w="lg" len="med"/>
           </a:ln>
         </p:spPr>
@@ -7613,26 +8815,26 @@
       </p:cxnSp>
       <p:cxnSp>
         <p:nvCxnSpPr>
-          <p:cNvPr id="72" name="直線矢印コネクタ 71"/>
+          <p:cNvPr id="125" name="直線矢印コネクタ 124"/>
           <p:cNvCxnSpPr>
-            <a:stCxn id="69" idx="4"/>
-            <a:endCxn id="65" idx="6"/>
+            <a:stCxn id="122" idx="4"/>
+            <a:endCxn id="118" idx="6"/>
           </p:cNvCxnSpPr>
           <p:nvPr/>
         </p:nvCxnSpPr>
         <p:spPr>
           <a:xfrm flipH="1">
-            <a:off x="4984593" y="3752976"/>
+            <a:off x="4984593" y="3459572"/>
             <a:ext cx="2287737" cy="1447466"/>
           </a:xfrm>
           <a:prstGeom prst="straightConnector1">
             <a:avLst/>
           </a:prstGeom>
-          <a:ln w="19050">
+          <a:ln w="31750">
             <a:solidFill>
               <a:schemeClr val="tx1"/>
             </a:solidFill>
-            <a:prstDash val="sysDash"/>
+            <a:prstDash val="sysDot"/>
             <a:tailEnd type="triangle" w="lg" len="med"/>
           </a:ln>
         </p:spPr>
@@ -7651,6 +8853,563 @@
           </a:fontRef>
         </p:style>
       </p:cxnSp>
+      <p:sp>
+        <p:nvSpPr>
+          <p:cNvPr id="126" name="角丸四角形吹き出し 70"/>
+          <p:cNvSpPr/>
+          <p:nvPr/>
+        </p:nvSpPr>
+        <p:spPr>
+          <a:xfrm>
+            <a:off x="203401" y="123901"/>
+            <a:ext cx="8737200" cy="1433282"/>
+          </a:xfrm>
+          <a:custGeom>
+            <a:avLst/>
+            <a:gdLst>
+              <a:gd name="connsiteX0" fmla="*/ 0 w 8541658"/>
+              <a:gd name="connsiteY0" fmla="*/ 214817 h 1288876"/>
+              <a:gd name="connsiteX1" fmla="*/ 214817 w 8541658"/>
+              <a:gd name="connsiteY1" fmla="*/ 0 h 1288876"/>
+              <a:gd name="connsiteX2" fmla="*/ 1423610 w 8541658"/>
+              <a:gd name="connsiteY2" fmla="*/ 0 h 1288876"/>
+              <a:gd name="connsiteX3" fmla="*/ 1423610 w 8541658"/>
+              <a:gd name="connsiteY3" fmla="*/ 0 h 1288876"/>
+              <a:gd name="connsiteX4" fmla="*/ 3559024 w 8541658"/>
+              <a:gd name="connsiteY4" fmla="*/ 0 h 1288876"/>
+              <a:gd name="connsiteX5" fmla="*/ 8326841 w 8541658"/>
+              <a:gd name="connsiteY5" fmla="*/ 0 h 1288876"/>
+              <a:gd name="connsiteX6" fmla="*/ 8541658 w 8541658"/>
+              <a:gd name="connsiteY6" fmla="*/ 214817 h 1288876"/>
+              <a:gd name="connsiteX7" fmla="*/ 8541658 w 8541658"/>
+              <a:gd name="connsiteY7" fmla="*/ 751844 h 1288876"/>
+              <a:gd name="connsiteX8" fmla="*/ 8541658 w 8541658"/>
+              <a:gd name="connsiteY8" fmla="*/ 751844 h 1288876"/>
+              <a:gd name="connsiteX9" fmla="*/ 8541658 w 8541658"/>
+              <a:gd name="connsiteY9" fmla="*/ 1074063 h 1288876"/>
+              <a:gd name="connsiteX10" fmla="*/ 8541658 w 8541658"/>
+              <a:gd name="connsiteY10" fmla="*/ 1074059 h 1288876"/>
+              <a:gd name="connsiteX11" fmla="*/ 8326841 w 8541658"/>
+              <a:gd name="connsiteY11" fmla="*/ 1288876 h 1288876"/>
+              <a:gd name="connsiteX12" fmla="*/ 3559024 w 8541658"/>
+              <a:gd name="connsiteY12" fmla="*/ 1288876 h 1288876"/>
+              <a:gd name="connsiteX13" fmla="*/ 2230227 w 8541658"/>
+              <a:gd name="connsiteY13" fmla="*/ 1471381 h 1288876"/>
+              <a:gd name="connsiteX14" fmla="*/ 1423610 w 8541658"/>
+              <a:gd name="connsiteY14" fmla="*/ 1288876 h 1288876"/>
+              <a:gd name="connsiteX15" fmla="*/ 214817 w 8541658"/>
+              <a:gd name="connsiteY15" fmla="*/ 1288876 h 1288876"/>
+              <a:gd name="connsiteX16" fmla="*/ 0 w 8541658"/>
+              <a:gd name="connsiteY16" fmla="*/ 1074059 h 1288876"/>
+              <a:gd name="connsiteX17" fmla="*/ 0 w 8541658"/>
+              <a:gd name="connsiteY17" fmla="*/ 1074063 h 1288876"/>
+              <a:gd name="connsiteX18" fmla="*/ 0 w 8541658"/>
+              <a:gd name="connsiteY18" fmla="*/ 751844 h 1288876"/>
+              <a:gd name="connsiteX19" fmla="*/ 0 w 8541658"/>
+              <a:gd name="connsiteY19" fmla="*/ 751844 h 1288876"/>
+              <a:gd name="connsiteX20" fmla="*/ 0 w 8541658"/>
+              <a:gd name="connsiteY20" fmla="*/ 214817 h 1288876"/>
+              <a:gd name="connsiteX0" fmla="*/ 0 w 8541658"/>
+              <a:gd name="connsiteY0" fmla="*/ 214817 h 1471381"/>
+              <a:gd name="connsiteX1" fmla="*/ 214817 w 8541658"/>
+              <a:gd name="connsiteY1" fmla="*/ 0 h 1471381"/>
+              <a:gd name="connsiteX2" fmla="*/ 1423610 w 8541658"/>
+              <a:gd name="connsiteY2" fmla="*/ 0 h 1471381"/>
+              <a:gd name="connsiteX3" fmla="*/ 1423610 w 8541658"/>
+              <a:gd name="connsiteY3" fmla="*/ 0 h 1471381"/>
+              <a:gd name="connsiteX4" fmla="*/ 3559024 w 8541658"/>
+              <a:gd name="connsiteY4" fmla="*/ 0 h 1471381"/>
+              <a:gd name="connsiteX5" fmla="*/ 8326841 w 8541658"/>
+              <a:gd name="connsiteY5" fmla="*/ 0 h 1471381"/>
+              <a:gd name="connsiteX6" fmla="*/ 8541658 w 8541658"/>
+              <a:gd name="connsiteY6" fmla="*/ 214817 h 1471381"/>
+              <a:gd name="connsiteX7" fmla="*/ 8541658 w 8541658"/>
+              <a:gd name="connsiteY7" fmla="*/ 751844 h 1471381"/>
+              <a:gd name="connsiteX8" fmla="*/ 8541658 w 8541658"/>
+              <a:gd name="connsiteY8" fmla="*/ 751844 h 1471381"/>
+              <a:gd name="connsiteX9" fmla="*/ 8541658 w 8541658"/>
+              <a:gd name="connsiteY9" fmla="*/ 1074063 h 1471381"/>
+              <a:gd name="connsiteX10" fmla="*/ 8541658 w 8541658"/>
+              <a:gd name="connsiteY10" fmla="*/ 1074059 h 1471381"/>
+              <a:gd name="connsiteX11" fmla="*/ 8326841 w 8541658"/>
+              <a:gd name="connsiteY11" fmla="*/ 1288876 h 1471381"/>
+              <a:gd name="connsiteX12" fmla="*/ 1852144 w 8541658"/>
+              <a:gd name="connsiteY12" fmla="*/ 1288876 h 1471381"/>
+              <a:gd name="connsiteX13" fmla="*/ 2230227 w 8541658"/>
+              <a:gd name="connsiteY13" fmla="*/ 1471381 h 1471381"/>
+              <a:gd name="connsiteX14" fmla="*/ 1423610 w 8541658"/>
+              <a:gd name="connsiteY14" fmla="*/ 1288876 h 1471381"/>
+              <a:gd name="connsiteX15" fmla="*/ 214817 w 8541658"/>
+              <a:gd name="connsiteY15" fmla="*/ 1288876 h 1471381"/>
+              <a:gd name="connsiteX16" fmla="*/ 0 w 8541658"/>
+              <a:gd name="connsiteY16" fmla="*/ 1074059 h 1471381"/>
+              <a:gd name="connsiteX17" fmla="*/ 0 w 8541658"/>
+              <a:gd name="connsiteY17" fmla="*/ 1074063 h 1471381"/>
+              <a:gd name="connsiteX18" fmla="*/ 0 w 8541658"/>
+              <a:gd name="connsiteY18" fmla="*/ 751844 h 1471381"/>
+              <a:gd name="connsiteX19" fmla="*/ 0 w 8541658"/>
+              <a:gd name="connsiteY19" fmla="*/ 751844 h 1471381"/>
+              <a:gd name="connsiteX20" fmla="*/ 0 w 8541658"/>
+              <a:gd name="connsiteY20" fmla="*/ 214817 h 1471381"/>
+              <a:gd name="connsiteX0" fmla="*/ 0 w 8541658"/>
+              <a:gd name="connsiteY0" fmla="*/ 214817 h 1433281"/>
+              <a:gd name="connsiteX1" fmla="*/ 214817 w 8541658"/>
+              <a:gd name="connsiteY1" fmla="*/ 0 h 1433281"/>
+              <a:gd name="connsiteX2" fmla="*/ 1423610 w 8541658"/>
+              <a:gd name="connsiteY2" fmla="*/ 0 h 1433281"/>
+              <a:gd name="connsiteX3" fmla="*/ 1423610 w 8541658"/>
+              <a:gd name="connsiteY3" fmla="*/ 0 h 1433281"/>
+              <a:gd name="connsiteX4" fmla="*/ 3559024 w 8541658"/>
+              <a:gd name="connsiteY4" fmla="*/ 0 h 1433281"/>
+              <a:gd name="connsiteX5" fmla="*/ 8326841 w 8541658"/>
+              <a:gd name="connsiteY5" fmla="*/ 0 h 1433281"/>
+              <a:gd name="connsiteX6" fmla="*/ 8541658 w 8541658"/>
+              <a:gd name="connsiteY6" fmla="*/ 214817 h 1433281"/>
+              <a:gd name="connsiteX7" fmla="*/ 8541658 w 8541658"/>
+              <a:gd name="connsiteY7" fmla="*/ 751844 h 1433281"/>
+              <a:gd name="connsiteX8" fmla="*/ 8541658 w 8541658"/>
+              <a:gd name="connsiteY8" fmla="*/ 751844 h 1433281"/>
+              <a:gd name="connsiteX9" fmla="*/ 8541658 w 8541658"/>
+              <a:gd name="connsiteY9" fmla="*/ 1074063 h 1433281"/>
+              <a:gd name="connsiteX10" fmla="*/ 8541658 w 8541658"/>
+              <a:gd name="connsiteY10" fmla="*/ 1074059 h 1433281"/>
+              <a:gd name="connsiteX11" fmla="*/ 8326841 w 8541658"/>
+              <a:gd name="connsiteY11" fmla="*/ 1288876 h 1433281"/>
+              <a:gd name="connsiteX12" fmla="*/ 1852144 w 8541658"/>
+              <a:gd name="connsiteY12" fmla="*/ 1288876 h 1433281"/>
+              <a:gd name="connsiteX13" fmla="*/ 1864467 w 8541658"/>
+              <a:gd name="connsiteY13" fmla="*/ 1433281 h 1433281"/>
+              <a:gd name="connsiteX14" fmla="*/ 1423610 w 8541658"/>
+              <a:gd name="connsiteY14" fmla="*/ 1288876 h 1433281"/>
+              <a:gd name="connsiteX15" fmla="*/ 214817 w 8541658"/>
+              <a:gd name="connsiteY15" fmla="*/ 1288876 h 1433281"/>
+              <a:gd name="connsiteX16" fmla="*/ 0 w 8541658"/>
+              <a:gd name="connsiteY16" fmla="*/ 1074059 h 1433281"/>
+              <a:gd name="connsiteX17" fmla="*/ 0 w 8541658"/>
+              <a:gd name="connsiteY17" fmla="*/ 1074063 h 1433281"/>
+              <a:gd name="connsiteX18" fmla="*/ 0 w 8541658"/>
+              <a:gd name="connsiteY18" fmla="*/ 751844 h 1433281"/>
+              <a:gd name="connsiteX19" fmla="*/ 0 w 8541658"/>
+              <a:gd name="connsiteY19" fmla="*/ 751844 h 1433281"/>
+              <a:gd name="connsiteX20" fmla="*/ 0 w 8541658"/>
+              <a:gd name="connsiteY20" fmla="*/ 214817 h 1433281"/>
+            </a:gdLst>
+            <a:ahLst/>
+            <a:cxnLst>
+              <a:cxn ang="0">
+                <a:pos x="connsiteX0" y="connsiteY0"/>
+              </a:cxn>
+              <a:cxn ang="0">
+                <a:pos x="connsiteX1" y="connsiteY1"/>
+              </a:cxn>
+              <a:cxn ang="0">
+                <a:pos x="connsiteX2" y="connsiteY2"/>
+              </a:cxn>
+              <a:cxn ang="0">
+                <a:pos x="connsiteX3" y="connsiteY3"/>
+              </a:cxn>
+              <a:cxn ang="0">
+                <a:pos x="connsiteX4" y="connsiteY4"/>
+              </a:cxn>
+              <a:cxn ang="0">
+                <a:pos x="connsiteX5" y="connsiteY5"/>
+              </a:cxn>
+              <a:cxn ang="0">
+                <a:pos x="connsiteX6" y="connsiteY6"/>
+              </a:cxn>
+              <a:cxn ang="0">
+                <a:pos x="connsiteX7" y="connsiteY7"/>
+              </a:cxn>
+              <a:cxn ang="0">
+                <a:pos x="connsiteX8" y="connsiteY8"/>
+              </a:cxn>
+              <a:cxn ang="0">
+                <a:pos x="connsiteX9" y="connsiteY9"/>
+              </a:cxn>
+              <a:cxn ang="0">
+                <a:pos x="connsiteX10" y="connsiteY10"/>
+              </a:cxn>
+              <a:cxn ang="0">
+                <a:pos x="connsiteX11" y="connsiteY11"/>
+              </a:cxn>
+              <a:cxn ang="0">
+                <a:pos x="connsiteX12" y="connsiteY12"/>
+              </a:cxn>
+              <a:cxn ang="0">
+                <a:pos x="connsiteX13" y="connsiteY13"/>
+              </a:cxn>
+              <a:cxn ang="0">
+                <a:pos x="connsiteX14" y="connsiteY14"/>
+              </a:cxn>
+              <a:cxn ang="0">
+                <a:pos x="connsiteX15" y="connsiteY15"/>
+              </a:cxn>
+              <a:cxn ang="0">
+                <a:pos x="connsiteX16" y="connsiteY16"/>
+              </a:cxn>
+              <a:cxn ang="0">
+                <a:pos x="connsiteX17" y="connsiteY17"/>
+              </a:cxn>
+              <a:cxn ang="0">
+                <a:pos x="connsiteX18" y="connsiteY18"/>
+              </a:cxn>
+              <a:cxn ang="0">
+                <a:pos x="connsiteX19" y="connsiteY19"/>
+              </a:cxn>
+              <a:cxn ang="0">
+                <a:pos x="connsiteX20" y="connsiteY20"/>
+              </a:cxn>
+            </a:cxnLst>
+            <a:rect l="l" t="t" r="r" b="b"/>
+            <a:pathLst>
+              <a:path w="8541658" h="1433281">
+                <a:moveTo>
+                  <a:pt x="0" y="214817"/>
+                </a:moveTo>
+                <a:cubicBezTo>
+                  <a:pt x="0" y="96177"/>
+                  <a:pt x="96177" y="0"/>
+                  <a:pt x="214817" y="0"/>
+                </a:cubicBezTo>
+                <a:lnTo>
+                  <a:pt x="1423610" y="0"/>
+                </a:lnTo>
+                <a:lnTo>
+                  <a:pt x="1423610" y="0"/>
+                </a:lnTo>
+                <a:lnTo>
+                  <a:pt x="3559024" y="0"/>
+                </a:lnTo>
+                <a:lnTo>
+                  <a:pt x="8326841" y="0"/>
+                </a:lnTo>
+                <a:cubicBezTo>
+                  <a:pt x="8445481" y="0"/>
+                  <a:pt x="8541658" y="96177"/>
+                  <a:pt x="8541658" y="214817"/>
+                </a:cubicBezTo>
+                <a:lnTo>
+                  <a:pt x="8541658" y="751844"/>
+                </a:lnTo>
+                <a:lnTo>
+                  <a:pt x="8541658" y="751844"/>
+                </a:lnTo>
+                <a:lnTo>
+                  <a:pt x="8541658" y="1074063"/>
+                </a:lnTo>
+                <a:lnTo>
+                  <a:pt x="8541658" y="1074059"/>
+                </a:lnTo>
+                <a:cubicBezTo>
+                  <a:pt x="8541658" y="1192699"/>
+                  <a:pt x="8445481" y="1288876"/>
+                  <a:pt x="8326841" y="1288876"/>
+                </a:cubicBezTo>
+                <a:lnTo>
+                  <a:pt x="1852144" y="1288876"/>
+                </a:lnTo>
+                <a:lnTo>
+                  <a:pt x="1864467" y="1433281"/>
+                </a:lnTo>
+                <a:lnTo>
+                  <a:pt x="1423610" y="1288876"/>
+                </a:lnTo>
+                <a:lnTo>
+                  <a:pt x="214817" y="1288876"/>
+                </a:lnTo>
+                <a:cubicBezTo>
+                  <a:pt x="96177" y="1288876"/>
+                  <a:pt x="0" y="1192699"/>
+                  <a:pt x="0" y="1074059"/>
+                </a:cubicBezTo>
+                <a:lnTo>
+                  <a:pt x="0" y="1074063"/>
+                </a:lnTo>
+                <a:lnTo>
+                  <a:pt x="0" y="751844"/>
+                </a:lnTo>
+                <a:lnTo>
+                  <a:pt x="0" y="751844"/>
+                </a:lnTo>
+                <a:lnTo>
+                  <a:pt x="0" y="214817"/>
+                </a:lnTo>
+                <a:close/>
+              </a:path>
+            </a:pathLst>
+          </a:custGeom>
+          <a:solidFill>
+            <a:srgbClr val="03C924"/>
+          </a:solidFill>
+          <a:ln>
+            <a:noFill/>
+          </a:ln>
+        </p:spPr>
+        <p:style>
+          <a:lnRef idx="2">
+            <a:schemeClr val="accent1">
+              <a:shade val="50000"/>
+            </a:schemeClr>
+          </a:lnRef>
+          <a:fillRef idx="1">
+            <a:schemeClr val="accent1"/>
+          </a:fillRef>
+          <a:effectRef idx="0">
+            <a:schemeClr val="accent1"/>
+          </a:effectRef>
+          <a:fontRef idx="minor">
+            <a:schemeClr val="lt1"/>
+          </a:fontRef>
+        </p:style>
+        <p:txBody>
+          <a:bodyPr lIns="143983" tIns="143983" rIns="143983" bIns="0" rtlCol="0" anchor="ctr"/>
+          <a:lstStyle/>
+          <a:p>
+            <a:r>
+              <a:rPr lang="en-US" altLang="ja-JP" b="1" dirty="0">
+                <a:ea typeface="ＭＳ ゴシック" panose="020B0609070205080204" pitchFamily="49" charset="-128"/>
+              </a:rPr>
+              <a:t>m</a:t>
+            </a:r>
+            <a:r>
+              <a:rPr lang="en-US" altLang="ja-JP" b="1" dirty="0" smtClean="0">
+                <a:ea typeface="ＭＳ ゴシック" panose="020B0609070205080204" pitchFamily="49" charset="-128"/>
+              </a:rPr>
+              <a:t>aster </a:t>
+            </a:r>
+            <a:r>
+              <a:rPr lang="ja-JP" altLang="en-US" b="1" dirty="0" smtClean="0">
+                <a:ea typeface="ＭＳ ゴシック" panose="020B0609070205080204" pitchFamily="49" charset="-128"/>
+              </a:rPr>
+              <a:t>ブランチ</a:t>
+            </a:r>
+            <a:r>
+              <a:rPr lang="ja-JP" altLang="en-US" b="1" dirty="0">
+                <a:ea typeface="ＭＳ ゴシック" panose="020B0609070205080204" pitchFamily="49" charset="-128"/>
+              </a:rPr>
+              <a:t>をチェックアウトして、「</a:t>
+            </a:r>
+            <a:r>
+              <a:rPr lang="en-US" altLang="ja-JP" b="1" dirty="0" err="1">
+                <a:ea typeface="ＭＳ ゴシック" panose="020B0609070205080204" pitchFamily="49" charset="-128"/>
+              </a:rPr>
+              <a:t>git</a:t>
+            </a:r>
+            <a:r>
+              <a:rPr lang="en-US" altLang="ja-JP" b="1" dirty="0">
+                <a:ea typeface="ＭＳ ゴシック" panose="020B0609070205080204" pitchFamily="49" charset="-128"/>
+              </a:rPr>
+              <a:t> merge </a:t>
+            </a:r>
+            <a:r>
+              <a:rPr lang="en-US" altLang="ja-JP" b="1" dirty="0" err="1">
+                <a:ea typeface="ＭＳ ゴシック" panose="020B0609070205080204" pitchFamily="49" charset="-128"/>
+              </a:rPr>
+              <a:t>bugfix</a:t>
+            </a:r>
+            <a:r>
+              <a:rPr lang="en-US" altLang="ja-JP" b="1" dirty="0">
+                <a:ea typeface="ＭＳ ゴシック" panose="020B0609070205080204" pitchFamily="49" charset="-128"/>
+              </a:rPr>
+              <a:t> </a:t>
+            </a:r>
+            <a:r>
+              <a:rPr lang="en-US" altLang="ja-JP" b="1" dirty="0" err="1">
+                <a:ea typeface="ＭＳ ゴシック" panose="020B0609070205080204" pitchFamily="49" charset="-128"/>
+              </a:rPr>
+              <a:t>ya-bugfix</a:t>
+            </a:r>
+            <a:r>
+              <a:rPr lang="ja-JP" altLang="en-US" b="1" dirty="0">
+                <a:ea typeface="ＭＳ ゴシック" panose="020B0609070205080204" pitchFamily="49" charset="-128"/>
+              </a:rPr>
+              <a:t>」を</a:t>
+            </a:r>
+            <a:r>
+              <a:rPr lang="ja-JP" altLang="en-US" b="1" dirty="0" smtClean="0">
+                <a:ea typeface="ＭＳ ゴシック" panose="020B0609070205080204" pitchFamily="49" charset="-128"/>
+              </a:rPr>
+              <a:t>実行。</a:t>
+            </a:r>
+            <a:endParaRPr lang="ja-JP" altLang="en-US" b="1" dirty="0">
+              <a:ea typeface="ＭＳ ゴシック" panose="020B0609070205080204" pitchFamily="49" charset="-128"/>
+            </a:endParaRPr>
+          </a:p>
+          <a:p>
+            <a:r>
+              <a:rPr lang="en-US" altLang="ja-JP" b="1" dirty="0">
+                <a:ea typeface="ＭＳ ゴシック" panose="020B0609070205080204" pitchFamily="49" charset="-128"/>
+              </a:rPr>
+              <a:t>3</a:t>
+            </a:r>
+            <a:r>
+              <a:rPr lang="ja-JP" altLang="en-US" b="1" dirty="0" err="1">
+                <a:ea typeface="ＭＳ ゴシック" panose="020B0609070205080204" pitchFamily="49" charset="-128"/>
+              </a:rPr>
+              <a:t>つの</a:t>
+            </a:r>
+            <a:r>
+              <a:rPr lang="ja-JP" altLang="en-US" b="1" dirty="0">
+                <a:ea typeface="ＭＳ ゴシック" panose="020B0609070205080204" pitchFamily="49" charset="-128"/>
+              </a:rPr>
+              <a:t>親をもつ</a:t>
+            </a:r>
+            <a:r>
+              <a:rPr lang="ja-JP" altLang="en-US" b="1" dirty="0" smtClean="0">
+                <a:ea typeface="ＭＳ ゴシック" panose="020B0609070205080204" pitchFamily="49" charset="-128"/>
+              </a:rPr>
+              <a:t>マージコミット </a:t>
+            </a:r>
+            <a:r>
+              <a:rPr lang="en-US" altLang="ja-JP" b="1" dirty="0" smtClean="0">
+                <a:ea typeface="ＭＳ ゴシック" panose="020B0609070205080204" pitchFamily="49" charset="-128"/>
+              </a:rPr>
+              <a:t>G </a:t>
+            </a:r>
+            <a:r>
+              <a:rPr lang="ja-JP" altLang="en-US" b="1" dirty="0" smtClean="0">
+                <a:ea typeface="ＭＳ ゴシック" panose="020B0609070205080204" pitchFamily="49" charset="-128"/>
+              </a:rPr>
+              <a:t>が</a:t>
+            </a:r>
+            <a:r>
+              <a:rPr lang="ja-JP" altLang="en-US" b="1" dirty="0">
+                <a:ea typeface="ＭＳ ゴシック" panose="020B0609070205080204" pitchFamily="49" charset="-128"/>
+              </a:rPr>
+              <a:t>作られ</a:t>
+            </a:r>
+            <a:r>
+              <a:rPr lang="ja-JP" altLang="en-US" b="1" dirty="0" smtClean="0">
+                <a:ea typeface="ＭＳ ゴシック" panose="020B0609070205080204" pitchFamily="49" charset="-128"/>
+              </a:rPr>
+              <a:t>、</a:t>
+            </a:r>
+            <a:endParaRPr lang="en-US" altLang="ja-JP" b="1" dirty="0" smtClean="0">
+              <a:ea typeface="ＭＳ ゴシック" panose="020B0609070205080204" pitchFamily="49" charset="-128"/>
+            </a:endParaRPr>
+          </a:p>
+          <a:p>
+            <a:r>
+              <a:rPr lang="en-US" altLang="ja-JP" b="1" dirty="0">
+                <a:ea typeface="ＭＳ ゴシック" panose="020B0609070205080204" pitchFamily="49" charset="-128"/>
+              </a:rPr>
+              <a:t>m</a:t>
+            </a:r>
+            <a:r>
+              <a:rPr lang="en-US" altLang="ja-JP" b="1" dirty="0" smtClean="0">
+                <a:ea typeface="ＭＳ ゴシック" panose="020B0609070205080204" pitchFamily="49" charset="-128"/>
+              </a:rPr>
+              <a:t>aster </a:t>
+            </a:r>
+            <a:r>
+              <a:rPr lang="ja-JP" altLang="en-US" b="1" dirty="0" smtClean="0">
+                <a:ea typeface="ＭＳ ゴシック" panose="020B0609070205080204" pitchFamily="49" charset="-128"/>
+              </a:rPr>
+              <a:t>ブランチは </a:t>
+            </a:r>
+            <a:r>
+              <a:rPr lang="en-US" altLang="ja-JP" b="1" dirty="0" smtClean="0">
+                <a:ea typeface="ＭＳ ゴシック" panose="020B0609070205080204" pitchFamily="49" charset="-128"/>
+              </a:rPr>
+              <a:t>G </a:t>
+            </a:r>
+            <a:r>
+              <a:rPr lang="ja-JP" altLang="en-US" b="1" dirty="0" smtClean="0">
+                <a:ea typeface="ＭＳ ゴシック" panose="020B0609070205080204" pitchFamily="49" charset="-128"/>
+              </a:rPr>
+              <a:t>を</a:t>
+            </a:r>
+            <a:r>
+              <a:rPr lang="ja-JP" altLang="en-US" b="1" dirty="0">
+                <a:ea typeface="ＭＳ ゴシック" panose="020B0609070205080204" pitchFamily="49" charset="-128"/>
+              </a:rPr>
+              <a:t>指すよう更新された。</a:t>
+            </a:r>
+          </a:p>
+          <a:p>
+            <a:r>
+              <a:rPr lang="ja-JP" altLang="en-US" b="1" dirty="0">
+                <a:ea typeface="ＭＳ ゴシック" panose="020B0609070205080204" pitchFamily="49" charset="-128"/>
+              </a:rPr>
+              <a:t>これ</a:t>
+            </a:r>
+            <a:r>
+              <a:rPr lang="ja-JP" altLang="en-US" b="1" dirty="0" smtClean="0">
+                <a:ea typeface="ＭＳ ゴシック" panose="020B0609070205080204" pitchFamily="49" charset="-128"/>
+              </a:rPr>
+              <a:t>で </a:t>
+            </a:r>
+            <a:r>
+              <a:rPr lang="en-US" altLang="ja-JP" b="1" dirty="0" smtClean="0">
+                <a:ea typeface="ＭＳ ゴシック" panose="020B0609070205080204" pitchFamily="49" charset="-128"/>
+              </a:rPr>
+              <a:t>master </a:t>
+            </a:r>
+            <a:r>
+              <a:rPr lang="ja-JP" altLang="en-US" b="1" dirty="0" smtClean="0">
+                <a:ea typeface="ＭＳ ゴシック" panose="020B0609070205080204" pitchFamily="49" charset="-128"/>
+              </a:rPr>
+              <a:t>ブランチ</a:t>
+            </a:r>
+            <a:r>
+              <a:rPr lang="ja-JP" altLang="en-US" b="1" dirty="0">
+                <a:ea typeface="ＭＳ ゴシック" panose="020B0609070205080204" pitchFamily="49" charset="-128"/>
+              </a:rPr>
+              <a:t>に</a:t>
+            </a:r>
+            <a:r>
+              <a:rPr lang="ja-JP" altLang="en-US" b="1" dirty="0" smtClean="0">
+                <a:ea typeface="ＭＳ ゴシック" panose="020B0609070205080204" pitchFamily="49" charset="-128"/>
+              </a:rPr>
+              <a:t>コミット </a:t>
+            </a:r>
+            <a:r>
+              <a:rPr lang="en-US" altLang="ja-JP" b="1" dirty="0" smtClean="0">
+                <a:ea typeface="ＭＳ ゴシック" panose="020B0609070205080204" pitchFamily="49" charset="-128"/>
+              </a:rPr>
+              <a:t>Z</a:t>
+            </a:r>
+            <a:r>
+              <a:rPr lang="ja-JP" altLang="en-US" b="1" dirty="0" err="1">
+                <a:ea typeface="ＭＳ ゴシック" panose="020B0609070205080204" pitchFamily="49" charset="-128"/>
+              </a:rPr>
+              <a:t>、</a:t>
+            </a:r>
+            <a:r>
+              <a:rPr lang="en-US" altLang="ja-JP" b="1" dirty="0" smtClean="0">
+                <a:ea typeface="ＭＳ ゴシック" panose="020B0609070205080204" pitchFamily="49" charset="-128"/>
+              </a:rPr>
+              <a:t>W </a:t>
+            </a:r>
+            <a:r>
+              <a:rPr lang="ja-JP" altLang="en-US" b="1" dirty="0" smtClean="0">
+                <a:ea typeface="ＭＳ ゴシック" panose="020B0609070205080204" pitchFamily="49" charset="-128"/>
+              </a:rPr>
+              <a:t>が</a:t>
+            </a:r>
+            <a:r>
+              <a:rPr lang="ja-JP" altLang="en-US" b="1" dirty="0">
+                <a:ea typeface="ＭＳ ゴシック" panose="020B0609070205080204" pitchFamily="49" charset="-128"/>
+              </a:rPr>
+              <a:t>取り込まれた</a:t>
+            </a:r>
+            <a:r>
+              <a:rPr lang="ja-JP" altLang="en-US" b="1" dirty="0" smtClean="0">
+                <a:ea typeface="ＭＳ ゴシック" panose="020B0609070205080204" pitchFamily="49" charset="-128"/>
+              </a:rPr>
+              <a:t>。</a:t>
+            </a:r>
+            <a:endParaRPr lang="en-US" altLang="ja-JP" b="1" dirty="0" smtClean="0">
+              <a:ea typeface="ＭＳ ゴシック" panose="020B0609070205080204" pitchFamily="49" charset="-128"/>
+            </a:endParaRPr>
+          </a:p>
+          <a:p>
+            <a:endParaRPr lang="en-US" altLang="ja-JP" b="1" dirty="0" smtClean="0">
+              <a:ea typeface="ＭＳ ゴシック" panose="020B0609070205080204" pitchFamily="49" charset="-128"/>
+            </a:endParaRPr>
+          </a:p>
+        </p:txBody>
+      </p:sp>
     </p:spTree>
     <p:extLst>
       <p:ext uri="{BB962C8B-B14F-4D97-AF65-F5344CB8AC3E}">
